--- a/eds2/Apresentação EDS II.pptx
+++ b/eds2/Apresentação EDS II.pptx
@@ -4,6 +4,9 @@
   <p:sldMasterIdLst>
     <p:sldMasterId id="2147483648" r:id="rId1"/>
   </p:sldMasterIdLst>
+  <p:notesMasterIdLst>
+    <p:notesMasterId r:id="rId14"/>
+  </p:notesMasterIdLst>
   <p:sldIdLst>
     <p:sldId id="256" r:id="rId2"/>
     <p:sldId id="257" r:id="rId3"/>
@@ -12,9 +15,11 @@
     <p:sldId id="267" r:id="rId6"/>
     <p:sldId id="268" r:id="rId7"/>
     <p:sldId id="289" r:id="rId8"/>
-    <p:sldId id="290" r:id="rId9"/>
-    <p:sldId id="291" r:id="rId10"/>
-    <p:sldId id="292" r:id="rId11"/>
+    <p:sldId id="293" r:id="rId9"/>
+    <p:sldId id="385" r:id="rId10"/>
+    <p:sldId id="290" r:id="rId11"/>
+    <p:sldId id="291" r:id="rId12"/>
+    <p:sldId id="292" r:id="rId13"/>
   </p:sldIdLst>
   <p:sldSz cx="12192000" cy="6858000"/>
   <p:notesSz cx="6858000" cy="9144000"/>
@@ -113,7 +118,473 @@
       </a:defRPr>
     </a:lvl9pPr>
   </p:defaultTextStyle>
+  <p:extLst>
+    <p:ext uri="{EFAFB233-063F-42B5-8137-9DF3F51BA10A}">
+      <p15:sldGuideLst xmlns:p15="http://schemas.microsoft.com/office/powerpoint/2012/main"/>
+    </p:ext>
+  </p:extLst>
 </p:presentation>
+</file>
+
+<file path=ppt/notesMasters/notesMaster1.xml><?xml version="1.0" encoding="utf-8"?>
+<p:notesMaster xmlns:a="http://schemas.openxmlformats.org/drawingml/2006/main" xmlns:r="http://schemas.openxmlformats.org/officeDocument/2006/relationships" xmlns:p="http://schemas.openxmlformats.org/presentationml/2006/main">
+  <p:cSld>
+    <p:bg>
+      <p:bgRef idx="1001">
+        <a:schemeClr val="bg1"/>
+      </p:bgRef>
+    </p:bg>
+    <p:spTree>
+      <p:nvGrpSpPr>
+        <p:cNvPr id="1" name=""/>
+        <p:cNvGrpSpPr/>
+        <p:nvPr/>
+      </p:nvGrpSpPr>
+      <p:grpSpPr>
+        <a:xfrm>
+          <a:off x="0" y="0"/>
+          <a:ext cx="0" cy="0"/>
+          <a:chOff x="0" y="0"/>
+          <a:chExt cx="0" cy="0"/>
+        </a:xfrm>
+      </p:grpSpPr>
+      <p:sp>
+        <p:nvSpPr>
+          <p:cNvPr id="2" name="Espaço Reservado para Cabeçalho 1"/>
+          <p:cNvSpPr>
+            <a:spLocks noGrp="1"/>
+          </p:cNvSpPr>
+          <p:nvPr>
+            <p:ph type="hdr" sz="quarter"/>
+          </p:nvPr>
+        </p:nvSpPr>
+        <p:spPr>
+          <a:xfrm>
+            <a:off x="0" y="0"/>
+            <a:ext cx="2971800" cy="458788"/>
+          </a:xfrm>
+          <a:prstGeom prst="rect">
+            <a:avLst/>
+          </a:prstGeom>
+        </p:spPr>
+        <p:txBody>
+          <a:bodyPr vert="horz" lIns="91440" tIns="45720" rIns="91440" bIns="45720" rtlCol="0"/>
+          <a:lstStyle>
+            <a:lvl1pPr algn="l">
+              <a:defRPr sz="1200"/>
+            </a:lvl1pPr>
+          </a:lstStyle>
+          <a:p>
+            <a:endParaRPr lang="pt-BR"/>
+          </a:p>
+        </p:txBody>
+      </p:sp>
+      <p:sp>
+        <p:nvSpPr>
+          <p:cNvPr id="3" name="Espaço Reservado para Data 2"/>
+          <p:cNvSpPr>
+            <a:spLocks noGrp="1"/>
+          </p:cNvSpPr>
+          <p:nvPr>
+            <p:ph type="dt" idx="1"/>
+          </p:nvPr>
+        </p:nvSpPr>
+        <p:spPr>
+          <a:xfrm>
+            <a:off x="3884613" y="0"/>
+            <a:ext cx="2971800" cy="458788"/>
+          </a:xfrm>
+          <a:prstGeom prst="rect">
+            <a:avLst/>
+          </a:prstGeom>
+        </p:spPr>
+        <p:txBody>
+          <a:bodyPr vert="horz" lIns="91440" tIns="45720" rIns="91440" bIns="45720" rtlCol="0"/>
+          <a:lstStyle>
+            <a:lvl1pPr algn="r">
+              <a:defRPr sz="1200"/>
+            </a:lvl1pPr>
+          </a:lstStyle>
+          <a:p>
+            <a:fld id="{89D06AC6-0449-4BD6-A51A-90ED697B54EE}" type="datetimeFigureOut">
+              <a:rPr lang="pt-BR" smtClean="0"/>
+              <a:t>21/06/2023</a:t>
+            </a:fld>
+            <a:endParaRPr lang="pt-BR"/>
+          </a:p>
+        </p:txBody>
+      </p:sp>
+      <p:sp>
+        <p:nvSpPr>
+          <p:cNvPr id="4" name="Espaço Reservado para Imagem de Slide 3"/>
+          <p:cNvSpPr>
+            <a:spLocks noGrp="1" noRot="1" noChangeAspect="1"/>
+          </p:cNvSpPr>
+          <p:nvPr>
+            <p:ph type="sldImg" idx="2"/>
+          </p:nvPr>
+        </p:nvSpPr>
+        <p:spPr>
+          <a:xfrm>
+            <a:off x="685800" y="1143000"/>
+            <a:ext cx="5486400" cy="3086100"/>
+          </a:xfrm>
+          <a:prstGeom prst="rect">
+            <a:avLst/>
+          </a:prstGeom>
+          <a:noFill/>
+          <a:ln w="12700">
+            <a:solidFill>
+              <a:prstClr val="black"/>
+            </a:solidFill>
+          </a:ln>
+        </p:spPr>
+        <p:txBody>
+          <a:bodyPr vert="horz" lIns="91440" tIns="45720" rIns="91440" bIns="45720" rtlCol="0" anchor="ctr"/>
+          <a:lstStyle/>
+          <a:p>
+            <a:endParaRPr lang="pt-BR"/>
+          </a:p>
+        </p:txBody>
+      </p:sp>
+      <p:sp>
+        <p:nvSpPr>
+          <p:cNvPr id="5" name="Espaço Reservado para Anotações 4"/>
+          <p:cNvSpPr>
+            <a:spLocks noGrp="1"/>
+          </p:cNvSpPr>
+          <p:nvPr>
+            <p:ph type="body" sz="quarter" idx="3"/>
+          </p:nvPr>
+        </p:nvSpPr>
+        <p:spPr>
+          <a:xfrm>
+            <a:off x="685800" y="4400550"/>
+            <a:ext cx="5486400" cy="3600450"/>
+          </a:xfrm>
+          <a:prstGeom prst="rect">
+            <a:avLst/>
+          </a:prstGeom>
+        </p:spPr>
+        <p:txBody>
+          <a:bodyPr vert="horz" lIns="91440" tIns="45720" rIns="91440" bIns="45720" rtlCol="0"/>
+          <a:lstStyle/>
+          <a:p>
+            <a:pPr lvl="0"/>
+            <a:r>
+              <a:rPr lang="pt-BR"/>
+              <a:t>Clique para editar os estilos de texto Mestres</a:t>
+            </a:r>
+          </a:p>
+          <a:p>
+            <a:pPr lvl="1"/>
+            <a:r>
+              <a:rPr lang="pt-BR"/>
+              <a:t>Segundo nível</a:t>
+            </a:r>
+          </a:p>
+          <a:p>
+            <a:pPr lvl="2"/>
+            <a:r>
+              <a:rPr lang="pt-BR"/>
+              <a:t>Terceiro nível</a:t>
+            </a:r>
+          </a:p>
+          <a:p>
+            <a:pPr lvl="3"/>
+            <a:r>
+              <a:rPr lang="pt-BR"/>
+              <a:t>Quarto nível</a:t>
+            </a:r>
+          </a:p>
+          <a:p>
+            <a:pPr lvl="4"/>
+            <a:r>
+              <a:rPr lang="pt-BR"/>
+              <a:t>Quinto nível</a:t>
+            </a:r>
+          </a:p>
+        </p:txBody>
+      </p:sp>
+      <p:sp>
+        <p:nvSpPr>
+          <p:cNvPr id="6" name="Espaço Reservado para Rodapé 5"/>
+          <p:cNvSpPr>
+            <a:spLocks noGrp="1"/>
+          </p:cNvSpPr>
+          <p:nvPr>
+            <p:ph type="ftr" sz="quarter" idx="4"/>
+          </p:nvPr>
+        </p:nvSpPr>
+        <p:spPr>
+          <a:xfrm>
+            <a:off x="0" y="8685213"/>
+            <a:ext cx="2971800" cy="458787"/>
+          </a:xfrm>
+          <a:prstGeom prst="rect">
+            <a:avLst/>
+          </a:prstGeom>
+        </p:spPr>
+        <p:txBody>
+          <a:bodyPr vert="horz" lIns="91440" tIns="45720" rIns="91440" bIns="45720" rtlCol="0" anchor="b"/>
+          <a:lstStyle>
+            <a:lvl1pPr algn="l">
+              <a:defRPr sz="1200"/>
+            </a:lvl1pPr>
+          </a:lstStyle>
+          <a:p>
+            <a:endParaRPr lang="pt-BR"/>
+          </a:p>
+        </p:txBody>
+      </p:sp>
+      <p:sp>
+        <p:nvSpPr>
+          <p:cNvPr id="7" name="Espaço Reservado para Número de Slide 6"/>
+          <p:cNvSpPr>
+            <a:spLocks noGrp="1"/>
+          </p:cNvSpPr>
+          <p:nvPr>
+            <p:ph type="sldNum" sz="quarter" idx="5"/>
+          </p:nvPr>
+        </p:nvSpPr>
+        <p:spPr>
+          <a:xfrm>
+            <a:off x="3884613" y="8685213"/>
+            <a:ext cx="2971800" cy="458787"/>
+          </a:xfrm>
+          <a:prstGeom prst="rect">
+            <a:avLst/>
+          </a:prstGeom>
+        </p:spPr>
+        <p:txBody>
+          <a:bodyPr vert="horz" lIns="91440" tIns="45720" rIns="91440" bIns="45720" rtlCol="0" anchor="b"/>
+          <a:lstStyle>
+            <a:lvl1pPr algn="r">
+              <a:defRPr sz="1200"/>
+            </a:lvl1pPr>
+          </a:lstStyle>
+          <a:p>
+            <a:fld id="{6831D5FC-F1CC-4723-B3E5-C32528FD9944}" type="slidenum">
+              <a:rPr lang="pt-BR" smtClean="0"/>
+              <a:t>‹nº›</a:t>
+            </a:fld>
+            <a:endParaRPr lang="pt-BR"/>
+          </a:p>
+        </p:txBody>
+      </p:sp>
+    </p:spTree>
+    <p:extLst>
+      <p:ext uri="{BB962C8B-B14F-4D97-AF65-F5344CB8AC3E}">
+        <p14:creationId xmlns:p14="http://schemas.microsoft.com/office/powerpoint/2010/main" val="3241303558"/>
+      </p:ext>
+    </p:extLst>
+  </p:cSld>
+  <p:clrMap bg1="lt1" tx1="dk1" bg2="lt2" tx2="dk2" accent1="accent1" accent2="accent2" accent3="accent3" accent4="accent4" accent5="accent5" accent6="accent6" hlink="hlink" folHlink="folHlink"/>
+  <p:notesStyle>
+    <a:lvl1pPr marL="0" algn="l" defTabSz="914400" rtl="0" eaLnBrk="1" latinLnBrk="0" hangingPunct="1">
+      <a:defRPr sz="1200" kern="1200">
+        <a:solidFill>
+          <a:schemeClr val="tx1"/>
+        </a:solidFill>
+        <a:latin typeface="+mn-lt"/>
+        <a:ea typeface="+mn-ea"/>
+        <a:cs typeface="+mn-cs"/>
+      </a:defRPr>
+    </a:lvl1pPr>
+    <a:lvl2pPr marL="457200" algn="l" defTabSz="914400" rtl="0" eaLnBrk="1" latinLnBrk="0" hangingPunct="1">
+      <a:defRPr sz="1200" kern="1200">
+        <a:solidFill>
+          <a:schemeClr val="tx1"/>
+        </a:solidFill>
+        <a:latin typeface="+mn-lt"/>
+        <a:ea typeface="+mn-ea"/>
+        <a:cs typeface="+mn-cs"/>
+      </a:defRPr>
+    </a:lvl2pPr>
+    <a:lvl3pPr marL="914400" algn="l" defTabSz="914400" rtl="0" eaLnBrk="1" latinLnBrk="0" hangingPunct="1">
+      <a:defRPr sz="1200" kern="1200">
+        <a:solidFill>
+          <a:schemeClr val="tx1"/>
+        </a:solidFill>
+        <a:latin typeface="+mn-lt"/>
+        <a:ea typeface="+mn-ea"/>
+        <a:cs typeface="+mn-cs"/>
+      </a:defRPr>
+    </a:lvl3pPr>
+    <a:lvl4pPr marL="1371600" algn="l" defTabSz="914400" rtl="0" eaLnBrk="1" latinLnBrk="0" hangingPunct="1">
+      <a:defRPr sz="1200" kern="1200">
+        <a:solidFill>
+          <a:schemeClr val="tx1"/>
+        </a:solidFill>
+        <a:latin typeface="+mn-lt"/>
+        <a:ea typeface="+mn-ea"/>
+        <a:cs typeface="+mn-cs"/>
+      </a:defRPr>
+    </a:lvl4pPr>
+    <a:lvl5pPr marL="1828800" algn="l" defTabSz="914400" rtl="0" eaLnBrk="1" latinLnBrk="0" hangingPunct="1">
+      <a:defRPr sz="1200" kern="1200">
+        <a:solidFill>
+          <a:schemeClr val="tx1"/>
+        </a:solidFill>
+        <a:latin typeface="+mn-lt"/>
+        <a:ea typeface="+mn-ea"/>
+        <a:cs typeface="+mn-cs"/>
+      </a:defRPr>
+    </a:lvl5pPr>
+    <a:lvl6pPr marL="2286000" algn="l" defTabSz="914400" rtl="0" eaLnBrk="1" latinLnBrk="0" hangingPunct="1">
+      <a:defRPr sz="1200" kern="1200">
+        <a:solidFill>
+          <a:schemeClr val="tx1"/>
+        </a:solidFill>
+        <a:latin typeface="+mn-lt"/>
+        <a:ea typeface="+mn-ea"/>
+        <a:cs typeface="+mn-cs"/>
+      </a:defRPr>
+    </a:lvl6pPr>
+    <a:lvl7pPr marL="2743200" algn="l" defTabSz="914400" rtl="0" eaLnBrk="1" latinLnBrk="0" hangingPunct="1">
+      <a:defRPr sz="1200" kern="1200">
+        <a:solidFill>
+          <a:schemeClr val="tx1"/>
+        </a:solidFill>
+        <a:latin typeface="+mn-lt"/>
+        <a:ea typeface="+mn-ea"/>
+        <a:cs typeface="+mn-cs"/>
+      </a:defRPr>
+    </a:lvl7pPr>
+    <a:lvl8pPr marL="3200400" algn="l" defTabSz="914400" rtl="0" eaLnBrk="1" latinLnBrk="0" hangingPunct="1">
+      <a:defRPr sz="1200" kern="1200">
+        <a:solidFill>
+          <a:schemeClr val="tx1"/>
+        </a:solidFill>
+        <a:latin typeface="+mn-lt"/>
+        <a:ea typeface="+mn-ea"/>
+        <a:cs typeface="+mn-cs"/>
+      </a:defRPr>
+    </a:lvl8pPr>
+    <a:lvl9pPr marL="3657600" algn="l" defTabSz="914400" rtl="0" eaLnBrk="1" latinLnBrk="0" hangingPunct="1">
+      <a:defRPr sz="1200" kern="1200">
+        <a:solidFill>
+          <a:schemeClr val="tx1"/>
+        </a:solidFill>
+        <a:latin typeface="+mn-lt"/>
+        <a:ea typeface="+mn-ea"/>
+        <a:cs typeface="+mn-cs"/>
+      </a:defRPr>
+    </a:lvl9pPr>
+  </p:notesStyle>
+</p:notesMaster>
+</file>
+
+<file path=ppt/notesSlides/notesSlide1.xml><?xml version="1.0" encoding="utf-8"?>
+<p:notes xmlns:a="http://schemas.openxmlformats.org/drawingml/2006/main" xmlns:r="http://schemas.openxmlformats.org/officeDocument/2006/relationships" xmlns:p="http://schemas.openxmlformats.org/presentationml/2006/main">
+  <p:cSld>
+    <p:spTree>
+      <p:nvGrpSpPr>
+        <p:cNvPr id="1" name=""/>
+        <p:cNvGrpSpPr/>
+        <p:nvPr/>
+      </p:nvGrpSpPr>
+      <p:grpSpPr>
+        <a:xfrm>
+          <a:off x="0" y="0"/>
+          <a:ext cx="0" cy="0"/>
+          <a:chOff x="0" y="0"/>
+          <a:chExt cx="0" cy="0"/>
+        </a:xfrm>
+      </p:grpSpPr>
+      <p:sp>
+        <p:nvSpPr>
+          <p:cNvPr id="2" name="Espaço Reservado para Imagem de Slide 1"/>
+          <p:cNvSpPr>
+            <a:spLocks noGrp="1" noRot="1" noChangeAspect="1"/>
+          </p:cNvSpPr>
+          <p:nvPr>
+            <p:ph type="sldImg"/>
+          </p:nvPr>
+        </p:nvSpPr>
+        <p:spPr/>
+      </p:sp>
+      <p:sp>
+        <p:nvSpPr>
+          <p:cNvPr id="3" name="Espaço Reservado para Anotações 2"/>
+          <p:cNvSpPr>
+            <a:spLocks noGrp="1"/>
+          </p:cNvSpPr>
+          <p:nvPr>
+            <p:ph type="body" idx="1"/>
+          </p:nvPr>
+        </p:nvSpPr>
+        <p:spPr/>
+        <p:txBody>
+          <a:bodyPr/>
+          <a:lstStyle/>
+          <a:p>
+            <a:r>
+              <a:rPr lang="pt-BR" dirty="0"/>
+              <a:t>Aqui vemos o</a:t>
+            </a:r>
+            <a:r>
+              <a:rPr lang="pt-BR" baseline="0" dirty="0"/>
+              <a:t> campo de saturações e a </a:t>
+            </a:r>
+            <a:r>
+              <a:rPr lang="pt-BR" dirty="0"/>
+              <a:t>adaptação da malha ao longo da</a:t>
+            </a:r>
+            <a:r>
+              <a:rPr lang="pt-BR" baseline="0" dirty="0"/>
+              <a:t> simulação, </a:t>
+            </a:r>
+          </a:p>
+          <a:p>
+            <a:r>
+              <a:rPr lang="pt-BR" baseline="0" dirty="0"/>
+              <a:t>Destacamos os volumes mantidos na escala fina e vemos que estes acompanham a frente de saturação</a:t>
+            </a:r>
+          </a:p>
+          <a:p>
+            <a:r>
+              <a:rPr lang="pt-BR" baseline="0" dirty="0"/>
+              <a:t>Além disso, vemos que a solução na escala NU-ADM apresenta uma boa aproximação em relação à solução direta na escala fina</a:t>
+            </a:r>
+            <a:endParaRPr lang="pt-BR" dirty="0"/>
+          </a:p>
+        </p:txBody>
+      </p:sp>
+      <p:sp>
+        <p:nvSpPr>
+          <p:cNvPr id="4" name="Espaço Reservado para Número de Slide 3"/>
+          <p:cNvSpPr>
+            <a:spLocks noGrp="1"/>
+          </p:cNvSpPr>
+          <p:nvPr>
+            <p:ph type="sldNum" sz="quarter" idx="10"/>
+          </p:nvPr>
+        </p:nvSpPr>
+        <p:spPr/>
+        <p:txBody>
+          <a:bodyPr/>
+          <a:lstStyle/>
+          <a:p>
+            <a:fld id="{55D58BD5-94FE-4E1B-84B6-8C93192CD0AF}" type="slidenum">
+              <a:rPr lang="pt-BR" smtClean="0"/>
+              <a:t>9</a:t>
+            </a:fld>
+            <a:endParaRPr lang="pt-BR"/>
+          </a:p>
+        </p:txBody>
+      </p:sp>
+    </p:spTree>
+    <p:extLst>
+      <p:ext uri="{BB962C8B-B14F-4D97-AF65-F5344CB8AC3E}">
+        <p14:creationId xmlns:p14="http://schemas.microsoft.com/office/powerpoint/2010/main" val="1814751613"/>
+      </p:ext>
+    </p:extLst>
+  </p:cSld>
+  <p:clrMapOvr>
+    <a:masterClrMapping/>
+  </p:clrMapOvr>
+</p:notes>
 </file>
 
 <file path=ppt/slideLayouts/slideLayout1.xml><?xml version="1.0" encoding="utf-8"?>
@@ -263,7 +734,7 @@
           <a:p>
             <a:fld id="{964E0D6C-78B0-46FF-935F-6F37F493721D}" type="datetimeFigureOut">
               <a:rPr lang="pt-BR" smtClean="0"/>
-              <a:t>19/06/2023</a:t>
+              <a:t>21/06/2023</a:t>
             </a:fld>
             <a:endParaRPr lang="pt-BR"/>
           </a:p>
@@ -461,7 +932,7 @@
           <a:p>
             <a:fld id="{964E0D6C-78B0-46FF-935F-6F37F493721D}" type="datetimeFigureOut">
               <a:rPr lang="pt-BR" smtClean="0"/>
-              <a:t>19/06/2023</a:t>
+              <a:t>21/06/2023</a:t>
             </a:fld>
             <a:endParaRPr lang="pt-BR"/>
           </a:p>
@@ -669,7 +1140,7 @@
           <a:p>
             <a:fld id="{964E0D6C-78B0-46FF-935F-6F37F493721D}" type="datetimeFigureOut">
               <a:rPr lang="pt-BR" smtClean="0"/>
-              <a:t>19/06/2023</a:t>
+              <a:t>21/06/2023</a:t>
             </a:fld>
             <a:endParaRPr lang="pt-BR"/>
           </a:p>
@@ -867,7 +1338,7 @@
           <a:p>
             <a:fld id="{964E0D6C-78B0-46FF-935F-6F37F493721D}" type="datetimeFigureOut">
               <a:rPr lang="pt-BR" smtClean="0"/>
-              <a:t>19/06/2023</a:t>
+              <a:t>21/06/2023</a:t>
             </a:fld>
             <a:endParaRPr lang="pt-BR"/>
           </a:p>
@@ -1142,7 +1613,7 @@
           <a:p>
             <a:fld id="{964E0D6C-78B0-46FF-935F-6F37F493721D}" type="datetimeFigureOut">
               <a:rPr lang="pt-BR" smtClean="0"/>
-              <a:t>19/06/2023</a:t>
+              <a:t>21/06/2023</a:t>
             </a:fld>
             <a:endParaRPr lang="pt-BR"/>
           </a:p>
@@ -1407,7 +1878,7 @@
           <a:p>
             <a:fld id="{964E0D6C-78B0-46FF-935F-6F37F493721D}" type="datetimeFigureOut">
               <a:rPr lang="pt-BR" smtClean="0"/>
-              <a:t>19/06/2023</a:t>
+              <a:t>21/06/2023</a:t>
             </a:fld>
             <a:endParaRPr lang="pt-BR"/>
           </a:p>
@@ -1819,7 +2290,7 @@
           <a:p>
             <a:fld id="{964E0D6C-78B0-46FF-935F-6F37F493721D}" type="datetimeFigureOut">
               <a:rPr lang="pt-BR" smtClean="0"/>
-              <a:t>19/06/2023</a:t>
+              <a:t>21/06/2023</a:t>
             </a:fld>
             <a:endParaRPr lang="pt-BR"/>
           </a:p>
@@ -1960,7 +2431,7 @@
           <a:p>
             <a:fld id="{964E0D6C-78B0-46FF-935F-6F37F493721D}" type="datetimeFigureOut">
               <a:rPr lang="pt-BR" smtClean="0"/>
-              <a:t>19/06/2023</a:t>
+              <a:t>21/06/2023</a:t>
             </a:fld>
             <a:endParaRPr lang="pt-BR"/>
           </a:p>
@@ -2073,7 +2544,7 @@
           <a:p>
             <a:fld id="{964E0D6C-78B0-46FF-935F-6F37F493721D}" type="datetimeFigureOut">
               <a:rPr lang="pt-BR" smtClean="0"/>
-              <a:t>19/06/2023</a:t>
+              <a:t>21/06/2023</a:t>
             </a:fld>
             <a:endParaRPr lang="pt-BR"/>
           </a:p>
@@ -2384,7 +2855,7 @@
           <a:p>
             <a:fld id="{964E0D6C-78B0-46FF-935F-6F37F493721D}" type="datetimeFigureOut">
               <a:rPr lang="pt-BR" smtClean="0"/>
-              <a:t>19/06/2023</a:t>
+              <a:t>21/06/2023</a:t>
             </a:fld>
             <a:endParaRPr lang="pt-BR"/>
           </a:p>
@@ -2672,7 +3143,7 @@
           <a:p>
             <a:fld id="{964E0D6C-78B0-46FF-935F-6F37F493721D}" type="datetimeFigureOut">
               <a:rPr lang="pt-BR" smtClean="0"/>
-              <a:t>19/06/2023</a:t>
+              <a:t>21/06/2023</a:t>
             </a:fld>
             <a:endParaRPr lang="pt-BR"/>
           </a:p>
@@ -2913,7 +3384,7 @@
           <a:p>
             <a:fld id="{964E0D6C-78B0-46FF-935F-6F37F493721D}" type="datetimeFigureOut">
               <a:rPr lang="pt-BR" smtClean="0"/>
-              <a:t>19/06/2023</a:t>
+              <a:t>21/06/2023</a:t>
             </a:fld>
             <a:endParaRPr lang="pt-BR"/>
           </a:p>
@@ -3400,6 +3871,72 @@
           </a:p>
         </p:txBody>
       </p:sp>
+      <p:pic>
+        <p:nvPicPr>
+          <p:cNvPr id="4" name="Imagem 3">
+            <a:extLst>
+              <a:ext uri="{FF2B5EF4-FFF2-40B4-BE49-F238E27FC236}">
+                <a16:creationId xmlns:a16="http://schemas.microsoft.com/office/drawing/2014/main" id="{3E2B678B-AFFD-33D4-3D37-24DCA8796D83}"/>
+              </a:ext>
+            </a:extLst>
+          </p:cNvPr>
+          <p:cNvPicPr>
+            <a:picLocks noChangeAspect="1"/>
+          </p:cNvPicPr>
+          <p:nvPr/>
+        </p:nvPicPr>
+        <p:blipFill>
+          <a:blip r:embed="rId2"/>
+          <a:stretch>
+            <a:fillRect/>
+          </a:stretch>
+        </p:blipFill>
+        <p:spPr>
+          <a:xfrm>
+            <a:off x="10765201" y="174838"/>
+            <a:ext cx="971687" cy="1096814"/>
+          </a:xfrm>
+          <a:prstGeom prst="rect">
+            <a:avLst/>
+          </a:prstGeom>
+        </p:spPr>
+      </p:pic>
+      <p:pic>
+        <p:nvPicPr>
+          <p:cNvPr id="5" name="Imagem 4">
+            <a:extLst>
+              <a:ext uri="{FF2B5EF4-FFF2-40B4-BE49-F238E27FC236}">
+                <a16:creationId xmlns:a16="http://schemas.microsoft.com/office/drawing/2014/main" id="{E3ADA464-3939-F021-878F-2042F653906E}"/>
+              </a:ext>
+            </a:extLst>
+          </p:cNvPr>
+          <p:cNvPicPr>
+            <a:picLocks noChangeAspect="1"/>
+          </p:cNvPicPr>
+          <p:nvPr/>
+        </p:nvPicPr>
+        <p:blipFill>
+          <a:blip r:embed="rId3">
+            <a:extLst>
+              <a:ext uri="{28A0092B-C50C-407E-A947-70E740481C1C}">
+                <a14:useLocalDpi xmlns:a14="http://schemas.microsoft.com/office/drawing/2010/main" val="0"/>
+              </a:ext>
+            </a:extLst>
+          </a:blip>
+          <a:stretch>
+            <a:fillRect/>
+          </a:stretch>
+        </p:blipFill>
+        <p:spPr>
+          <a:xfrm>
+            <a:off x="199061" y="174838"/>
+            <a:ext cx="1096814" cy="1096814"/>
+          </a:xfrm>
+          <a:prstGeom prst="rect">
+            <a:avLst/>
+          </a:prstGeom>
+        </p:spPr>
+      </p:pic>
     </p:spTree>
     <p:extLst>
       <p:ext uri="{BB962C8B-B14F-4D97-AF65-F5344CB8AC3E}">
@@ -3432,10 +3969,10 @@
       </p:grpSpPr>
       <p:sp>
         <p:nvSpPr>
-          <p:cNvPr id="2" name="Título 1">
-            <a:extLst>
-              <a:ext uri="{FF2B5EF4-FFF2-40B4-BE49-F238E27FC236}">
-                <a16:creationId xmlns:a16="http://schemas.microsoft.com/office/drawing/2014/main" id="{488BCF8F-D003-582C-DBAE-743C7C6CCC89}"/>
+          <p:cNvPr id="2" name="Title 1">
+            <a:extLst>
+              <a:ext uri="{FF2B5EF4-FFF2-40B4-BE49-F238E27FC236}">
+                <a16:creationId xmlns:a16="http://schemas.microsoft.com/office/drawing/2014/main" id="{82EC1BE0-6A15-4086-BA75-A4489A71F129}"/>
               </a:ext>
             </a:extLst>
           </p:cNvPr>
@@ -3446,400 +3983,71 @@
             <p:ph type="title"/>
           </p:nvPr>
         </p:nvSpPr>
-        <p:spPr/>
+        <p:spPr>
+          <a:xfrm>
+            <a:off x="838200" y="285612"/>
+            <a:ext cx="10515600" cy="1325563"/>
+          </a:xfrm>
+        </p:spPr>
         <p:txBody>
           <a:bodyPr/>
           <a:lstStyle/>
           <a:p>
             <a:r>
-              <a:rPr lang="pt-BR" dirty="0">
+              <a:rPr lang="en-US" dirty="0" err="1">
                 <a:latin typeface="Times New Roman" panose="02020603050405020304" pitchFamily="18" charset="0"/>
                 <a:cs typeface="Times New Roman" panose="02020603050405020304" pitchFamily="18" charset="0"/>
               </a:rPr>
-              <a:t>Equilíbrio de fases (Gargalo)</a:t>
-            </a:r>
-          </a:p>
-        </p:txBody>
-      </p:sp>
-      <p:sp>
-        <p:nvSpPr>
-          <p:cNvPr id="3" name="Espaço Reservado para Conteúdo 2">
-            <a:extLst>
-              <a:ext uri="{FF2B5EF4-FFF2-40B4-BE49-F238E27FC236}">
-                <a16:creationId xmlns:a16="http://schemas.microsoft.com/office/drawing/2014/main" id="{BEE98CC0-9038-08C7-2AB3-1EA256D985C1}"/>
-              </a:ext>
-            </a:extLst>
-          </p:cNvPr>
-          <p:cNvSpPr>
-            <a:spLocks noGrp="1"/>
-          </p:cNvSpPr>
-          <p:nvPr>
-            <p:ph idx="1"/>
-          </p:nvPr>
-        </p:nvSpPr>
-        <p:spPr/>
-        <p:txBody>
-          <a:bodyPr/>
-          <a:lstStyle/>
-          <a:p>
-            <a:r>
-              <a:rPr lang="pt-BR" dirty="0"/>
-              <a:t>Teste de estabilidade</a:t>
-            </a:r>
-          </a:p>
-          <a:p>
-            <a:r>
-              <a:rPr lang="pt-BR" dirty="0"/>
-              <a:t>Cálculo do flash</a:t>
-            </a:r>
-          </a:p>
-        </p:txBody>
-      </p:sp>
-    </p:spTree>
-    <p:extLst>
-      <p:ext uri="{BB962C8B-B14F-4D97-AF65-F5344CB8AC3E}">
-        <p14:creationId xmlns:p14="http://schemas.microsoft.com/office/powerpoint/2010/main" val="1111342363"/>
-      </p:ext>
-    </p:extLst>
-  </p:cSld>
-  <p:clrMapOvr>
-    <a:masterClrMapping/>
-  </p:clrMapOvr>
-</p:sld>
-</file>
-
-<file path=ppt/slides/slide2.xml><?xml version="1.0" encoding="utf-8"?>
-<p:sld xmlns:a="http://schemas.openxmlformats.org/drawingml/2006/main" xmlns:r="http://schemas.openxmlformats.org/officeDocument/2006/relationships" xmlns:p="http://schemas.openxmlformats.org/presentationml/2006/main">
-  <p:cSld>
-    <p:spTree>
-      <p:nvGrpSpPr>
-        <p:cNvPr id="1" name=""/>
-        <p:cNvGrpSpPr/>
-        <p:nvPr/>
-      </p:nvGrpSpPr>
-      <p:grpSpPr>
-        <a:xfrm>
-          <a:off x="0" y="0"/>
-          <a:ext cx="0" cy="0"/>
-          <a:chOff x="0" y="0"/>
-          <a:chExt cx="0" cy="0"/>
-        </a:xfrm>
-      </p:grpSpPr>
-      <p:sp>
-        <p:nvSpPr>
-          <p:cNvPr id="2" name="Título 1">
-            <a:extLst>
-              <a:ext uri="{FF2B5EF4-FFF2-40B4-BE49-F238E27FC236}">
-                <a16:creationId xmlns:a16="http://schemas.microsoft.com/office/drawing/2014/main" id="{78B16F1C-3D61-E91C-7991-2F082B3D871F}"/>
-              </a:ext>
-            </a:extLst>
-          </p:cNvPr>
-          <p:cNvSpPr>
-            <a:spLocks noGrp="1"/>
-          </p:cNvSpPr>
-          <p:nvPr>
-            <p:ph type="title"/>
-          </p:nvPr>
-        </p:nvSpPr>
-        <p:spPr/>
-        <p:txBody>
-          <a:bodyPr/>
-          <a:lstStyle/>
-          <a:p>
-            <a:r>
-              <a:rPr lang="pt-BR" dirty="0">
+              <a:t>Métodos</a:t>
+            </a:r>
+            <a:r>
+              <a:rPr lang="en-US" dirty="0">
                 <a:latin typeface="Times New Roman" panose="02020603050405020304" pitchFamily="18" charset="0"/>
                 <a:cs typeface="Times New Roman" panose="02020603050405020304" pitchFamily="18" charset="0"/>
               </a:rPr>
-              <a:t>Tema do mestrado</a:t>
-            </a:r>
-          </a:p>
-        </p:txBody>
-      </p:sp>
-      <p:sp>
-        <p:nvSpPr>
-          <p:cNvPr id="3" name="Espaço Reservado para Conteúdo 2">
-            <a:extLst>
-              <a:ext uri="{FF2B5EF4-FFF2-40B4-BE49-F238E27FC236}">
-                <a16:creationId xmlns:a16="http://schemas.microsoft.com/office/drawing/2014/main" id="{2F961D06-45D9-0730-E36E-BC06808DBF32}"/>
-              </a:ext>
-            </a:extLst>
-          </p:cNvPr>
-          <p:cNvSpPr>
-            <a:spLocks noGrp="1"/>
-          </p:cNvSpPr>
-          <p:nvPr>
-            <p:ph idx="1"/>
-          </p:nvPr>
-        </p:nvSpPr>
-        <p:spPr/>
-        <p:txBody>
-          <a:bodyPr/>
-          <a:lstStyle/>
-          <a:p>
-            <a:pPr marL="0" indent="0">
-              <a:buNone/>
-            </a:pPr>
-            <a:r>
-              <a:rPr lang="pt-BR" dirty="0">
+              <a:t> de </a:t>
+            </a:r>
+            <a:r>
+              <a:rPr lang="en-US" dirty="0" err="1">
                 <a:latin typeface="Times New Roman" panose="02020603050405020304" pitchFamily="18" charset="0"/>
                 <a:cs typeface="Times New Roman" panose="02020603050405020304" pitchFamily="18" charset="0"/>
               </a:rPr>
-              <a:t>Aplicação do método multinível algébrico dinâmico não uniforme no escoamento composicional em reservatórios de petróleo utilizando malhas não estruturadas.</a:t>
-            </a:r>
-          </a:p>
-        </p:txBody>
-      </p:sp>
-    </p:spTree>
-    <p:extLst>
-      <p:ext uri="{BB962C8B-B14F-4D97-AF65-F5344CB8AC3E}">
-        <p14:creationId xmlns:p14="http://schemas.microsoft.com/office/powerpoint/2010/main" val="2019862348"/>
-      </p:ext>
-    </p:extLst>
-  </p:cSld>
-  <p:clrMapOvr>
-    <a:masterClrMapping/>
-  </p:clrMapOvr>
-</p:sld>
-</file>
-
-<file path=ppt/slides/slide3.xml><?xml version="1.0" encoding="utf-8"?>
-<p:sld xmlns:a="http://schemas.openxmlformats.org/drawingml/2006/main" xmlns:r="http://schemas.openxmlformats.org/officeDocument/2006/relationships" xmlns:p="http://schemas.openxmlformats.org/presentationml/2006/main">
-  <p:cSld>
-    <p:spTree>
-      <p:nvGrpSpPr>
-        <p:cNvPr id="1" name=""/>
-        <p:cNvGrpSpPr/>
-        <p:nvPr/>
-      </p:nvGrpSpPr>
-      <p:grpSpPr>
-        <a:xfrm>
-          <a:off x="0" y="0"/>
-          <a:ext cx="0" cy="0"/>
-          <a:chOff x="0" y="0"/>
-          <a:chExt cx="0" cy="0"/>
-        </a:xfrm>
-      </p:grpSpPr>
-      <p:sp>
-        <p:nvSpPr>
-          <p:cNvPr id="2" name="Título 1">
-            <a:extLst>
-              <a:ext uri="{FF2B5EF4-FFF2-40B4-BE49-F238E27FC236}">
-                <a16:creationId xmlns:a16="http://schemas.microsoft.com/office/drawing/2014/main" id="{78B16F1C-3D61-E91C-7991-2F082B3D871F}"/>
-              </a:ext>
-            </a:extLst>
-          </p:cNvPr>
-          <p:cNvSpPr>
-            <a:spLocks noGrp="1"/>
-          </p:cNvSpPr>
-          <p:nvPr>
-            <p:ph type="title"/>
-          </p:nvPr>
-        </p:nvSpPr>
-        <p:spPr/>
-        <p:txBody>
-          <a:bodyPr/>
-          <a:lstStyle/>
-          <a:p>
-            <a:r>
-              <a:rPr lang="pt-BR" dirty="0">
+              <a:t>aproximação</a:t>
+            </a:r>
+            <a:r>
+              <a:rPr lang="en-US" dirty="0">
                 <a:latin typeface="Times New Roman" panose="02020603050405020304" pitchFamily="18" charset="0"/>
                 <a:cs typeface="Times New Roman" panose="02020603050405020304" pitchFamily="18" charset="0"/>
               </a:rPr>
-              <a:t>Simulação numérica</a:t>
-            </a:r>
-          </a:p>
-        </p:txBody>
-      </p:sp>
-      <p:sp>
-        <p:nvSpPr>
-          <p:cNvPr id="3" name="Espaço Reservado para Conteúdo 2">
-            <a:extLst>
-              <a:ext uri="{FF2B5EF4-FFF2-40B4-BE49-F238E27FC236}">
-                <a16:creationId xmlns:a16="http://schemas.microsoft.com/office/drawing/2014/main" id="{2F961D06-45D9-0730-E36E-BC06808DBF32}"/>
-              </a:ext>
-            </a:extLst>
-          </p:cNvPr>
-          <p:cNvSpPr>
-            <a:spLocks noGrp="1"/>
-          </p:cNvSpPr>
-          <p:nvPr>
-            <p:ph idx="1"/>
-          </p:nvPr>
-        </p:nvSpPr>
-        <p:spPr/>
-        <p:txBody>
-          <a:bodyPr/>
-          <a:lstStyle/>
-          <a:p>
-            <a:pPr marL="0" indent="0">
-              <a:buNone/>
-            </a:pPr>
-            <a:r>
-              <a:rPr lang="pt-BR" dirty="0">
+              <a:t> do </a:t>
+            </a:r>
+            <a:r>
+              <a:rPr lang="en-US" dirty="0" err="1">
                 <a:latin typeface="Times New Roman" panose="02020603050405020304" pitchFamily="18" charset="0"/>
                 <a:cs typeface="Times New Roman" panose="02020603050405020304" pitchFamily="18" charset="0"/>
               </a:rPr>
-              <a:t>Objetivos</a:t>
-            </a:r>
-          </a:p>
-          <a:p>
-            <a:pPr marL="0" indent="0">
-              <a:buNone/>
-            </a:pPr>
-            <a:r>
-              <a:rPr lang="pt-BR" dirty="0">
-                <a:latin typeface="Times New Roman" panose="02020603050405020304" pitchFamily="18" charset="0"/>
-                <a:cs typeface="Times New Roman" panose="02020603050405020304" pitchFamily="18" charset="0"/>
-              </a:rPr>
-              <a:t>	Predizer o comportamento do escoamento</a:t>
-            </a:r>
-          </a:p>
-          <a:p>
-            <a:pPr marL="0" indent="0">
-              <a:buNone/>
-            </a:pPr>
-            <a:r>
-              <a:rPr lang="pt-BR" dirty="0">
-                <a:latin typeface="Times New Roman" panose="02020603050405020304" pitchFamily="18" charset="0"/>
-                <a:cs typeface="Times New Roman" panose="02020603050405020304" pitchFamily="18" charset="0"/>
-              </a:rPr>
-              <a:t>	Reduzir riscos financeiros e ambientais</a:t>
-            </a:r>
-          </a:p>
-          <a:p>
-            <a:pPr marL="0" indent="0">
-              <a:buNone/>
-            </a:pPr>
-            <a:r>
-              <a:rPr lang="pt-BR" dirty="0">
-                <a:latin typeface="Times New Roman" panose="02020603050405020304" pitchFamily="18" charset="0"/>
-                <a:cs typeface="Times New Roman" panose="02020603050405020304" pitchFamily="18" charset="0"/>
-              </a:rPr>
-              <a:t>Problema</a:t>
-            </a:r>
-          </a:p>
-          <a:p>
-            <a:pPr marL="0" indent="0">
-              <a:buNone/>
-            </a:pPr>
-            <a:r>
-              <a:rPr lang="pt-BR" dirty="0">
-                <a:latin typeface="Times New Roman" panose="02020603050405020304" pitchFamily="18" charset="0"/>
-                <a:cs typeface="Times New Roman" panose="02020603050405020304" pitchFamily="18" charset="0"/>
-              </a:rPr>
-              <a:t>	Tempo</a:t>
-            </a:r>
-          </a:p>
-        </p:txBody>
-      </p:sp>
-    </p:spTree>
-    <p:extLst>
-      <p:ext uri="{BB962C8B-B14F-4D97-AF65-F5344CB8AC3E}">
-        <p14:creationId xmlns:p14="http://schemas.microsoft.com/office/powerpoint/2010/main" val="2509178670"/>
-      </p:ext>
-    </p:extLst>
-  </p:cSld>
-  <p:clrMapOvr>
-    <a:masterClrMapping/>
-  </p:clrMapOvr>
-</p:sld>
-</file>
-
-<file path=ppt/slides/slide4.xml><?xml version="1.0" encoding="utf-8"?>
-<p:sld xmlns:a="http://schemas.openxmlformats.org/drawingml/2006/main" xmlns:r="http://schemas.openxmlformats.org/officeDocument/2006/relationships" xmlns:p="http://schemas.openxmlformats.org/presentationml/2006/main">
-  <p:cSld>
-    <p:spTree>
-      <p:nvGrpSpPr>
-        <p:cNvPr id="1" name=""/>
-        <p:cNvGrpSpPr/>
-        <p:nvPr/>
-      </p:nvGrpSpPr>
-      <p:grpSpPr>
-        <a:xfrm>
-          <a:off x="0" y="0"/>
-          <a:ext cx="0" cy="0"/>
-          <a:chOff x="0" y="0"/>
-          <a:chExt cx="0" cy="0"/>
-        </a:xfrm>
-      </p:grpSpPr>
-      <p:sp>
-        <p:nvSpPr>
-          <p:cNvPr id="2" name="Título 1">
-            <a:extLst>
-              <a:ext uri="{FF2B5EF4-FFF2-40B4-BE49-F238E27FC236}">
-                <a16:creationId xmlns:a16="http://schemas.microsoft.com/office/drawing/2014/main" id="{78B16F1C-3D61-E91C-7991-2F082B3D871F}"/>
-              </a:ext>
-            </a:extLst>
-          </p:cNvPr>
-          <p:cNvSpPr>
-            <a:spLocks noGrp="1"/>
-          </p:cNvSpPr>
-          <p:nvPr>
-            <p:ph type="title"/>
-          </p:nvPr>
-        </p:nvSpPr>
-        <p:spPr/>
-        <p:txBody>
-          <a:bodyPr/>
-          <a:lstStyle/>
-          <a:p>
-            <a:r>
-              <a:rPr lang="pt-BR" dirty="0">
-                <a:latin typeface="Times New Roman" panose="02020603050405020304" pitchFamily="18" charset="0"/>
-                <a:cs typeface="Times New Roman" panose="02020603050405020304" pitchFamily="18" charset="0"/>
-              </a:rPr>
-              <a:t>Estratégias de mudança de escala</a:t>
-            </a:r>
-          </a:p>
-        </p:txBody>
-      </p:sp>
-      <p:pic>
-        <p:nvPicPr>
-          <p:cNvPr id="14" name="Imagem 17">
-            <a:extLst>
-              <a:ext uri="{FF2B5EF4-FFF2-40B4-BE49-F238E27FC236}">
-                <a16:creationId xmlns:a16="http://schemas.microsoft.com/office/drawing/2014/main" id="{CA7D7784-3DC4-7FFF-EA70-EE83C1382E97}"/>
-              </a:ext>
-            </a:extLst>
-          </p:cNvPr>
-          <p:cNvPicPr>
-            <a:picLocks noChangeAspect="1"/>
-          </p:cNvPicPr>
+              <a:t>fluxo</a:t>
+            </a:r>
+            <a:endParaRPr lang="en-US" dirty="0"/>
+          </a:p>
+        </p:txBody>
+      </p:sp>
+      <p:sp>
+        <p:nvSpPr>
+          <p:cNvPr id="10" name="TextBox 9">
+            <a:extLst>
+              <a:ext uri="{FF2B5EF4-FFF2-40B4-BE49-F238E27FC236}">
+                <a16:creationId xmlns:a16="http://schemas.microsoft.com/office/drawing/2014/main" id="{50FC5AFD-279F-4A9C-8552-1D573D0552EC}"/>
+              </a:ext>
+            </a:extLst>
+          </p:cNvPr>
+          <p:cNvSpPr txBox="1"/>
           <p:nvPr/>
-        </p:nvPicPr>
-        <p:blipFill>
-          <a:blip r:embed="rId2"/>
-          <a:stretch>
-            <a:fillRect/>
-          </a:stretch>
-        </p:blipFill>
+        </p:nvSpPr>
         <p:spPr>
           <a:xfrm>
-            <a:off x="1538965" y="1745880"/>
-            <a:ext cx="2200275" cy="1537654"/>
-          </a:xfrm>
-          <a:prstGeom prst="rect">
-            <a:avLst/>
-          </a:prstGeom>
-        </p:spPr>
-      </p:pic>
-      <p:sp>
-        <p:nvSpPr>
-          <p:cNvPr id="15" name="CaixaDeTexto 14">
-            <a:extLst>
-              <a:ext uri="{FF2B5EF4-FFF2-40B4-BE49-F238E27FC236}">
-                <a16:creationId xmlns:a16="http://schemas.microsoft.com/office/drawing/2014/main" id="{74EDC8CE-E9B9-E7EC-4372-4E61F6565D4F}"/>
-              </a:ext>
-            </a:extLst>
-          </p:cNvPr>
-          <p:cNvSpPr txBox="1"/>
-          <p:nvPr/>
-        </p:nvSpPr>
-        <p:spPr>
-          <a:xfrm>
-            <a:off x="443590" y="2190857"/>
-            <a:ext cx="1133475" cy="369332"/>
+            <a:off x="4901703" y="1270239"/>
+            <a:ext cx="3241614" cy="369332"/>
           </a:xfrm>
           <a:prstGeom prst="rect">
             <a:avLst/>
@@ -3855,15 +4063,14 @@
           </a:bodyPr>
           <a:lstStyle/>
           <a:p>
-            <a:pPr algn="l"/>
-            <a:r>
-              <a:rPr lang="pt-BR" err="1">
+            <a:r>
+              <a:rPr lang="en-US" dirty="0" err="1">
                 <a:latin typeface="Times New Roman"/>
                 <a:cs typeface="Times New Roman"/>
               </a:rPr>
-              <a:t>Upscaling</a:t>
-            </a:r>
-            <a:endParaRPr lang="pt-BR">
+              <a:t>Viscosidade</a:t>
+            </a:r>
+            <a:endParaRPr lang="en-US" dirty="0">
               <a:latin typeface="Times New Roman"/>
               <a:cs typeface="Times New Roman"/>
             </a:endParaRPr>
@@ -3872,547 +4079,581 @@
       </p:sp>
       <p:sp>
         <p:nvSpPr>
-          <p:cNvPr id="16" name="CaixaDeTexto 15">
-            <a:extLst>
-              <a:ext uri="{FF2B5EF4-FFF2-40B4-BE49-F238E27FC236}">
-                <a16:creationId xmlns:a16="http://schemas.microsoft.com/office/drawing/2014/main" id="{39D65A4A-C5BA-9D1D-2213-066094A2AE3E}"/>
-              </a:ext>
-            </a:extLst>
-          </p:cNvPr>
-          <p:cNvSpPr txBox="1"/>
+          <p:cNvPr id="16" name="Espaço Reservado para Conteúdo 4">
+            <a:extLst>
+              <a:ext uri="{FF2B5EF4-FFF2-40B4-BE49-F238E27FC236}">
+                <a16:creationId xmlns:a16="http://schemas.microsoft.com/office/drawing/2014/main" id="{13E8B07D-E4C8-463E-8271-64714547B4C2}"/>
+              </a:ext>
+            </a:extLst>
+          </p:cNvPr>
+          <p:cNvSpPr txBox="1">
+            <a:spLocks/>
+          </p:cNvSpPr>
           <p:nvPr/>
         </p:nvSpPr>
         <p:spPr>
           <a:xfrm>
-            <a:off x="1939015" y="3286232"/>
-            <a:ext cx="1276350" cy="369332"/>
-          </a:xfrm>
-          <a:prstGeom prst="rect">
-            <a:avLst/>
-          </a:prstGeom>
-          <a:noFill/>
-        </p:spPr>
-        <p:txBody>
-          <a:bodyPr rot="0" spcFirstLastPara="0" vertOverflow="overflow" horzOverflow="overflow" vert="horz" wrap="square" lIns="91440" tIns="45720" rIns="91440" bIns="45720" numCol="1" spcCol="0" rtlCol="0" fromWordArt="0" anchor="t" anchorCtr="0" forceAA="0" compatLnSpc="1">
-            <a:prstTxWarp prst="textNoShape">
-              <a:avLst/>
-            </a:prstTxWarp>
-            <a:spAutoFit/>
-          </a:bodyPr>
-          <a:lstStyle/>
-          <a:p>
-            <a:pPr algn="l"/>
-            <a:r>
-              <a:rPr lang="pt-BR" err="1">
-                <a:latin typeface="Times New Roman"/>
-                <a:cs typeface="Calibri"/>
-              </a:rPr>
-              <a:t>Upscaling</a:t>
-            </a:r>
-            <a:endParaRPr lang="pt-BR">
-              <a:latin typeface="Times New Roman"/>
-              <a:cs typeface="Calibri"/>
-            </a:endParaRPr>
-          </a:p>
-        </p:txBody>
-      </p:sp>
-      <p:sp>
-        <p:nvSpPr>
-          <p:cNvPr id="18" name="CaixaDeTexto 17">
-            <a:extLst>
-              <a:ext uri="{FF2B5EF4-FFF2-40B4-BE49-F238E27FC236}">
-                <a16:creationId xmlns:a16="http://schemas.microsoft.com/office/drawing/2014/main" id="{4D6ABB73-4B71-9C68-1103-AE2FF3D2B616}"/>
-              </a:ext>
-            </a:extLst>
-          </p:cNvPr>
-          <p:cNvSpPr txBox="1"/>
-          <p:nvPr/>
-        </p:nvSpPr>
-        <p:spPr>
-          <a:xfrm>
-            <a:off x="1536988" y="3646025"/>
-            <a:ext cx="1765540" cy="369332"/>
-          </a:xfrm>
-          <a:prstGeom prst="rect">
-            <a:avLst/>
-          </a:prstGeom>
-          <a:noFill/>
-        </p:spPr>
-        <p:txBody>
-          <a:bodyPr rot="0" spcFirstLastPara="0" vertOverflow="overflow" horzOverflow="overflow" vert="horz" wrap="square" lIns="91440" tIns="45720" rIns="91440" bIns="45720" numCol="1" spcCol="0" rtlCol="0" fromWordArt="0" anchor="t" anchorCtr="0" forceAA="0" compatLnSpc="1">
-            <a:prstTxWarp prst="textNoShape">
-              <a:avLst/>
-            </a:prstTxWarp>
-            <a:spAutoFit/>
-          </a:bodyPr>
-          <a:lstStyle/>
-          <a:p>
-            <a:pPr marL="285750" indent="-285750">
-              <a:buFont typeface="Arial"/>
-              <a:buChar char="•"/>
-            </a:pPr>
-            <a:r>
-              <a:rPr lang="pt-BR" err="1">
-                <a:latin typeface="Times New Roman"/>
-                <a:cs typeface="Times New Roman"/>
-              </a:rPr>
-              <a:t>Low</a:t>
-            </a:r>
-            <a:r>
-              <a:rPr lang="pt-BR">
-                <a:latin typeface="Times New Roman"/>
-                <a:cs typeface="Times New Roman"/>
-              </a:rPr>
-              <a:t> </a:t>
-            </a:r>
-            <a:r>
-              <a:rPr lang="pt-BR" err="1">
-                <a:latin typeface="Times New Roman"/>
-                <a:cs typeface="Times New Roman"/>
-              </a:rPr>
-              <a:t>accuracy</a:t>
-            </a:r>
-            <a:endParaRPr lang="pt-BR">
-              <a:latin typeface="Times New Roman"/>
-              <a:cs typeface="Times New Roman"/>
-            </a:endParaRPr>
-          </a:p>
-        </p:txBody>
-      </p:sp>
-    </p:spTree>
-    <p:extLst>
-      <p:ext uri="{BB962C8B-B14F-4D97-AF65-F5344CB8AC3E}">
-        <p14:creationId xmlns:p14="http://schemas.microsoft.com/office/powerpoint/2010/main" val="140351363"/>
-      </p:ext>
-    </p:extLst>
-  </p:cSld>
-  <p:clrMapOvr>
-    <a:masterClrMapping/>
-  </p:clrMapOvr>
-</p:sld>
-</file>
-
-<file path=ppt/slides/slide5.xml><?xml version="1.0" encoding="utf-8"?>
-<p:sld xmlns:a="http://schemas.openxmlformats.org/drawingml/2006/main" xmlns:r="http://schemas.openxmlformats.org/officeDocument/2006/relationships" xmlns:p="http://schemas.openxmlformats.org/presentationml/2006/main">
-  <p:cSld>
-    <p:spTree>
-      <p:nvGrpSpPr>
-        <p:cNvPr id="1" name=""/>
-        <p:cNvGrpSpPr/>
-        <p:nvPr/>
-      </p:nvGrpSpPr>
-      <p:grpSpPr>
-        <a:xfrm>
-          <a:off x="0" y="0"/>
-          <a:ext cx="0" cy="0"/>
-          <a:chOff x="0" y="0"/>
-          <a:chExt cx="0" cy="0"/>
-        </a:xfrm>
-      </p:grpSpPr>
-      <p:sp>
-        <p:nvSpPr>
-          <p:cNvPr id="2" name="Título 1">
-            <a:extLst>
-              <a:ext uri="{FF2B5EF4-FFF2-40B4-BE49-F238E27FC236}">
-                <a16:creationId xmlns:a16="http://schemas.microsoft.com/office/drawing/2014/main" id="{78B16F1C-3D61-E91C-7991-2F082B3D871F}"/>
-              </a:ext>
-            </a:extLst>
-          </p:cNvPr>
-          <p:cNvSpPr>
-            <a:spLocks noGrp="1"/>
-          </p:cNvSpPr>
-          <p:nvPr>
-            <p:ph type="title"/>
-          </p:nvPr>
-        </p:nvSpPr>
-        <p:spPr/>
-        <p:txBody>
-          <a:bodyPr/>
-          <a:lstStyle/>
-          <a:p>
-            <a:r>
-              <a:rPr lang="pt-BR" dirty="0">
-                <a:latin typeface="Times New Roman" panose="02020603050405020304" pitchFamily="18" charset="0"/>
-                <a:cs typeface="Times New Roman" panose="02020603050405020304" pitchFamily="18" charset="0"/>
-              </a:rPr>
-              <a:t>Estratégias de mudança de escala</a:t>
-            </a:r>
-          </a:p>
-        </p:txBody>
-      </p:sp>
-      <p:sp>
-        <p:nvSpPr>
-          <p:cNvPr id="11" name="CaixaDeTexto 10">
-            <a:extLst>
-              <a:ext uri="{FF2B5EF4-FFF2-40B4-BE49-F238E27FC236}">
-                <a16:creationId xmlns:a16="http://schemas.microsoft.com/office/drawing/2014/main" id="{8CED1240-51DA-61DB-019F-8FD1EF1D7792}"/>
-              </a:ext>
-            </a:extLst>
-          </p:cNvPr>
-          <p:cNvSpPr txBox="1"/>
-          <p:nvPr/>
-        </p:nvSpPr>
-        <p:spPr>
-          <a:xfrm>
-            <a:off x="7467214" y="1620329"/>
-            <a:ext cx="1243128" cy="369332"/>
-          </a:xfrm>
-          <a:prstGeom prst="rect">
-            <a:avLst/>
-          </a:prstGeom>
-          <a:noFill/>
-        </p:spPr>
-        <p:txBody>
-          <a:bodyPr rot="0" spcFirstLastPara="0" vertOverflow="overflow" horzOverflow="overflow" vert="horz" wrap="square" lIns="91440" tIns="45720" rIns="91440" bIns="45720" numCol="1" spcCol="0" rtlCol="0" fromWordArt="0" anchor="t" anchorCtr="0" forceAA="0" compatLnSpc="1">
-            <a:prstTxWarp prst="textNoShape">
-              <a:avLst/>
-            </a:prstTxWarp>
-            <a:spAutoFit/>
-          </a:bodyPr>
-          <a:lstStyle/>
-          <a:p>
-            <a:pPr algn="l"/>
-            <a:r>
-              <a:rPr lang="pt-BR" err="1">
-                <a:latin typeface="Times New Roman" panose="02020603050405020304" pitchFamily="18" charset="0"/>
-                <a:cs typeface="Times New Roman" panose="02020603050405020304" pitchFamily="18" charset="0"/>
-              </a:rPr>
-              <a:t>Restriction</a:t>
-            </a:r>
-            <a:endParaRPr lang="pt-BR">
-              <a:latin typeface="Times New Roman" panose="02020603050405020304" pitchFamily="18" charset="0"/>
-              <a:cs typeface="Times New Roman" panose="02020603050405020304" pitchFamily="18" charset="0"/>
-            </a:endParaRPr>
-          </a:p>
-        </p:txBody>
-      </p:sp>
-      <p:sp>
-        <p:nvSpPr>
-          <p:cNvPr id="12" name="CaixaDeTexto 11">
-            <a:extLst>
-              <a:ext uri="{FF2B5EF4-FFF2-40B4-BE49-F238E27FC236}">
-                <a16:creationId xmlns:a16="http://schemas.microsoft.com/office/drawing/2014/main" id="{AE91BD1C-9F3B-E56B-0B71-C25CD609D8E2}"/>
-              </a:ext>
-            </a:extLst>
-          </p:cNvPr>
-          <p:cNvSpPr txBox="1"/>
-          <p:nvPr/>
-        </p:nvSpPr>
-        <p:spPr>
-          <a:xfrm>
-            <a:off x="10734316" y="1782433"/>
-            <a:ext cx="1403410" cy="369332"/>
-          </a:xfrm>
-          <a:prstGeom prst="rect">
-            <a:avLst/>
-          </a:prstGeom>
-          <a:noFill/>
-        </p:spPr>
-        <p:txBody>
-          <a:bodyPr rot="0" spcFirstLastPara="0" vertOverflow="overflow" horzOverflow="overflow" vert="horz" wrap="square" lIns="91440" tIns="45720" rIns="91440" bIns="45720" numCol="1" spcCol="0" rtlCol="0" fromWordArt="0" anchor="t" anchorCtr="0" forceAA="0" compatLnSpc="1">
-            <a:prstTxWarp prst="textNoShape">
-              <a:avLst/>
-            </a:prstTxWarp>
-            <a:spAutoFit/>
-          </a:bodyPr>
-          <a:lstStyle/>
-          <a:p>
-            <a:pPr algn="l"/>
-            <a:r>
-              <a:rPr lang="pt-BR" err="1">
-                <a:latin typeface="Times New Roman" panose="02020603050405020304" pitchFamily="18" charset="0"/>
-                <a:cs typeface="Times New Roman" panose="02020603050405020304" pitchFamily="18" charset="0"/>
-              </a:rPr>
-              <a:t>Prolongation</a:t>
-            </a:r>
-            <a:endParaRPr lang="pt-BR">
-              <a:latin typeface="Times New Roman" panose="02020603050405020304" pitchFamily="18" charset="0"/>
-              <a:cs typeface="Times New Roman" panose="02020603050405020304" pitchFamily="18" charset="0"/>
-            </a:endParaRPr>
-          </a:p>
-        </p:txBody>
-      </p:sp>
-      <p:sp>
-        <p:nvSpPr>
-          <p:cNvPr id="13" name="CaixaDeTexto 12">
-            <a:extLst>
-              <a:ext uri="{FF2B5EF4-FFF2-40B4-BE49-F238E27FC236}">
-                <a16:creationId xmlns:a16="http://schemas.microsoft.com/office/drawing/2014/main" id="{5DDA2088-5C58-9131-B707-E54AA5E118CE}"/>
-              </a:ext>
-            </a:extLst>
-          </p:cNvPr>
-          <p:cNvSpPr txBox="1"/>
-          <p:nvPr/>
-        </p:nvSpPr>
-        <p:spPr>
-          <a:xfrm>
-            <a:off x="9014783" y="2668619"/>
-            <a:ext cx="1276350" cy="369332"/>
-          </a:xfrm>
-          <a:prstGeom prst="rect">
-            <a:avLst/>
-          </a:prstGeom>
-          <a:noFill/>
-        </p:spPr>
-        <p:txBody>
-          <a:bodyPr rot="0" spcFirstLastPara="0" vertOverflow="overflow" horzOverflow="overflow" vert="horz" wrap="square" lIns="91440" tIns="45720" rIns="91440" bIns="45720" numCol="1" spcCol="0" rtlCol="0" fromWordArt="0" anchor="t" anchorCtr="0" forceAA="0" compatLnSpc="1">
-            <a:prstTxWarp prst="textNoShape">
-              <a:avLst/>
-            </a:prstTxWarp>
-            <a:spAutoFit/>
-          </a:bodyPr>
-          <a:lstStyle/>
-          <a:p>
-            <a:pPr algn="l"/>
-            <a:r>
-              <a:rPr lang="pt-BR" err="1">
-                <a:latin typeface="Times New Roman" panose="02020603050405020304" pitchFamily="18" charset="0"/>
-                <a:cs typeface="Times New Roman" panose="02020603050405020304" pitchFamily="18" charset="0"/>
-              </a:rPr>
-              <a:t>Multiscale</a:t>
-            </a:r>
-          </a:p>
-        </p:txBody>
-      </p:sp>
-      <p:pic>
-        <p:nvPicPr>
-          <p:cNvPr id="14" name="Imagem 17">
-            <a:extLst>
-              <a:ext uri="{FF2B5EF4-FFF2-40B4-BE49-F238E27FC236}">
-                <a16:creationId xmlns:a16="http://schemas.microsoft.com/office/drawing/2014/main" id="{CA7D7784-3DC4-7FFF-EA70-EE83C1382E97}"/>
-              </a:ext>
-            </a:extLst>
-          </p:cNvPr>
-          <p:cNvPicPr>
-            <a:picLocks noChangeAspect="1"/>
-          </p:cNvPicPr>
-          <p:nvPr/>
-        </p:nvPicPr>
-        <p:blipFill>
-          <a:blip r:embed="rId2"/>
-          <a:stretch>
-            <a:fillRect/>
-          </a:stretch>
-        </p:blipFill>
-        <p:spPr>
-          <a:xfrm>
-            <a:off x="1538965" y="1745880"/>
-            <a:ext cx="2200275" cy="1537654"/>
+            <a:off x="864705" y="1484457"/>
+            <a:ext cx="2148194" cy="483829"/>
           </a:xfrm>
           <a:prstGeom prst="rect">
             <a:avLst/>
           </a:prstGeom>
         </p:spPr>
-      </p:pic>
-      <p:sp>
-        <p:nvSpPr>
-          <p:cNvPr id="15" name="CaixaDeTexto 14">
-            <a:extLst>
-              <a:ext uri="{FF2B5EF4-FFF2-40B4-BE49-F238E27FC236}">
-                <a16:creationId xmlns:a16="http://schemas.microsoft.com/office/drawing/2014/main" id="{74EDC8CE-E9B9-E7EC-4372-4E61F6565D4F}"/>
-              </a:ext>
-            </a:extLst>
-          </p:cNvPr>
-          <p:cNvSpPr txBox="1"/>
+        <p:txBody>
+          <a:bodyPr vert="horz" lIns="91440" tIns="45720" rIns="91440" bIns="45720" rtlCol="0" anchor="t">
+            <a:normAutofit/>
+          </a:bodyPr>
+          <a:lstStyle>
+            <a:lvl1pPr marL="228600" indent="-228600" algn="l" defTabSz="914400" rtl="0" eaLnBrk="1" latinLnBrk="0" hangingPunct="1">
+              <a:lnSpc>
+                <a:spcPct val="90000"/>
+              </a:lnSpc>
+              <a:spcBef>
+                <a:spcPts val="1000"/>
+              </a:spcBef>
+              <a:buFont typeface="Arial" panose="020B0604020202020204" pitchFamily="34" charset="0"/>
+              <a:buChar char="•"/>
+              <a:defRPr sz="2800" kern="1200">
+                <a:solidFill>
+                  <a:schemeClr val="tx1"/>
+                </a:solidFill>
+                <a:latin typeface="+mn-lt"/>
+                <a:ea typeface="+mn-ea"/>
+                <a:cs typeface="+mn-cs"/>
+              </a:defRPr>
+            </a:lvl1pPr>
+            <a:lvl2pPr marL="685800" indent="-228600" algn="l" defTabSz="914400" rtl="0" eaLnBrk="1" latinLnBrk="0" hangingPunct="1">
+              <a:lnSpc>
+                <a:spcPct val="90000"/>
+              </a:lnSpc>
+              <a:spcBef>
+                <a:spcPts val="500"/>
+              </a:spcBef>
+              <a:buFont typeface="Arial" panose="020B0604020202020204" pitchFamily="34" charset="0"/>
+              <a:buChar char="•"/>
+              <a:defRPr sz="2400" kern="1200">
+                <a:solidFill>
+                  <a:schemeClr val="tx1"/>
+                </a:solidFill>
+                <a:latin typeface="+mn-lt"/>
+                <a:ea typeface="+mn-ea"/>
+                <a:cs typeface="+mn-cs"/>
+              </a:defRPr>
+            </a:lvl2pPr>
+            <a:lvl3pPr marL="1143000" indent="-228600" algn="l" defTabSz="914400" rtl="0" eaLnBrk="1" latinLnBrk="0" hangingPunct="1">
+              <a:lnSpc>
+                <a:spcPct val="90000"/>
+              </a:lnSpc>
+              <a:spcBef>
+                <a:spcPts val="500"/>
+              </a:spcBef>
+              <a:buFont typeface="Arial" panose="020B0604020202020204" pitchFamily="34" charset="0"/>
+              <a:buChar char="•"/>
+              <a:defRPr sz="2000" kern="1200">
+                <a:solidFill>
+                  <a:schemeClr val="tx1"/>
+                </a:solidFill>
+                <a:latin typeface="+mn-lt"/>
+                <a:ea typeface="+mn-ea"/>
+                <a:cs typeface="+mn-cs"/>
+              </a:defRPr>
+            </a:lvl3pPr>
+            <a:lvl4pPr marL="1600200" indent="-228600" algn="l" defTabSz="914400" rtl="0" eaLnBrk="1" latinLnBrk="0" hangingPunct="1">
+              <a:lnSpc>
+                <a:spcPct val="90000"/>
+              </a:lnSpc>
+              <a:spcBef>
+                <a:spcPts val="500"/>
+              </a:spcBef>
+              <a:buFont typeface="Arial" panose="020B0604020202020204" pitchFamily="34" charset="0"/>
+              <a:buChar char="•"/>
+              <a:defRPr sz="1800" kern="1200">
+                <a:solidFill>
+                  <a:schemeClr val="tx1"/>
+                </a:solidFill>
+                <a:latin typeface="+mn-lt"/>
+                <a:ea typeface="+mn-ea"/>
+                <a:cs typeface="+mn-cs"/>
+              </a:defRPr>
+            </a:lvl4pPr>
+            <a:lvl5pPr marL="2057400" indent="-228600" algn="l" defTabSz="914400" rtl="0" eaLnBrk="1" latinLnBrk="0" hangingPunct="1">
+              <a:lnSpc>
+                <a:spcPct val="90000"/>
+              </a:lnSpc>
+              <a:spcBef>
+                <a:spcPts val="500"/>
+              </a:spcBef>
+              <a:buFont typeface="Arial" panose="020B0604020202020204" pitchFamily="34" charset="0"/>
+              <a:buChar char="•"/>
+              <a:defRPr sz="1800" kern="1200">
+                <a:solidFill>
+                  <a:schemeClr val="tx1"/>
+                </a:solidFill>
+                <a:latin typeface="+mn-lt"/>
+                <a:ea typeface="+mn-ea"/>
+                <a:cs typeface="+mn-cs"/>
+              </a:defRPr>
+            </a:lvl5pPr>
+            <a:lvl6pPr marL="2514600" indent="-228600" algn="l" defTabSz="914400" rtl="0" eaLnBrk="1" latinLnBrk="0" hangingPunct="1">
+              <a:lnSpc>
+                <a:spcPct val="90000"/>
+              </a:lnSpc>
+              <a:spcBef>
+                <a:spcPts val="500"/>
+              </a:spcBef>
+              <a:buFont typeface="Arial" panose="020B0604020202020204" pitchFamily="34" charset="0"/>
+              <a:buChar char="•"/>
+              <a:defRPr sz="1800" kern="1200">
+                <a:solidFill>
+                  <a:schemeClr val="tx1"/>
+                </a:solidFill>
+                <a:latin typeface="+mn-lt"/>
+                <a:ea typeface="+mn-ea"/>
+                <a:cs typeface="+mn-cs"/>
+              </a:defRPr>
+            </a:lvl6pPr>
+            <a:lvl7pPr marL="2971800" indent="-228600" algn="l" defTabSz="914400" rtl="0" eaLnBrk="1" latinLnBrk="0" hangingPunct="1">
+              <a:lnSpc>
+                <a:spcPct val="90000"/>
+              </a:lnSpc>
+              <a:spcBef>
+                <a:spcPts val="500"/>
+              </a:spcBef>
+              <a:buFont typeface="Arial" panose="020B0604020202020204" pitchFamily="34" charset="0"/>
+              <a:buChar char="•"/>
+              <a:defRPr sz="1800" kern="1200">
+                <a:solidFill>
+                  <a:schemeClr val="tx1"/>
+                </a:solidFill>
+                <a:latin typeface="+mn-lt"/>
+                <a:ea typeface="+mn-ea"/>
+                <a:cs typeface="+mn-cs"/>
+              </a:defRPr>
+            </a:lvl7pPr>
+            <a:lvl8pPr marL="3429000" indent="-228600" algn="l" defTabSz="914400" rtl="0" eaLnBrk="1" latinLnBrk="0" hangingPunct="1">
+              <a:lnSpc>
+                <a:spcPct val="90000"/>
+              </a:lnSpc>
+              <a:spcBef>
+                <a:spcPts val="500"/>
+              </a:spcBef>
+              <a:buFont typeface="Arial" panose="020B0604020202020204" pitchFamily="34" charset="0"/>
+              <a:buChar char="•"/>
+              <a:defRPr sz="1800" kern="1200">
+                <a:solidFill>
+                  <a:schemeClr val="tx1"/>
+                </a:solidFill>
+                <a:latin typeface="+mn-lt"/>
+                <a:ea typeface="+mn-ea"/>
+                <a:cs typeface="+mn-cs"/>
+              </a:defRPr>
+            </a:lvl8pPr>
+            <a:lvl9pPr marL="3886200" indent="-228600" algn="l" defTabSz="914400" rtl="0" eaLnBrk="1" latinLnBrk="0" hangingPunct="1">
+              <a:lnSpc>
+                <a:spcPct val="90000"/>
+              </a:lnSpc>
+              <a:spcBef>
+                <a:spcPts val="500"/>
+              </a:spcBef>
+              <a:buFont typeface="Arial" panose="020B0604020202020204" pitchFamily="34" charset="0"/>
+              <a:buChar char="•"/>
+              <a:defRPr sz="1800" kern="1200">
+                <a:solidFill>
+                  <a:schemeClr val="tx1"/>
+                </a:solidFill>
+                <a:latin typeface="+mn-lt"/>
+                <a:ea typeface="+mn-ea"/>
+                <a:cs typeface="+mn-cs"/>
+              </a:defRPr>
+            </a:lvl9pPr>
+          </a:lstStyle>
+          <a:p>
+            <a:pPr marL="0" indent="0">
+              <a:buFont typeface="Arial" panose="020B0604020202020204" pitchFamily="34" charset="0"/>
+              <a:buNone/>
+            </a:pPr>
+            <a:r>
+              <a:rPr lang="pt-BR" dirty="0">
+                <a:latin typeface="Times New Roman"/>
+                <a:cs typeface="Calibri" panose="020F0502020204030204"/>
+              </a:rPr>
+              <a:t>Lei de Darcy</a:t>
+            </a:r>
+          </a:p>
+        </p:txBody>
+      </p:sp>
+      <mc:AlternateContent xmlns:mc="http://schemas.openxmlformats.org/markup-compatibility/2006" xmlns:a14="http://schemas.microsoft.com/office/drawing/2010/main">
+        <mc:Choice Requires="a14">
+          <p:sp>
+            <p:nvSpPr>
+              <p:cNvPr id="6" name="CaixaDeTexto 5">
+                <a:extLst>
+                  <a:ext uri="{FF2B5EF4-FFF2-40B4-BE49-F238E27FC236}">
+                    <a16:creationId xmlns:a16="http://schemas.microsoft.com/office/drawing/2014/main" id="{AD8D0B21-682F-A753-B609-46DD1B599F90}"/>
+                  </a:ext>
+                </a:extLst>
+              </p:cNvPr>
+              <p:cNvSpPr txBox="1"/>
+              <p:nvPr/>
+            </p:nvSpPr>
+            <p:spPr>
+              <a:xfrm>
+                <a:off x="2772581" y="1294303"/>
+                <a:ext cx="1815548" cy="851515"/>
+              </a:xfrm>
+              <a:prstGeom prst="rect">
+                <a:avLst/>
+              </a:prstGeom>
+              <a:noFill/>
+            </p:spPr>
+            <p:txBody>
+              <a:bodyPr wrap="square">
+                <a:spAutoFit/>
+              </a:bodyPr>
+              <a:lstStyle/>
+              <a:p>
+                <a:pPr/>
+                <a14:m>
+                  <m:oMathPara xmlns:m="http://schemas.openxmlformats.org/officeDocument/2006/math">
+                    <m:oMathParaPr>
+                      <m:jc m:val="centerGroup"/>
+                    </m:oMathParaPr>
+                    <m:oMath xmlns:m="http://schemas.openxmlformats.org/officeDocument/2006/math">
+                      <m:acc>
+                        <m:accPr>
+                          <m:chr m:val="⃗"/>
+                          <m:ctrlPr>
+                            <a:rPr lang="pt-BR" sz="2400" i="1" smtClean="0">
+                              <a:solidFill>
+                                <a:srgbClr val="836967"/>
+                              </a:solidFill>
+                              <a:latin typeface="Cambria Math" panose="02040503050406030204" pitchFamily="18" charset="0"/>
+                            </a:rPr>
+                          </m:ctrlPr>
+                        </m:accPr>
+                        <m:e>
+                          <m:r>
+                            <a:rPr lang="pt-BR" sz="2400" i="1">
+                              <a:latin typeface="Cambria Math" panose="02040503050406030204" pitchFamily="18" charset="0"/>
+                            </a:rPr>
+                            <m:t>𝑣</m:t>
+                          </m:r>
+                        </m:e>
+                      </m:acc>
+                      <m:r>
+                        <a:rPr lang="pt-BR" sz="2400" i="0">
+                          <a:latin typeface="Cambria Math" panose="02040503050406030204" pitchFamily="18" charset="0"/>
+                        </a:rPr>
+                        <m:t>= </m:t>
+                      </m:r>
+                      <m:f>
+                        <m:fPr>
+                          <m:ctrlPr>
+                            <a:rPr lang="pt-BR" sz="2400" i="1">
+                              <a:solidFill>
+                                <a:srgbClr val="836967"/>
+                              </a:solidFill>
+                              <a:latin typeface="Cambria Math" panose="02040503050406030204" pitchFamily="18" charset="0"/>
+                            </a:rPr>
+                          </m:ctrlPr>
+                        </m:fPr>
+                        <m:num>
+                          <m:r>
+                            <a:rPr lang="pt-BR" sz="2400" i="1">
+                              <a:latin typeface="Cambria Math" panose="02040503050406030204" pitchFamily="18" charset="0"/>
+                            </a:rPr>
+                            <m:t>𝐾</m:t>
+                          </m:r>
+                        </m:num>
+                        <m:den>
+                          <m:r>
+                            <a:rPr lang="pt-BR" sz="2400" i="1">
+                              <a:latin typeface="Cambria Math" panose="02040503050406030204" pitchFamily="18" charset="0"/>
+                            </a:rPr>
+                            <m:t>𝜇</m:t>
+                          </m:r>
+                        </m:den>
+                      </m:f>
+                      <m:r>
+                        <m:rPr>
+                          <m:sty m:val="p"/>
+                        </m:rPr>
+                        <a:rPr lang="pt-BR" sz="2400" i="0">
+                          <a:latin typeface="Cambria Math" panose="02040503050406030204" pitchFamily="18" charset="0"/>
+                        </a:rPr>
+                        <m:t>∇</m:t>
+                      </m:r>
+                      <m:r>
+                        <a:rPr lang="pt-BR" sz="2400" i="1">
+                          <a:latin typeface="Cambria Math" panose="02040503050406030204" pitchFamily="18" charset="0"/>
+                        </a:rPr>
+                        <m:t>𝑝</m:t>
+                      </m:r>
+                    </m:oMath>
+                  </m:oMathPara>
+                </a14:m>
+                <a:endParaRPr lang="pt-BR" sz="2400" dirty="0"/>
+              </a:p>
+            </p:txBody>
+          </p:sp>
+        </mc:Choice>
+        <mc:Fallback xmlns="">
+          <p:sp>
+            <p:nvSpPr>
+              <p:cNvPr id="6" name="CaixaDeTexto 5">
+                <a:extLst>
+                  <a:ext uri="{FF2B5EF4-FFF2-40B4-BE49-F238E27FC236}">
+                    <a16:creationId xmlns:a16="http://schemas.microsoft.com/office/drawing/2014/main" id="{AD8D0B21-682F-A753-B609-46DD1B599F90}"/>
+                  </a:ext>
+                </a:extLst>
+              </p:cNvPr>
+              <p:cNvSpPr txBox="1">
+                <a:spLocks noRot="1" noChangeAspect="1" noMove="1" noResize="1" noEditPoints="1" noAdjustHandles="1" noChangeArrowheads="1" noChangeShapeType="1" noTextEdit="1"/>
+              </p:cNvSpPr>
+              <p:nvPr/>
+            </p:nvSpPr>
+            <p:spPr>
+              <a:xfrm>
+                <a:off x="2772581" y="1294303"/>
+                <a:ext cx="1815548" cy="851515"/>
+              </a:xfrm>
+              <a:prstGeom prst="rect">
+                <a:avLst/>
+              </a:prstGeom>
+              <a:blipFill>
+                <a:blip r:embed="rId2"/>
+                <a:stretch>
+                  <a:fillRect/>
+                </a:stretch>
+              </a:blipFill>
+            </p:spPr>
+            <p:txBody>
+              <a:bodyPr/>
+              <a:lstStyle/>
+              <a:p>
+                <a:r>
+                  <a:rPr lang="pt-BR">
+                    <a:noFill/>
+                  </a:rPr>
+                  <a:t> </a:t>
+                </a:r>
+              </a:p>
+            </p:txBody>
+          </p:sp>
+        </mc:Fallback>
+      </mc:AlternateContent>
+      <p:sp>
+        <p:nvSpPr>
+          <p:cNvPr id="7" name="Content Placeholder 2">
+            <a:extLst>
+              <a:ext uri="{FF2B5EF4-FFF2-40B4-BE49-F238E27FC236}">
+                <a16:creationId xmlns:a16="http://schemas.microsoft.com/office/drawing/2014/main" id="{B75B7AEC-04E2-3CAE-1711-03C8208F60B5}"/>
+              </a:ext>
+            </a:extLst>
+          </p:cNvPr>
+          <p:cNvSpPr txBox="1">
+            <a:spLocks/>
+          </p:cNvSpPr>
           <p:nvPr/>
         </p:nvSpPr>
         <p:spPr>
           <a:xfrm>
-            <a:off x="443590" y="2190857"/>
-            <a:ext cx="1133475" cy="369332"/>
+            <a:off x="2193684" y="2609417"/>
+            <a:ext cx="983413" cy="469452"/>
           </a:xfrm>
           <a:prstGeom prst="rect">
             <a:avLst/>
           </a:prstGeom>
-          <a:noFill/>
         </p:spPr>
         <p:txBody>
-          <a:bodyPr rot="0" spcFirstLastPara="0" vertOverflow="overflow" horzOverflow="overflow" vert="horz" wrap="square" lIns="91440" tIns="45720" rIns="91440" bIns="45720" numCol="1" spcCol="0" rtlCol="0" fromWordArt="0" anchor="t" anchorCtr="0" forceAA="0" compatLnSpc="1">
-            <a:prstTxWarp prst="textNoShape">
-              <a:avLst/>
-            </a:prstTxWarp>
-            <a:spAutoFit/>
+          <a:bodyPr vert="horz" lIns="91440" tIns="45720" rIns="91440" bIns="45720" rtlCol="0" anchor="t">
+            <a:normAutofit lnSpcReduction="10000"/>
           </a:bodyPr>
-          <a:lstStyle/>
-          <a:p>
-            <a:pPr algn="l"/>
-            <a:r>
-              <a:rPr lang="pt-BR" err="1">
-                <a:latin typeface="Times New Roman"/>
-                <a:cs typeface="Times New Roman"/>
-              </a:rPr>
-              <a:t>Upscaling</a:t>
-            </a:r>
-            <a:endParaRPr lang="pt-BR">
-              <a:latin typeface="Times New Roman"/>
-              <a:cs typeface="Times New Roman"/>
-            </a:endParaRPr>
-          </a:p>
-        </p:txBody>
-      </p:sp>
-      <p:sp>
-        <p:nvSpPr>
-          <p:cNvPr id="16" name="CaixaDeTexto 15">
-            <a:extLst>
-              <a:ext uri="{FF2B5EF4-FFF2-40B4-BE49-F238E27FC236}">
-                <a16:creationId xmlns:a16="http://schemas.microsoft.com/office/drawing/2014/main" id="{39D65A4A-C5BA-9D1D-2213-066094A2AE3E}"/>
-              </a:ext>
-            </a:extLst>
-          </p:cNvPr>
-          <p:cNvSpPr txBox="1"/>
-          <p:nvPr/>
-        </p:nvSpPr>
-        <p:spPr>
-          <a:xfrm>
-            <a:off x="1939015" y="3286232"/>
-            <a:ext cx="1276350" cy="369332"/>
-          </a:xfrm>
-          <a:prstGeom prst="rect">
-            <a:avLst/>
-          </a:prstGeom>
-          <a:noFill/>
-        </p:spPr>
-        <p:txBody>
-          <a:bodyPr rot="0" spcFirstLastPara="0" vertOverflow="overflow" horzOverflow="overflow" vert="horz" wrap="square" lIns="91440" tIns="45720" rIns="91440" bIns="45720" numCol="1" spcCol="0" rtlCol="0" fromWordArt="0" anchor="t" anchorCtr="0" forceAA="0" compatLnSpc="1">
-            <a:prstTxWarp prst="textNoShape">
-              <a:avLst/>
-            </a:prstTxWarp>
-            <a:spAutoFit/>
-          </a:bodyPr>
-          <a:lstStyle/>
-          <a:p>
-            <a:pPr algn="l"/>
-            <a:r>
-              <a:rPr lang="pt-BR" err="1">
-                <a:latin typeface="Times New Roman"/>
+          <a:lstStyle>
+            <a:lvl1pPr marL="228600" indent="-228600" algn="l" defTabSz="914400" rtl="0" eaLnBrk="1" latinLnBrk="0" hangingPunct="1">
+              <a:lnSpc>
+                <a:spcPct val="90000"/>
+              </a:lnSpc>
+              <a:spcBef>
+                <a:spcPts val="1000"/>
+              </a:spcBef>
+              <a:buFont typeface="Arial" panose="020B0604020202020204" pitchFamily="34" charset="0"/>
+              <a:buChar char="•"/>
+              <a:defRPr sz="2800" kern="1200">
+                <a:solidFill>
+                  <a:schemeClr val="tx1"/>
+                </a:solidFill>
+                <a:latin typeface="+mn-lt"/>
+                <a:ea typeface="+mn-ea"/>
+                <a:cs typeface="+mn-cs"/>
+              </a:defRPr>
+            </a:lvl1pPr>
+            <a:lvl2pPr marL="685800" indent="-228600" algn="l" defTabSz="914400" rtl="0" eaLnBrk="1" latinLnBrk="0" hangingPunct="1">
+              <a:lnSpc>
+                <a:spcPct val="90000"/>
+              </a:lnSpc>
+              <a:spcBef>
+                <a:spcPts val="500"/>
+              </a:spcBef>
+              <a:buFont typeface="Arial" panose="020B0604020202020204" pitchFamily="34" charset="0"/>
+              <a:buChar char="•"/>
+              <a:defRPr sz="2400" kern="1200">
+                <a:solidFill>
+                  <a:schemeClr val="tx1"/>
+                </a:solidFill>
+                <a:latin typeface="+mn-lt"/>
+                <a:ea typeface="+mn-ea"/>
+                <a:cs typeface="+mn-cs"/>
+              </a:defRPr>
+            </a:lvl2pPr>
+            <a:lvl3pPr marL="1143000" indent="-228600" algn="l" defTabSz="914400" rtl="0" eaLnBrk="1" latinLnBrk="0" hangingPunct="1">
+              <a:lnSpc>
+                <a:spcPct val="90000"/>
+              </a:lnSpc>
+              <a:spcBef>
+                <a:spcPts val="500"/>
+              </a:spcBef>
+              <a:buFont typeface="Arial" panose="020B0604020202020204" pitchFamily="34" charset="0"/>
+              <a:buChar char="•"/>
+              <a:defRPr sz="2000" kern="1200">
+                <a:solidFill>
+                  <a:schemeClr val="tx1"/>
+                </a:solidFill>
+                <a:latin typeface="+mn-lt"/>
+                <a:ea typeface="+mn-ea"/>
+                <a:cs typeface="+mn-cs"/>
+              </a:defRPr>
+            </a:lvl3pPr>
+            <a:lvl4pPr marL="1600200" indent="-228600" algn="l" defTabSz="914400" rtl="0" eaLnBrk="1" latinLnBrk="0" hangingPunct="1">
+              <a:lnSpc>
+                <a:spcPct val="90000"/>
+              </a:lnSpc>
+              <a:spcBef>
+                <a:spcPts val="500"/>
+              </a:spcBef>
+              <a:buFont typeface="Arial" panose="020B0604020202020204" pitchFamily="34" charset="0"/>
+              <a:buChar char="•"/>
+              <a:defRPr sz="1800" kern="1200">
+                <a:solidFill>
+                  <a:schemeClr val="tx1"/>
+                </a:solidFill>
+                <a:latin typeface="+mn-lt"/>
+                <a:ea typeface="+mn-ea"/>
+                <a:cs typeface="+mn-cs"/>
+              </a:defRPr>
+            </a:lvl4pPr>
+            <a:lvl5pPr marL="2057400" indent="-228600" algn="l" defTabSz="914400" rtl="0" eaLnBrk="1" latinLnBrk="0" hangingPunct="1">
+              <a:lnSpc>
+                <a:spcPct val="90000"/>
+              </a:lnSpc>
+              <a:spcBef>
+                <a:spcPts val="500"/>
+              </a:spcBef>
+              <a:buFont typeface="Arial" panose="020B0604020202020204" pitchFamily="34" charset="0"/>
+              <a:buChar char="•"/>
+              <a:defRPr sz="1800" kern="1200">
+                <a:solidFill>
+                  <a:schemeClr val="tx1"/>
+                </a:solidFill>
+                <a:latin typeface="+mn-lt"/>
+                <a:ea typeface="+mn-ea"/>
+                <a:cs typeface="+mn-cs"/>
+              </a:defRPr>
+            </a:lvl5pPr>
+            <a:lvl6pPr marL="2514600" indent="-228600" algn="l" defTabSz="914400" rtl="0" eaLnBrk="1" latinLnBrk="0" hangingPunct="1">
+              <a:lnSpc>
+                <a:spcPct val="90000"/>
+              </a:lnSpc>
+              <a:spcBef>
+                <a:spcPts val="500"/>
+              </a:spcBef>
+              <a:buFont typeface="Arial" panose="020B0604020202020204" pitchFamily="34" charset="0"/>
+              <a:buChar char="•"/>
+              <a:defRPr sz="1800" kern="1200">
+                <a:solidFill>
+                  <a:schemeClr val="tx1"/>
+                </a:solidFill>
+                <a:latin typeface="+mn-lt"/>
+                <a:ea typeface="+mn-ea"/>
+                <a:cs typeface="+mn-cs"/>
+              </a:defRPr>
+            </a:lvl6pPr>
+            <a:lvl7pPr marL="2971800" indent="-228600" algn="l" defTabSz="914400" rtl="0" eaLnBrk="1" latinLnBrk="0" hangingPunct="1">
+              <a:lnSpc>
+                <a:spcPct val="90000"/>
+              </a:lnSpc>
+              <a:spcBef>
+                <a:spcPts val="500"/>
+              </a:spcBef>
+              <a:buFont typeface="Arial" panose="020B0604020202020204" pitchFamily="34" charset="0"/>
+              <a:buChar char="•"/>
+              <a:defRPr sz="1800" kern="1200">
+                <a:solidFill>
+                  <a:schemeClr val="tx1"/>
+                </a:solidFill>
+                <a:latin typeface="+mn-lt"/>
+                <a:ea typeface="+mn-ea"/>
+                <a:cs typeface="+mn-cs"/>
+              </a:defRPr>
+            </a:lvl7pPr>
+            <a:lvl8pPr marL="3429000" indent="-228600" algn="l" defTabSz="914400" rtl="0" eaLnBrk="1" latinLnBrk="0" hangingPunct="1">
+              <a:lnSpc>
+                <a:spcPct val="90000"/>
+              </a:lnSpc>
+              <a:spcBef>
+                <a:spcPts val="500"/>
+              </a:spcBef>
+              <a:buFont typeface="Arial" panose="020B0604020202020204" pitchFamily="34" charset="0"/>
+              <a:buChar char="•"/>
+              <a:defRPr sz="1800" kern="1200">
+                <a:solidFill>
+                  <a:schemeClr val="tx1"/>
+                </a:solidFill>
+                <a:latin typeface="+mn-lt"/>
+                <a:ea typeface="+mn-ea"/>
+                <a:cs typeface="+mn-cs"/>
+              </a:defRPr>
+            </a:lvl8pPr>
+            <a:lvl9pPr marL="3886200" indent="-228600" algn="l" defTabSz="914400" rtl="0" eaLnBrk="1" latinLnBrk="0" hangingPunct="1">
+              <a:lnSpc>
+                <a:spcPct val="90000"/>
+              </a:lnSpc>
+              <a:spcBef>
+                <a:spcPts val="500"/>
+              </a:spcBef>
+              <a:buFont typeface="Arial" panose="020B0604020202020204" pitchFamily="34" charset="0"/>
+              <a:buChar char="•"/>
+              <a:defRPr sz="1800" kern="1200">
+                <a:solidFill>
+                  <a:schemeClr val="tx1"/>
+                </a:solidFill>
+                <a:latin typeface="+mn-lt"/>
+                <a:ea typeface="+mn-ea"/>
+                <a:cs typeface="+mn-cs"/>
+              </a:defRPr>
+            </a:lvl9pPr>
+          </a:lstStyle>
+          <a:p>
+            <a:pPr marL="0" indent="0">
+              <a:buFont typeface="Arial" panose="020B0604020202020204" pitchFamily="34" charset="0"/>
+              <a:buNone/>
+            </a:pPr>
+            <a:r>
+              <a:rPr lang="en-US" dirty="0">
                 <a:cs typeface="Calibri"/>
               </a:rPr>
-              <a:t>Upscaling</a:t>
-            </a:r>
-            <a:endParaRPr lang="pt-BR">
-              <a:latin typeface="Times New Roman"/>
-              <a:cs typeface="Calibri"/>
-            </a:endParaRPr>
-          </a:p>
-        </p:txBody>
-      </p:sp>
-      <p:sp>
-        <p:nvSpPr>
-          <p:cNvPr id="18" name="CaixaDeTexto 17">
-            <a:extLst>
-              <a:ext uri="{FF2B5EF4-FFF2-40B4-BE49-F238E27FC236}">
-                <a16:creationId xmlns:a16="http://schemas.microsoft.com/office/drawing/2014/main" id="{4D6ABB73-4B71-9C68-1103-AE2FF3D2B616}"/>
-              </a:ext>
-            </a:extLst>
-          </p:cNvPr>
-          <p:cNvSpPr txBox="1"/>
-          <p:nvPr/>
-        </p:nvSpPr>
-        <p:spPr>
-          <a:xfrm>
-            <a:off x="1536988" y="3646025"/>
-            <a:ext cx="1765540" cy="369332"/>
-          </a:xfrm>
-          <a:prstGeom prst="rect">
-            <a:avLst/>
-          </a:prstGeom>
-          <a:noFill/>
-        </p:spPr>
-        <p:txBody>
-          <a:bodyPr rot="0" spcFirstLastPara="0" vertOverflow="overflow" horzOverflow="overflow" vert="horz" wrap="square" lIns="91440" tIns="45720" rIns="91440" bIns="45720" numCol="1" spcCol="0" rtlCol="0" fromWordArt="0" anchor="t" anchorCtr="0" forceAA="0" compatLnSpc="1">
-            <a:prstTxWarp prst="textNoShape">
-              <a:avLst/>
-            </a:prstTxWarp>
-            <a:spAutoFit/>
-          </a:bodyPr>
-          <a:lstStyle/>
-          <a:p>
-            <a:pPr marL="285750" indent="-285750">
-              <a:buFont typeface="Arial"/>
-              <a:buChar char="•"/>
-            </a:pPr>
-            <a:r>
-              <a:rPr lang="pt-BR" err="1">
-                <a:latin typeface="Times New Roman"/>
-                <a:cs typeface="Times New Roman"/>
-              </a:rPr>
-              <a:t>Low</a:t>
-            </a:r>
-            <a:r>
-              <a:rPr lang="pt-BR">
-                <a:latin typeface="Times New Roman"/>
-                <a:cs typeface="Times New Roman"/>
-              </a:rPr>
-              <a:t> </a:t>
-            </a:r>
-            <a:r>
-              <a:rPr lang="pt-BR" err="1">
-                <a:latin typeface="Times New Roman"/>
-                <a:cs typeface="Times New Roman"/>
-              </a:rPr>
-              <a:t>accuracy</a:t>
-            </a:r>
-            <a:endParaRPr lang="pt-BR">
-              <a:latin typeface="Times New Roman"/>
-              <a:cs typeface="Times New Roman"/>
-            </a:endParaRPr>
-          </a:p>
-        </p:txBody>
-      </p:sp>
-      <p:sp>
-        <p:nvSpPr>
-          <p:cNvPr id="19" name="CaixaDeTexto 18">
-            <a:extLst>
-              <a:ext uri="{FF2B5EF4-FFF2-40B4-BE49-F238E27FC236}">
-                <a16:creationId xmlns:a16="http://schemas.microsoft.com/office/drawing/2014/main" id="{96694120-7E46-BC68-7C40-8D1E44A5F026}"/>
-              </a:ext>
-            </a:extLst>
-          </p:cNvPr>
-          <p:cNvSpPr txBox="1"/>
-          <p:nvPr/>
-        </p:nvSpPr>
-        <p:spPr>
-          <a:xfrm>
-            <a:off x="7341079" y="3027872"/>
-            <a:ext cx="4799161" cy="646331"/>
-          </a:xfrm>
-          <a:prstGeom prst="rect">
-            <a:avLst/>
-          </a:prstGeom>
-          <a:noFill/>
-        </p:spPr>
-        <p:txBody>
-          <a:bodyPr rot="0" spcFirstLastPara="0" vertOverflow="overflow" horzOverflow="overflow" vert="horz" wrap="square" lIns="91440" tIns="45720" rIns="91440" bIns="45720" numCol="1" spcCol="0" rtlCol="0" fromWordArt="0" anchor="t" anchorCtr="0" forceAA="0" compatLnSpc="1">
-            <a:prstTxWarp prst="textNoShape">
-              <a:avLst/>
-            </a:prstTxWarp>
-            <a:spAutoFit/>
-          </a:bodyPr>
-          <a:lstStyle/>
-          <a:p>
-            <a:pPr marL="285750" indent="-285750" algn="ctr">
-              <a:buFont typeface="Arial"/>
-              <a:buChar char="•"/>
-            </a:pPr>
-            <a:r>
-              <a:rPr lang="en">
-                <a:latin typeface="Times New Roman"/>
-                <a:cs typeface="Times New Roman"/>
-              </a:rPr>
-              <a:t>Better accuracy over Upscaling (approximates the fine scale solution)</a:t>
-            </a:r>
-            <a:endParaRPr lang="pt-BR">
-              <a:cs typeface="Calibri" panose="020F0502020204030204"/>
-            </a:endParaRPr>
+              <a:t>TPFA</a:t>
+            </a:r>
           </a:p>
         </p:txBody>
       </p:sp>
       <p:pic>
         <p:nvPicPr>
-          <p:cNvPr id="24" name="Imagem 21" descr="Uma imagem contendo esporte, jogo esportivo&#10;&#10;Descrição gerada com alta confiança">
-            <a:extLst>
-              <a:ext uri="{FF2B5EF4-FFF2-40B4-BE49-F238E27FC236}">
-                <a16:creationId xmlns:a16="http://schemas.microsoft.com/office/drawing/2014/main" id="{79F55FC5-3389-EC6E-A36B-1B86B5F1C60A}"/>
+          <p:cNvPr id="19" name="Imagem 48">
+            <a:extLst>
+              <a:ext uri="{FF2B5EF4-FFF2-40B4-BE49-F238E27FC236}">
+                <a16:creationId xmlns:a16="http://schemas.microsoft.com/office/drawing/2014/main" id="{A3DC0AC0-F5A0-9A5B-9A27-7065F271341A}"/>
               </a:ext>
             </a:extLst>
           </p:cNvPr>
@@ -4429,750 +4670,20 @@
         </p:blipFill>
         <p:spPr>
           <a:xfrm>
-            <a:off x="8653192" y="1252654"/>
-            <a:ext cx="2095500" cy="1325900"/>
+            <a:off x="4681494" y="1371538"/>
+            <a:ext cx="191745" cy="242877"/>
           </a:xfrm>
           <a:prstGeom prst="rect">
             <a:avLst/>
           </a:prstGeom>
         </p:spPr>
       </p:pic>
-    </p:spTree>
-    <p:extLst>
-      <p:ext uri="{BB962C8B-B14F-4D97-AF65-F5344CB8AC3E}">
-        <p14:creationId xmlns:p14="http://schemas.microsoft.com/office/powerpoint/2010/main" val="1576157330"/>
-      </p:ext>
-    </p:extLst>
-  </p:cSld>
-  <p:clrMapOvr>
-    <a:masterClrMapping/>
-  </p:clrMapOvr>
-</p:sld>
-</file>
-
-<file path=ppt/slides/slide6.xml><?xml version="1.0" encoding="utf-8"?>
-<p:sld xmlns:a="http://schemas.openxmlformats.org/drawingml/2006/main" xmlns:r="http://schemas.openxmlformats.org/officeDocument/2006/relationships" xmlns:p="http://schemas.openxmlformats.org/presentationml/2006/main">
-  <p:cSld>
-    <p:spTree>
-      <p:nvGrpSpPr>
-        <p:cNvPr id="1" name=""/>
-        <p:cNvGrpSpPr/>
-        <p:nvPr/>
-      </p:nvGrpSpPr>
-      <p:grpSpPr>
-        <a:xfrm>
-          <a:off x="0" y="0"/>
-          <a:ext cx="0" cy="0"/>
-          <a:chOff x="0" y="0"/>
-          <a:chExt cx="0" cy="0"/>
-        </a:xfrm>
-      </p:grpSpPr>
-      <p:sp>
-        <p:nvSpPr>
-          <p:cNvPr id="2" name="Título 1">
-            <a:extLst>
-              <a:ext uri="{FF2B5EF4-FFF2-40B4-BE49-F238E27FC236}">
-                <a16:creationId xmlns:a16="http://schemas.microsoft.com/office/drawing/2014/main" id="{78B16F1C-3D61-E91C-7991-2F082B3D871F}"/>
-              </a:ext>
-            </a:extLst>
-          </p:cNvPr>
-          <p:cNvSpPr>
-            <a:spLocks noGrp="1"/>
-          </p:cNvSpPr>
-          <p:nvPr>
-            <p:ph type="title"/>
-          </p:nvPr>
-        </p:nvSpPr>
-        <p:spPr/>
-        <p:txBody>
-          <a:bodyPr/>
-          <a:lstStyle/>
-          <a:p>
-            <a:r>
-              <a:rPr lang="pt-BR" dirty="0">
-                <a:latin typeface="Times New Roman" panose="02020603050405020304" pitchFamily="18" charset="0"/>
-                <a:cs typeface="Times New Roman" panose="02020603050405020304" pitchFamily="18" charset="0"/>
-              </a:rPr>
-              <a:t>Estratégias de mudança de escala</a:t>
-            </a:r>
-          </a:p>
-        </p:txBody>
-      </p:sp>
-      <p:sp>
-        <p:nvSpPr>
-          <p:cNvPr id="6" name="CaixaDeTexto 5">
-            <a:extLst>
-              <a:ext uri="{FF2B5EF4-FFF2-40B4-BE49-F238E27FC236}">
-                <a16:creationId xmlns:a16="http://schemas.microsoft.com/office/drawing/2014/main" id="{02925FDB-8DAE-3967-A408-BB96B164950B}"/>
-              </a:ext>
-            </a:extLst>
-          </p:cNvPr>
-          <p:cNvSpPr txBox="1"/>
-          <p:nvPr/>
-        </p:nvSpPr>
-        <p:spPr>
-          <a:xfrm>
-            <a:off x="3523399" y="3804653"/>
-            <a:ext cx="1224543" cy="369332"/>
-          </a:xfrm>
-          <a:prstGeom prst="rect">
-            <a:avLst/>
-          </a:prstGeom>
-          <a:noFill/>
-        </p:spPr>
-        <p:txBody>
-          <a:bodyPr rot="0" spcFirstLastPara="0" vertOverflow="overflow" horzOverflow="overflow" vert="horz" wrap="square" lIns="91440" tIns="45720" rIns="91440" bIns="45720" numCol="1" spcCol="0" rtlCol="0" fromWordArt="0" anchor="t" anchorCtr="0" forceAA="0" compatLnSpc="1">
-            <a:prstTxWarp prst="textNoShape">
-              <a:avLst/>
-            </a:prstTxWarp>
-            <a:spAutoFit/>
-          </a:bodyPr>
-          <a:lstStyle/>
-          <a:p>
-            <a:pPr algn="l"/>
-            <a:r>
-              <a:rPr lang="pt-BR" err="1">
-                <a:latin typeface="Times New Roman" panose="02020603050405020304" pitchFamily="18" charset="0"/>
-                <a:cs typeface="Times New Roman" panose="02020603050405020304" pitchFamily="18" charset="0"/>
-              </a:rPr>
-              <a:t>Restriction</a:t>
-            </a:r>
-          </a:p>
-        </p:txBody>
-      </p:sp>
-      <p:sp>
-        <p:nvSpPr>
-          <p:cNvPr id="7" name="CaixaDeTexto 6">
-            <a:extLst>
-              <a:ext uri="{FF2B5EF4-FFF2-40B4-BE49-F238E27FC236}">
-                <a16:creationId xmlns:a16="http://schemas.microsoft.com/office/drawing/2014/main" id="{A7C905C8-CA25-1DC7-0E38-218EE96DB1CA}"/>
-              </a:ext>
-            </a:extLst>
-          </p:cNvPr>
-          <p:cNvSpPr txBox="1"/>
-          <p:nvPr/>
-        </p:nvSpPr>
-        <p:spPr>
-          <a:xfrm>
-            <a:off x="3523399" y="4604753"/>
-            <a:ext cx="1224543" cy="369332"/>
-          </a:xfrm>
-          <a:prstGeom prst="rect">
-            <a:avLst/>
-          </a:prstGeom>
-          <a:noFill/>
-        </p:spPr>
-        <p:txBody>
-          <a:bodyPr rot="0" spcFirstLastPara="0" vertOverflow="overflow" horzOverflow="overflow" vert="horz" wrap="square" lIns="91440" tIns="45720" rIns="91440" bIns="45720" numCol="1" spcCol="0" rtlCol="0" fromWordArt="0" anchor="t" anchorCtr="0" forceAA="0" compatLnSpc="1">
-            <a:prstTxWarp prst="textNoShape">
-              <a:avLst/>
-            </a:prstTxWarp>
-            <a:spAutoFit/>
-          </a:bodyPr>
-          <a:lstStyle/>
-          <a:p>
-            <a:pPr algn="l"/>
-            <a:r>
-              <a:rPr lang="pt-BR" err="1">
-                <a:latin typeface="Times New Roman" panose="02020603050405020304" pitchFamily="18" charset="0"/>
-                <a:cs typeface="Times New Roman" panose="02020603050405020304" pitchFamily="18" charset="0"/>
-              </a:rPr>
-              <a:t>Restriction</a:t>
-            </a:r>
-          </a:p>
-        </p:txBody>
-      </p:sp>
-      <p:sp>
-        <p:nvSpPr>
-          <p:cNvPr id="8" name="CaixaDeTexto 7">
-            <a:extLst>
-              <a:ext uri="{FF2B5EF4-FFF2-40B4-BE49-F238E27FC236}">
-                <a16:creationId xmlns:a16="http://schemas.microsoft.com/office/drawing/2014/main" id="{1639CA9D-0F7D-2DF4-BA2F-D9EC0BA36DAD}"/>
-              </a:ext>
-            </a:extLst>
-          </p:cNvPr>
-          <p:cNvSpPr txBox="1"/>
-          <p:nvPr/>
-        </p:nvSpPr>
-        <p:spPr>
-          <a:xfrm>
-            <a:off x="7005367" y="3947528"/>
-            <a:ext cx="1647825" cy="369332"/>
-          </a:xfrm>
-          <a:prstGeom prst="rect">
-            <a:avLst/>
-          </a:prstGeom>
-          <a:noFill/>
-        </p:spPr>
-        <p:txBody>
-          <a:bodyPr rot="0" spcFirstLastPara="0" vertOverflow="overflow" horzOverflow="overflow" vert="horz" wrap="square" lIns="91440" tIns="45720" rIns="91440" bIns="45720" numCol="1" spcCol="0" rtlCol="0" fromWordArt="0" anchor="t" anchorCtr="0" forceAA="0" compatLnSpc="1">
-            <a:prstTxWarp prst="textNoShape">
-              <a:avLst/>
-            </a:prstTxWarp>
-            <a:spAutoFit/>
-          </a:bodyPr>
-          <a:lstStyle/>
-          <a:p>
-            <a:pPr algn="l"/>
-            <a:r>
-              <a:rPr lang="pt-BR" err="1">
-                <a:latin typeface="Times New Roman" panose="02020603050405020304" pitchFamily="18" charset="0"/>
-                <a:cs typeface="Times New Roman" panose="02020603050405020304" pitchFamily="18" charset="0"/>
-              </a:rPr>
-              <a:t>Prolongation</a:t>
-            </a:r>
-          </a:p>
-        </p:txBody>
-      </p:sp>
-      <p:sp>
-        <p:nvSpPr>
-          <p:cNvPr id="9" name="CaixaDeTexto 8">
-            <a:extLst>
-              <a:ext uri="{FF2B5EF4-FFF2-40B4-BE49-F238E27FC236}">
-                <a16:creationId xmlns:a16="http://schemas.microsoft.com/office/drawing/2014/main" id="{A4319CC4-2B44-B9B6-9E9C-05A3AECC0840}"/>
-              </a:ext>
-            </a:extLst>
-          </p:cNvPr>
-          <p:cNvSpPr txBox="1"/>
-          <p:nvPr/>
-        </p:nvSpPr>
-        <p:spPr>
-          <a:xfrm>
-            <a:off x="7005367" y="4823827"/>
-            <a:ext cx="1647825" cy="369332"/>
-          </a:xfrm>
-          <a:prstGeom prst="rect">
-            <a:avLst/>
-          </a:prstGeom>
-          <a:noFill/>
-        </p:spPr>
-        <p:txBody>
-          <a:bodyPr rot="0" spcFirstLastPara="0" vertOverflow="overflow" horzOverflow="overflow" vert="horz" wrap="square" lIns="91440" tIns="45720" rIns="91440" bIns="45720" numCol="1" spcCol="0" rtlCol="0" fromWordArt="0" anchor="t" anchorCtr="0" forceAA="0" compatLnSpc="1">
-            <a:prstTxWarp prst="textNoShape">
-              <a:avLst/>
-            </a:prstTxWarp>
-            <a:spAutoFit/>
-          </a:bodyPr>
-          <a:lstStyle/>
-          <a:p>
-            <a:pPr algn="l"/>
-            <a:r>
-              <a:rPr lang="pt-BR" err="1">
-                <a:latin typeface="Times New Roman" panose="02020603050405020304" pitchFamily="18" charset="0"/>
-                <a:cs typeface="Times New Roman" panose="02020603050405020304" pitchFamily="18" charset="0"/>
-              </a:rPr>
-              <a:t>Prolongation</a:t>
-            </a:r>
-          </a:p>
-        </p:txBody>
-      </p:sp>
-      <p:sp>
-        <p:nvSpPr>
-          <p:cNvPr id="10" name="CaixaDeTexto 9">
-            <a:extLst>
-              <a:ext uri="{FF2B5EF4-FFF2-40B4-BE49-F238E27FC236}">
-                <a16:creationId xmlns:a16="http://schemas.microsoft.com/office/drawing/2014/main" id="{34F8B2DD-B349-CAB4-3F53-6D45F3441F24}"/>
-              </a:ext>
-            </a:extLst>
-          </p:cNvPr>
-          <p:cNvSpPr txBox="1"/>
-          <p:nvPr/>
-        </p:nvSpPr>
-        <p:spPr>
-          <a:xfrm>
-            <a:off x="5290867" y="5623928"/>
-            <a:ext cx="1181100" cy="369332"/>
-          </a:xfrm>
-          <a:prstGeom prst="rect">
-            <a:avLst/>
-          </a:prstGeom>
-          <a:noFill/>
-        </p:spPr>
-        <p:txBody>
-          <a:bodyPr rot="0" spcFirstLastPara="0" vertOverflow="overflow" horzOverflow="overflow" vert="horz" wrap="square" lIns="91440" tIns="45720" rIns="91440" bIns="45720" numCol="1" spcCol="0" rtlCol="0" fromWordArt="0" anchor="t" anchorCtr="0" forceAA="0" compatLnSpc="1">
-            <a:prstTxWarp prst="textNoShape">
-              <a:avLst/>
-            </a:prstTxWarp>
-            <a:spAutoFit/>
-          </a:bodyPr>
-          <a:lstStyle/>
-          <a:p>
-            <a:pPr algn="l"/>
-            <a:r>
-              <a:rPr lang="pt-BR" err="1">
-                <a:latin typeface="Times New Roman" panose="02020603050405020304" pitchFamily="18" charset="0"/>
-                <a:cs typeface="Times New Roman" panose="02020603050405020304" pitchFamily="18" charset="0"/>
-              </a:rPr>
-              <a:t>Multilevel</a:t>
-            </a:r>
-          </a:p>
-        </p:txBody>
-      </p:sp>
-      <p:sp>
-        <p:nvSpPr>
-          <p:cNvPr id="11" name="CaixaDeTexto 10">
-            <a:extLst>
-              <a:ext uri="{FF2B5EF4-FFF2-40B4-BE49-F238E27FC236}">
-                <a16:creationId xmlns:a16="http://schemas.microsoft.com/office/drawing/2014/main" id="{8CED1240-51DA-61DB-019F-8FD1EF1D7792}"/>
-              </a:ext>
-            </a:extLst>
-          </p:cNvPr>
-          <p:cNvSpPr txBox="1"/>
-          <p:nvPr/>
-        </p:nvSpPr>
-        <p:spPr>
-          <a:xfrm>
-            <a:off x="7467214" y="1620329"/>
-            <a:ext cx="1243128" cy="369332"/>
-          </a:xfrm>
-          <a:prstGeom prst="rect">
-            <a:avLst/>
-          </a:prstGeom>
-          <a:noFill/>
-        </p:spPr>
-        <p:txBody>
-          <a:bodyPr rot="0" spcFirstLastPara="0" vertOverflow="overflow" horzOverflow="overflow" vert="horz" wrap="square" lIns="91440" tIns="45720" rIns="91440" bIns="45720" numCol="1" spcCol="0" rtlCol="0" fromWordArt="0" anchor="t" anchorCtr="0" forceAA="0" compatLnSpc="1">
-            <a:prstTxWarp prst="textNoShape">
-              <a:avLst/>
-            </a:prstTxWarp>
-            <a:spAutoFit/>
-          </a:bodyPr>
-          <a:lstStyle/>
-          <a:p>
-            <a:pPr algn="l"/>
-            <a:r>
-              <a:rPr lang="pt-BR" err="1">
-                <a:latin typeface="Times New Roman" panose="02020603050405020304" pitchFamily="18" charset="0"/>
-                <a:cs typeface="Times New Roman" panose="02020603050405020304" pitchFamily="18" charset="0"/>
-              </a:rPr>
-              <a:t>Restriction</a:t>
-            </a:r>
-            <a:endParaRPr lang="pt-BR">
-              <a:latin typeface="Times New Roman" panose="02020603050405020304" pitchFamily="18" charset="0"/>
-              <a:cs typeface="Times New Roman" panose="02020603050405020304" pitchFamily="18" charset="0"/>
-            </a:endParaRPr>
-          </a:p>
-        </p:txBody>
-      </p:sp>
-      <p:sp>
-        <p:nvSpPr>
-          <p:cNvPr id="12" name="CaixaDeTexto 11">
-            <a:extLst>
-              <a:ext uri="{FF2B5EF4-FFF2-40B4-BE49-F238E27FC236}">
-                <a16:creationId xmlns:a16="http://schemas.microsoft.com/office/drawing/2014/main" id="{AE91BD1C-9F3B-E56B-0B71-C25CD609D8E2}"/>
-              </a:ext>
-            </a:extLst>
-          </p:cNvPr>
-          <p:cNvSpPr txBox="1"/>
-          <p:nvPr/>
-        </p:nvSpPr>
-        <p:spPr>
-          <a:xfrm>
-            <a:off x="10734316" y="1782433"/>
-            <a:ext cx="1403410" cy="369332"/>
-          </a:xfrm>
-          <a:prstGeom prst="rect">
-            <a:avLst/>
-          </a:prstGeom>
-          <a:noFill/>
-        </p:spPr>
-        <p:txBody>
-          <a:bodyPr rot="0" spcFirstLastPara="0" vertOverflow="overflow" horzOverflow="overflow" vert="horz" wrap="square" lIns="91440" tIns="45720" rIns="91440" bIns="45720" numCol="1" spcCol="0" rtlCol="0" fromWordArt="0" anchor="t" anchorCtr="0" forceAA="0" compatLnSpc="1">
-            <a:prstTxWarp prst="textNoShape">
-              <a:avLst/>
-            </a:prstTxWarp>
-            <a:spAutoFit/>
-          </a:bodyPr>
-          <a:lstStyle/>
-          <a:p>
-            <a:pPr algn="l"/>
-            <a:r>
-              <a:rPr lang="pt-BR" err="1">
-                <a:latin typeface="Times New Roman" panose="02020603050405020304" pitchFamily="18" charset="0"/>
-                <a:cs typeface="Times New Roman" panose="02020603050405020304" pitchFamily="18" charset="0"/>
-              </a:rPr>
-              <a:t>Prolongation</a:t>
-            </a:r>
-            <a:endParaRPr lang="pt-BR">
-              <a:latin typeface="Times New Roman" panose="02020603050405020304" pitchFamily="18" charset="0"/>
-              <a:cs typeface="Times New Roman" panose="02020603050405020304" pitchFamily="18" charset="0"/>
-            </a:endParaRPr>
-          </a:p>
-        </p:txBody>
-      </p:sp>
-      <p:sp>
-        <p:nvSpPr>
-          <p:cNvPr id="13" name="CaixaDeTexto 12">
-            <a:extLst>
-              <a:ext uri="{FF2B5EF4-FFF2-40B4-BE49-F238E27FC236}">
-                <a16:creationId xmlns:a16="http://schemas.microsoft.com/office/drawing/2014/main" id="{5DDA2088-5C58-9131-B707-E54AA5E118CE}"/>
-              </a:ext>
-            </a:extLst>
-          </p:cNvPr>
-          <p:cNvSpPr txBox="1"/>
-          <p:nvPr/>
-        </p:nvSpPr>
-        <p:spPr>
-          <a:xfrm>
-            <a:off x="9014783" y="2668619"/>
-            <a:ext cx="1276350" cy="369332"/>
-          </a:xfrm>
-          <a:prstGeom prst="rect">
-            <a:avLst/>
-          </a:prstGeom>
-          <a:noFill/>
-        </p:spPr>
-        <p:txBody>
-          <a:bodyPr rot="0" spcFirstLastPara="0" vertOverflow="overflow" horzOverflow="overflow" vert="horz" wrap="square" lIns="91440" tIns="45720" rIns="91440" bIns="45720" numCol="1" spcCol="0" rtlCol="0" fromWordArt="0" anchor="t" anchorCtr="0" forceAA="0" compatLnSpc="1">
-            <a:prstTxWarp prst="textNoShape">
-              <a:avLst/>
-            </a:prstTxWarp>
-            <a:spAutoFit/>
-          </a:bodyPr>
-          <a:lstStyle/>
-          <a:p>
-            <a:pPr algn="l"/>
-            <a:r>
-              <a:rPr lang="pt-BR" err="1">
-                <a:latin typeface="Times New Roman" panose="02020603050405020304" pitchFamily="18" charset="0"/>
-                <a:cs typeface="Times New Roman" panose="02020603050405020304" pitchFamily="18" charset="0"/>
-              </a:rPr>
-              <a:t>Multiscale</a:t>
-            </a:r>
-          </a:p>
-        </p:txBody>
-      </p:sp>
       <p:pic>
         <p:nvPicPr>
-          <p:cNvPr id="14" name="Imagem 17">
-            <a:extLst>
-              <a:ext uri="{FF2B5EF4-FFF2-40B4-BE49-F238E27FC236}">
-                <a16:creationId xmlns:a16="http://schemas.microsoft.com/office/drawing/2014/main" id="{CA7D7784-3DC4-7FFF-EA70-EE83C1382E97}"/>
-              </a:ext>
-            </a:extLst>
-          </p:cNvPr>
-          <p:cNvPicPr>
-            <a:picLocks noChangeAspect="1"/>
-          </p:cNvPicPr>
-          <p:nvPr/>
-        </p:nvPicPr>
-        <p:blipFill>
-          <a:blip r:embed="rId2"/>
-          <a:stretch>
-            <a:fillRect/>
-          </a:stretch>
-        </p:blipFill>
-        <p:spPr>
-          <a:xfrm>
-            <a:off x="1538965" y="1745880"/>
-            <a:ext cx="2200275" cy="1537654"/>
-          </a:xfrm>
-          <a:prstGeom prst="rect">
-            <a:avLst/>
-          </a:prstGeom>
-        </p:spPr>
-      </p:pic>
-      <p:sp>
-        <p:nvSpPr>
-          <p:cNvPr id="15" name="CaixaDeTexto 14">
-            <a:extLst>
-              <a:ext uri="{FF2B5EF4-FFF2-40B4-BE49-F238E27FC236}">
-                <a16:creationId xmlns:a16="http://schemas.microsoft.com/office/drawing/2014/main" id="{74EDC8CE-E9B9-E7EC-4372-4E61F6565D4F}"/>
-              </a:ext>
-            </a:extLst>
-          </p:cNvPr>
-          <p:cNvSpPr txBox="1"/>
-          <p:nvPr/>
-        </p:nvSpPr>
-        <p:spPr>
-          <a:xfrm>
-            <a:off x="443590" y="2190857"/>
-            <a:ext cx="1133475" cy="369332"/>
-          </a:xfrm>
-          <a:prstGeom prst="rect">
-            <a:avLst/>
-          </a:prstGeom>
-          <a:noFill/>
-        </p:spPr>
-        <p:txBody>
-          <a:bodyPr rot="0" spcFirstLastPara="0" vertOverflow="overflow" horzOverflow="overflow" vert="horz" wrap="square" lIns="91440" tIns="45720" rIns="91440" bIns="45720" numCol="1" spcCol="0" rtlCol="0" fromWordArt="0" anchor="t" anchorCtr="0" forceAA="0" compatLnSpc="1">
-            <a:prstTxWarp prst="textNoShape">
-              <a:avLst/>
-            </a:prstTxWarp>
-            <a:spAutoFit/>
-          </a:bodyPr>
-          <a:lstStyle/>
-          <a:p>
-            <a:pPr algn="l"/>
-            <a:r>
-              <a:rPr lang="pt-BR" err="1">
-                <a:latin typeface="Times New Roman"/>
-                <a:cs typeface="Times New Roman"/>
-              </a:rPr>
-              <a:t>Upscaling</a:t>
-            </a:r>
-            <a:endParaRPr lang="pt-BR">
-              <a:latin typeface="Times New Roman"/>
-              <a:cs typeface="Times New Roman"/>
-            </a:endParaRPr>
-          </a:p>
-        </p:txBody>
-      </p:sp>
-      <p:sp>
-        <p:nvSpPr>
-          <p:cNvPr id="16" name="CaixaDeTexto 15">
-            <a:extLst>
-              <a:ext uri="{FF2B5EF4-FFF2-40B4-BE49-F238E27FC236}">
-                <a16:creationId xmlns:a16="http://schemas.microsoft.com/office/drawing/2014/main" id="{39D65A4A-C5BA-9D1D-2213-066094A2AE3E}"/>
-              </a:ext>
-            </a:extLst>
-          </p:cNvPr>
-          <p:cNvSpPr txBox="1"/>
-          <p:nvPr/>
-        </p:nvSpPr>
-        <p:spPr>
-          <a:xfrm>
-            <a:off x="1939015" y="3286232"/>
-            <a:ext cx="1276350" cy="369332"/>
-          </a:xfrm>
-          <a:prstGeom prst="rect">
-            <a:avLst/>
-          </a:prstGeom>
-          <a:noFill/>
-        </p:spPr>
-        <p:txBody>
-          <a:bodyPr rot="0" spcFirstLastPara="0" vertOverflow="overflow" horzOverflow="overflow" vert="horz" wrap="square" lIns="91440" tIns="45720" rIns="91440" bIns="45720" numCol="1" spcCol="0" rtlCol="0" fromWordArt="0" anchor="t" anchorCtr="0" forceAA="0" compatLnSpc="1">
-            <a:prstTxWarp prst="textNoShape">
-              <a:avLst/>
-            </a:prstTxWarp>
-            <a:spAutoFit/>
-          </a:bodyPr>
-          <a:lstStyle/>
-          <a:p>
-            <a:pPr algn="l"/>
-            <a:r>
-              <a:rPr lang="pt-BR" err="1">
-                <a:latin typeface="Times New Roman"/>
-                <a:cs typeface="Calibri"/>
-              </a:rPr>
-              <a:t>Upscaling</a:t>
-            </a:r>
-            <a:endParaRPr lang="pt-BR">
-              <a:latin typeface="Times New Roman"/>
-              <a:cs typeface="Calibri"/>
-            </a:endParaRPr>
-          </a:p>
-        </p:txBody>
-      </p:sp>
-      <p:pic>
-        <p:nvPicPr>
-          <p:cNvPr id="17" name="Imagem 23">
-            <a:extLst>
-              <a:ext uri="{FF2B5EF4-FFF2-40B4-BE49-F238E27FC236}">
-                <a16:creationId xmlns:a16="http://schemas.microsoft.com/office/drawing/2014/main" id="{52DF78B6-EF9E-6438-1597-8FA9A4610655}"/>
-              </a:ext>
-            </a:extLst>
-          </p:cNvPr>
-          <p:cNvPicPr>
-            <a:picLocks noChangeAspect="1"/>
-          </p:cNvPicPr>
-          <p:nvPr/>
-        </p:nvPicPr>
-        <p:blipFill>
-          <a:blip r:embed="rId3"/>
-          <a:stretch>
-            <a:fillRect/>
-          </a:stretch>
-        </p:blipFill>
-        <p:spPr>
-          <a:xfrm>
-            <a:off x="4671742" y="3338726"/>
-            <a:ext cx="2419350" cy="2246482"/>
-          </a:xfrm>
-          <a:prstGeom prst="rect">
-            <a:avLst/>
-          </a:prstGeom>
-        </p:spPr>
-      </p:pic>
-      <p:sp>
-        <p:nvSpPr>
-          <p:cNvPr id="18" name="CaixaDeTexto 17">
-            <a:extLst>
-              <a:ext uri="{FF2B5EF4-FFF2-40B4-BE49-F238E27FC236}">
-                <a16:creationId xmlns:a16="http://schemas.microsoft.com/office/drawing/2014/main" id="{4D6ABB73-4B71-9C68-1103-AE2FF3D2B616}"/>
-              </a:ext>
-            </a:extLst>
-          </p:cNvPr>
-          <p:cNvSpPr txBox="1"/>
-          <p:nvPr/>
-        </p:nvSpPr>
-        <p:spPr>
-          <a:xfrm>
-            <a:off x="1536988" y="3646025"/>
-            <a:ext cx="1765540" cy="369332"/>
-          </a:xfrm>
-          <a:prstGeom prst="rect">
-            <a:avLst/>
-          </a:prstGeom>
-          <a:noFill/>
-        </p:spPr>
-        <p:txBody>
-          <a:bodyPr rot="0" spcFirstLastPara="0" vertOverflow="overflow" horzOverflow="overflow" vert="horz" wrap="square" lIns="91440" tIns="45720" rIns="91440" bIns="45720" numCol="1" spcCol="0" rtlCol="0" fromWordArt="0" anchor="t" anchorCtr="0" forceAA="0" compatLnSpc="1">
-            <a:prstTxWarp prst="textNoShape">
-              <a:avLst/>
-            </a:prstTxWarp>
-            <a:spAutoFit/>
-          </a:bodyPr>
-          <a:lstStyle/>
-          <a:p>
-            <a:pPr marL="285750" indent="-285750">
-              <a:buFont typeface="Arial"/>
-              <a:buChar char="•"/>
-            </a:pPr>
-            <a:r>
-              <a:rPr lang="pt-BR" err="1">
-                <a:latin typeface="Times New Roman"/>
-                <a:cs typeface="Times New Roman"/>
-              </a:rPr>
-              <a:t>Low</a:t>
-            </a:r>
-            <a:r>
-              <a:rPr lang="pt-BR">
-                <a:latin typeface="Times New Roman"/>
-                <a:cs typeface="Times New Roman"/>
-              </a:rPr>
-              <a:t> </a:t>
-            </a:r>
-            <a:r>
-              <a:rPr lang="pt-BR" err="1">
-                <a:latin typeface="Times New Roman"/>
-                <a:cs typeface="Times New Roman"/>
-              </a:rPr>
-              <a:t>accuracy</a:t>
-            </a:r>
-            <a:endParaRPr lang="pt-BR">
-              <a:latin typeface="Times New Roman"/>
-              <a:cs typeface="Times New Roman"/>
-            </a:endParaRPr>
-          </a:p>
-        </p:txBody>
-      </p:sp>
-      <p:sp>
-        <p:nvSpPr>
-          <p:cNvPr id="19" name="CaixaDeTexto 18">
-            <a:extLst>
-              <a:ext uri="{FF2B5EF4-FFF2-40B4-BE49-F238E27FC236}">
-                <a16:creationId xmlns:a16="http://schemas.microsoft.com/office/drawing/2014/main" id="{96694120-7E46-BC68-7C40-8D1E44A5F026}"/>
-              </a:ext>
-            </a:extLst>
-          </p:cNvPr>
-          <p:cNvSpPr txBox="1"/>
-          <p:nvPr/>
-        </p:nvSpPr>
-        <p:spPr>
-          <a:xfrm>
-            <a:off x="7341079" y="3027872"/>
-            <a:ext cx="4799161" cy="646331"/>
-          </a:xfrm>
-          <a:prstGeom prst="rect">
-            <a:avLst/>
-          </a:prstGeom>
-          <a:noFill/>
-        </p:spPr>
-        <p:txBody>
-          <a:bodyPr rot="0" spcFirstLastPara="0" vertOverflow="overflow" horzOverflow="overflow" vert="horz" wrap="square" lIns="91440" tIns="45720" rIns="91440" bIns="45720" numCol="1" spcCol="0" rtlCol="0" fromWordArt="0" anchor="t" anchorCtr="0" forceAA="0" compatLnSpc="1">
-            <a:prstTxWarp prst="textNoShape">
-              <a:avLst/>
-            </a:prstTxWarp>
-            <a:spAutoFit/>
-          </a:bodyPr>
-          <a:lstStyle/>
-          <a:p>
-            <a:pPr marL="285750" indent="-285750" algn="ctr">
-              <a:buFont typeface="Arial"/>
-              <a:buChar char="•"/>
-            </a:pPr>
-            <a:r>
-              <a:rPr lang="en">
-                <a:latin typeface="Times New Roman"/>
-                <a:cs typeface="Times New Roman"/>
-              </a:rPr>
-              <a:t>Better accuracy over Upscaling (approximates the fine scale solution)</a:t>
-            </a:r>
-            <a:endParaRPr lang="pt-BR">
-              <a:cs typeface="Calibri" panose="020F0502020204030204"/>
-            </a:endParaRPr>
-          </a:p>
-        </p:txBody>
-      </p:sp>
-      <p:sp>
-        <p:nvSpPr>
-          <p:cNvPr id="20" name="CaixaDeTexto 19">
-            <a:extLst>
-              <a:ext uri="{FF2B5EF4-FFF2-40B4-BE49-F238E27FC236}">
-                <a16:creationId xmlns:a16="http://schemas.microsoft.com/office/drawing/2014/main" id="{4E5D75B6-E202-F39A-01B1-EA323B96B55F}"/>
-              </a:ext>
-            </a:extLst>
-          </p:cNvPr>
-          <p:cNvSpPr txBox="1"/>
-          <p:nvPr/>
-        </p:nvSpPr>
-        <p:spPr>
-          <a:xfrm>
-            <a:off x="4177879" y="6023798"/>
-            <a:ext cx="3720859" cy="646331"/>
-          </a:xfrm>
-          <a:prstGeom prst="rect">
-            <a:avLst/>
-          </a:prstGeom>
-          <a:noFill/>
-        </p:spPr>
-        <p:txBody>
-          <a:bodyPr rot="0" spcFirstLastPara="0" vertOverflow="overflow" horzOverflow="overflow" vert="horz" wrap="square" lIns="91440" tIns="45720" rIns="91440" bIns="45720" numCol="1" spcCol="0" rtlCol="0" fromWordArt="0" anchor="t" anchorCtr="0" forceAA="0" compatLnSpc="1">
-            <a:prstTxWarp prst="textNoShape">
-              <a:avLst/>
-            </a:prstTxWarp>
-            <a:spAutoFit/>
-          </a:bodyPr>
-          <a:lstStyle/>
-          <a:p>
-            <a:pPr marL="285750" indent="-285750">
-              <a:buFont typeface="Arial"/>
-              <a:buChar char="•"/>
-            </a:pPr>
-            <a:r>
-              <a:rPr lang="en">
-                <a:latin typeface="Times New Roman"/>
-                <a:cs typeface="Times New Roman"/>
-              </a:rPr>
-              <a:t>Better accuracy in certain regions</a:t>
-            </a:r>
-            <a:endParaRPr lang="pt-BR"/>
-          </a:p>
-          <a:p>
-            <a:pPr marL="285750" indent="-285750">
-              <a:buFont typeface="Arial"/>
-              <a:buChar char="•"/>
-            </a:pPr>
-            <a:r>
-              <a:rPr lang="en">
-                <a:latin typeface="Times New Roman"/>
-                <a:cs typeface="Times New Roman"/>
-              </a:rPr>
-              <a:t>Allows multiple levels</a:t>
-            </a:r>
-            <a:endParaRPr lang="en">
-              <a:cs typeface="Calibri" panose="020F0502020204030204"/>
-            </a:endParaRPr>
-          </a:p>
-        </p:txBody>
-      </p:sp>
-      <p:pic>
-        <p:nvPicPr>
-          <p:cNvPr id="24" name="Imagem 21" descr="Uma imagem contendo esporte, jogo esportivo&#10;&#10;Descrição gerada com alta confiança">
-            <a:extLst>
-              <a:ext uri="{FF2B5EF4-FFF2-40B4-BE49-F238E27FC236}">
-                <a16:creationId xmlns:a16="http://schemas.microsoft.com/office/drawing/2014/main" id="{79F55FC5-3389-EC6E-A36B-1B86B5F1C60A}"/>
+          <p:cNvPr id="23" name="Imagem 56">
+            <a:extLst>
+              <a:ext uri="{FF2B5EF4-FFF2-40B4-BE49-F238E27FC236}">
+                <a16:creationId xmlns:a16="http://schemas.microsoft.com/office/drawing/2014/main" id="{841638F8-29A3-326B-F7AF-25FED6FE298A}"/>
               </a:ext>
             </a:extLst>
           </p:cNvPr>
@@ -5189,169 +4700,29 @@
         </p:blipFill>
         <p:spPr>
           <a:xfrm>
-            <a:off x="8653192" y="1252654"/>
-            <a:ext cx="2095500" cy="1325900"/>
+            <a:off x="4658826" y="1798025"/>
+            <a:ext cx="242877" cy="472971"/>
           </a:xfrm>
           <a:prstGeom prst="rect">
             <a:avLst/>
           </a:prstGeom>
         </p:spPr>
       </p:pic>
-    </p:spTree>
-    <p:extLst>
-      <p:ext uri="{BB962C8B-B14F-4D97-AF65-F5344CB8AC3E}">
-        <p14:creationId xmlns:p14="http://schemas.microsoft.com/office/powerpoint/2010/main" val="3176676492"/>
-      </p:ext>
-    </p:extLst>
-  </p:cSld>
-  <p:clrMapOvr>
-    <a:masterClrMapping/>
-  </p:clrMapOvr>
-</p:sld>
-</file>
-
-<file path=ppt/slides/slide7.xml><?xml version="1.0" encoding="utf-8"?>
-<p:sld xmlns:a="http://schemas.openxmlformats.org/drawingml/2006/main" xmlns:r="http://schemas.openxmlformats.org/officeDocument/2006/relationships" xmlns:p="http://schemas.openxmlformats.org/presentationml/2006/main">
-  <p:cSld>
-    <p:spTree>
-      <p:nvGrpSpPr>
-        <p:cNvPr id="1" name=""/>
-        <p:cNvGrpSpPr/>
-        <p:nvPr/>
-      </p:nvGrpSpPr>
-      <p:grpSpPr>
-        <a:xfrm>
-          <a:off x="0" y="0"/>
-          <a:ext cx="0" cy="0"/>
-          <a:chOff x="0" y="0"/>
-          <a:chExt cx="0" cy="0"/>
-        </a:xfrm>
-      </p:grpSpPr>
-      <p:sp>
-        <p:nvSpPr>
-          <p:cNvPr id="2" name="Title 1">
-            <a:extLst>
-              <a:ext uri="{FF2B5EF4-FFF2-40B4-BE49-F238E27FC236}">
-                <a16:creationId xmlns:a16="http://schemas.microsoft.com/office/drawing/2014/main" id="{82EC1BE0-6A15-4086-BA75-A4489A71F129}"/>
-              </a:ext>
-            </a:extLst>
-          </p:cNvPr>
-          <p:cNvSpPr>
-            <a:spLocks noGrp="1"/>
-          </p:cNvSpPr>
-          <p:nvPr>
-            <p:ph type="title"/>
-          </p:nvPr>
+      <p:sp>
+        <p:nvSpPr>
+          <p:cNvPr id="25" name="TextBox 9">
+            <a:extLst>
+              <a:ext uri="{FF2B5EF4-FFF2-40B4-BE49-F238E27FC236}">
+                <a16:creationId xmlns:a16="http://schemas.microsoft.com/office/drawing/2014/main" id="{64C26B3A-1B6A-7AA6-EF10-E00B3D643E49}"/>
+              </a:ext>
+            </a:extLst>
+          </p:cNvPr>
+          <p:cNvSpPr txBox="1"/>
+          <p:nvPr/>
         </p:nvSpPr>
         <p:spPr>
           <a:xfrm>
-            <a:off x="838200" y="325368"/>
-            <a:ext cx="10515600" cy="1325563"/>
-          </a:xfrm>
-        </p:spPr>
-        <p:txBody>
-          <a:bodyPr/>
-          <a:lstStyle/>
-          <a:p>
-            <a:r>
-              <a:rPr lang="en-US" dirty="0" err="1">
-                <a:latin typeface="Times New Roman" panose="02020603050405020304" pitchFamily="18" charset="0"/>
-                <a:cs typeface="Times New Roman" panose="02020603050405020304" pitchFamily="18" charset="0"/>
-              </a:rPr>
-              <a:t>Método</a:t>
-            </a:r>
-            <a:r>
-              <a:rPr lang="en-US" dirty="0">
-                <a:latin typeface="Times New Roman" panose="02020603050405020304" pitchFamily="18" charset="0"/>
-                <a:cs typeface="Times New Roman" panose="02020603050405020304" pitchFamily="18" charset="0"/>
-              </a:rPr>
-              <a:t> </a:t>
-            </a:r>
-            <a:r>
-              <a:rPr lang="en-US" dirty="0" err="1">
-                <a:latin typeface="Times New Roman" panose="02020603050405020304" pitchFamily="18" charset="0"/>
-                <a:cs typeface="Times New Roman" panose="02020603050405020304" pitchFamily="18" charset="0"/>
-              </a:rPr>
-              <a:t>Multiescala</a:t>
-            </a:r>
-            <a:r>
-              <a:rPr lang="en-US" dirty="0">
-                <a:latin typeface="Times New Roman" panose="02020603050405020304" pitchFamily="18" charset="0"/>
-                <a:cs typeface="Times New Roman" panose="02020603050405020304" pitchFamily="18" charset="0"/>
-              </a:rPr>
-              <a:t>/ADM</a:t>
-            </a:r>
-            <a:endParaRPr lang="en-US" dirty="0"/>
-          </a:p>
-        </p:txBody>
-      </p:sp>
-      <p:sp>
-        <p:nvSpPr>
-          <p:cNvPr id="4" name="Espaço Reservado para Conteúdo 4">
-            <a:extLst>
-              <a:ext uri="{FF2B5EF4-FFF2-40B4-BE49-F238E27FC236}">
-                <a16:creationId xmlns:a16="http://schemas.microsoft.com/office/drawing/2014/main" id="{D16742DF-69E6-49CD-87D6-DEE3B56CB7A8}"/>
-              </a:ext>
-            </a:extLst>
-          </p:cNvPr>
-          <p:cNvSpPr>
-            <a:spLocks noGrp="1"/>
-          </p:cNvSpPr>
-          <p:nvPr>
-            <p:ph idx="1"/>
-          </p:nvPr>
-        </p:nvSpPr>
-        <p:spPr>
-          <a:xfrm>
-            <a:off x="838200" y="2662824"/>
-            <a:ext cx="4937185" cy="483829"/>
-          </a:xfrm>
-        </p:spPr>
-        <p:txBody>
-          <a:bodyPr vert="horz" lIns="91440" tIns="45720" rIns="91440" bIns="45720" rtlCol="0" anchor="t">
-            <a:normAutofit/>
-          </a:bodyPr>
-          <a:lstStyle/>
-          <a:p>
-            <a:pPr marL="0" indent="0">
-              <a:buNone/>
-            </a:pPr>
-            <a:r>
-              <a:rPr lang="pt-BR" dirty="0">
-                <a:latin typeface="Times New Roman"/>
-                <a:cs typeface="Calibri" panose="020F0502020204030204"/>
-              </a:rPr>
-              <a:t>Solução </a:t>
-            </a:r>
-            <a:r>
-              <a:rPr lang="pt-BR" dirty="0" err="1">
-                <a:latin typeface="Times New Roman"/>
-                <a:cs typeface="Calibri" panose="020F0502020204030204"/>
-              </a:rPr>
-              <a:t>Multiescala</a:t>
-            </a:r>
-            <a:endParaRPr lang="pt-BR" dirty="0">
-              <a:latin typeface="Times New Roman"/>
-              <a:cs typeface="Calibri" panose="020F0502020204030204"/>
-            </a:endParaRPr>
-          </a:p>
-        </p:txBody>
-      </p:sp>
-      <p:sp>
-        <p:nvSpPr>
-          <p:cNvPr id="10" name="TextBox 9">
-            <a:extLst>
-              <a:ext uri="{FF2B5EF4-FFF2-40B4-BE49-F238E27FC236}">
-                <a16:creationId xmlns:a16="http://schemas.microsoft.com/office/drawing/2014/main" id="{50FC5AFD-279F-4A9C-8552-1D573D0552EC}"/>
-              </a:ext>
-            </a:extLst>
-          </p:cNvPr>
-          <p:cNvSpPr txBox="1"/>
-          <p:nvPr/>
-        </p:nvSpPr>
-        <p:spPr>
-          <a:xfrm>
-            <a:off x="6034667" y="3111359"/>
+            <a:off x="4901703" y="1748457"/>
             <a:ext cx="3241614" cy="369332"/>
           </a:xfrm>
           <a:prstGeom prst="rect">
@@ -5369,203 +4740,76 @@
           <a:lstStyle/>
           <a:p>
             <a:r>
-              <a:rPr lang="en-US">
+              <a:rPr lang="en-US" dirty="0">
                 <a:latin typeface="Times New Roman"/>
                 <a:cs typeface="Times New Roman"/>
               </a:rPr>
-              <a:t>Pressure of coarse mesh volumes</a:t>
-            </a:r>
-          </a:p>
-        </p:txBody>
-      </p:sp>
-      <p:sp>
-        <p:nvSpPr>
-          <p:cNvPr id="13" name="TextBox 12">
-            <a:extLst>
-              <a:ext uri="{FF2B5EF4-FFF2-40B4-BE49-F238E27FC236}">
-                <a16:creationId xmlns:a16="http://schemas.microsoft.com/office/drawing/2014/main" id="{F83AE4F4-75D6-4201-B1D1-7AFA4FB72E5B}"/>
-              </a:ext>
-            </a:extLst>
-          </p:cNvPr>
-          <p:cNvSpPr txBox="1"/>
+              <a:t>Tensor </a:t>
+            </a:r>
+            <a:r>
+              <a:rPr lang="en-US" dirty="0" err="1">
+                <a:latin typeface="Times New Roman"/>
+                <a:cs typeface="Times New Roman"/>
+              </a:rPr>
+              <a:t>permeabilidade</a:t>
+            </a:r>
+            <a:r>
+              <a:rPr lang="en-US" dirty="0">
+                <a:latin typeface="Times New Roman"/>
+                <a:cs typeface="Times New Roman"/>
+              </a:rPr>
+              <a:t> da </a:t>
+            </a:r>
+            <a:r>
+              <a:rPr lang="en-US" dirty="0" err="1">
+                <a:latin typeface="Times New Roman"/>
+                <a:cs typeface="Times New Roman"/>
+              </a:rPr>
+              <a:t>rocha</a:t>
+            </a:r>
+            <a:endParaRPr lang="en-US" dirty="0">
+              <a:latin typeface="Times New Roman"/>
+              <a:cs typeface="Times New Roman"/>
+            </a:endParaRPr>
+          </a:p>
+        </p:txBody>
+      </p:sp>
+      <p:pic>
+        <p:nvPicPr>
+          <p:cNvPr id="31" name="Imagem 30">
+            <a:extLst>
+              <a:ext uri="{FF2B5EF4-FFF2-40B4-BE49-F238E27FC236}">
+                <a16:creationId xmlns:a16="http://schemas.microsoft.com/office/drawing/2014/main" id="{E61E28BF-205D-0EE8-E046-1D18316B76E6}"/>
+              </a:ext>
+            </a:extLst>
+          </p:cNvPr>
+          <p:cNvPicPr>
+            <a:picLocks noChangeAspect="1"/>
+          </p:cNvPicPr>
           <p:nvPr/>
-        </p:nvSpPr>
+        </p:nvPicPr>
+        <p:blipFill>
+          <a:blip r:embed="rId5"/>
+          <a:stretch>
+            <a:fillRect/>
+          </a:stretch>
+        </p:blipFill>
         <p:spPr>
           <a:xfrm>
-            <a:off x="6034666" y="3574899"/>
-            <a:ext cx="1971614" cy="369332"/>
+            <a:off x="1070904" y="3475568"/>
+            <a:ext cx="3590624" cy="1673506"/>
           </a:xfrm>
           <a:prstGeom prst="rect">
             <a:avLst/>
           </a:prstGeom>
-          <a:noFill/>
         </p:spPr>
-        <p:txBody>
-          <a:bodyPr rot="0" spcFirstLastPara="0" vertOverflow="overflow" horzOverflow="overflow" vert="horz" wrap="square" lIns="91440" tIns="45720" rIns="91440" bIns="45720" numCol="1" spcCol="0" rtlCol="0" fromWordArt="0" anchor="t" anchorCtr="0" forceAA="0" compatLnSpc="1">
-            <a:prstTxWarp prst="textNoShape">
-              <a:avLst/>
-            </a:prstTxWarp>
-            <a:spAutoFit/>
-          </a:bodyPr>
-          <a:lstStyle/>
-          <a:p>
-            <a:r>
-              <a:rPr lang="en-US">
-                <a:latin typeface="Times New Roman"/>
-                <a:cs typeface="Times New Roman"/>
-              </a:rPr>
-              <a:t>Multiscale pressure</a:t>
-            </a:r>
-          </a:p>
-        </p:txBody>
-      </p:sp>
-      <p:grpSp>
-        <p:nvGrpSpPr>
-          <p:cNvPr id="18" name="Agrupar 17">
-            <a:extLst>
-              <a:ext uri="{FF2B5EF4-FFF2-40B4-BE49-F238E27FC236}">
-                <a16:creationId xmlns:a16="http://schemas.microsoft.com/office/drawing/2014/main" id="{CE03B426-5169-A3E8-71DF-D652664FAC08}"/>
-              </a:ext>
-            </a:extLst>
-          </p:cNvPr>
-          <p:cNvGrpSpPr/>
-          <p:nvPr/>
-        </p:nvGrpSpPr>
-        <p:grpSpPr>
-          <a:xfrm>
-            <a:off x="1084257" y="3296025"/>
-            <a:ext cx="2732369" cy="2505049"/>
-            <a:chOff x="1411287" y="3590868"/>
-            <a:chExt cx="1876425" cy="1722890"/>
-          </a:xfrm>
-        </p:grpSpPr>
-        <p:pic>
-          <p:nvPicPr>
-            <p:cNvPr id="3" name="Imagem 5">
-              <a:extLst>
-                <a:ext uri="{FF2B5EF4-FFF2-40B4-BE49-F238E27FC236}">
-                  <a16:creationId xmlns:a16="http://schemas.microsoft.com/office/drawing/2014/main" id="{EF8FDBBF-10A0-43D6-95D3-26DB1DBEA079}"/>
-                </a:ext>
-              </a:extLst>
-            </p:cNvPr>
-            <p:cNvPicPr>
-              <a:picLocks noChangeAspect="1"/>
-            </p:cNvPicPr>
-            <p:nvPr/>
-          </p:nvPicPr>
-          <p:blipFill>
-            <a:blip r:embed="rId2"/>
-            <a:stretch>
-              <a:fillRect/>
-            </a:stretch>
-          </p:blipFill>
-          <p:spPr>
-            <a:xfrm>
-              <a:off x="1483179" y="3590868"/>
-              <a:ext cx="1714500" cy="304800"/>
-            </a:xfrm>
-            <a:prstGeom prst="rect">
-              <a:avLst/>
-            </a:prstGeom>
-          </p:spPr>
-        </p:pic>
-        <p:pic>
-          <p:nvPicPr>
-            <p:cNvPr id="8" name="Imagem 8" descr="Desenho com traços pretos em fundo branco&#10;&#10;Descrição gerada com alta confiança">
-              <a:extLst>
-                <a:ext uri="{FF2B5EF4-FFF2-40B4-BE49-F238E27FC236}">
-                  <a16:creationId xmlns:a16="http://schemas.microsoft.com/office/drawing/2014/main" id="{ABE7B3B7-2B3A-4C5E-8EA8-C18680697E89}"/>
-                </a:ext>
-              </a:extLst>
-            </p:cNvPr>
-            <p:cNvPicPr>
-              <a:picLocks noChangeAspect="1"/>
-            </p:cNvPicPr>
-            <p:nvPr/>
-          </p:nvPicPr>
-          <p:blipFill>
-            <a:blip r:embed="rId3"/>
-            <a:stretch>
-              <a:fillRect/>
-            </a:stretch>
-          </p:blipFill>
-          <p:spPr>
-            <a:xfrm>
-              <a:off x="1603830" y="4017381"/>
-              <a:ext cx="1482272" cy="322633"/>
-            </a:xfrm>
-            <a:prstGeom prst="rect">
-              <a:avLst/>
-            </a:prstGeom>
-          </p:spPr>
-        </p:pic>
-        <p:pic>
-          <p:nvPicPr>
-            <p:cNvPr id="12" name="Imagem 14">
-              <a:extLst>
-                <a:ext uri="{FF2B5EF4-FFF2-40B4-BE49-F238E27FC236}">
-                  <a16:creationId xmlns:a16="http://schemas.microsoft.com/office/drawing/2014/main" id="{A9002AF1-901D-4521-AF7C-84A793CE6294}"/>
-                </a:ext>
-              </a:extLst>
-            </p:cNvPr>
-            <p:cNvPicPr>
-              <a:picLocks noChangeAspect="1"/>
-            </p:cNvPicPr>
-            <p:nvPr/>
-          </p:nvPicPr>
-          <p:blipFill>
-            <a:blip r:embed="rId4"/>
-            <a:stretch>
-              <a:fillRect/>
-            </a:stretch>
-          </p:blipFill>
-          <p:spPr>
-            <a:xfrm>
-              <a:off x="1411287" y="4525224"/>
-              <a:ext cx="1876425" cy="304800"/>
-            </a:xfrm>
-            <a:prstGeom prst="rect">
-              <a:avLst/>
-            </a:prstGeom>
-          </p:spPr>
-        </p:pic>
-        <p:pic>
-          <p:nvPicPr>
-            <p:cNvPr id="17" name="Imagem 18">
-              <a:extLst>
-                <a:ext uri="{FF2B5EF4-FFF2-40B4-BE49-F238E27FC236}">
-                  <a16:creationId xmlns:a16="http://schemas.microsoft.com/office/drawing/2014/main" id="{E9E6CB6E-21E7-4CC9-AAB4-26F6B7118AB9}"/>
-                </a:ext>
-              </a:extLst>
-            </p:cNvPr>
-            <p:cNvPicPr>
-              <a:picLocks noChangeAspect="1"/>
-            </p:cNvPicPr>
-            <p:nvPr/>
-          </p:nvPicPr>
-          <p:blipFill>
-            <a:blip r:embed="rId5"/>
-            <a:stretch>
-              <a:fillRect/>
-            </a:stretch>
-          </p:blipFill>
-          <p:spPr>
-            <a:xfrm>
-              <a:off x="1835604" y="5075633"/>
-              <a:ext cx="1009650" cy="238125"/>
-            </a:xfrm>
-            <a:prstGeom prst="rect">
-              <a:avLst/>
-            </a:prstGeom>
-          </p:spPr>
-        </p:pic>
-      </p:grpSp>
+      </p:pic>
       <p:pic>
         <p:nvPicPr>
-          <p:cNvPr id="21" name="Imagem 22">
-            <a:extLst>
-              <a:ext uri="{FF2B5EF4-FFF2-40B4-BE49-F238E27FC236}">
-                <a16:creationId xmlns:a16="http://schemas.microsoft.com/office/drawing/2014/main" id="{16640695-6E47-4586-8145-47D9ACE6A2E2}"/>
+          <p:cNvPr id="33" name="Imagem 32">
+            <a:extLst>
+              <a:ext uri="{FF2B5EF4-FFF2-40B4-BE49-F238E27FC236}">
+                <a16:creationId xmlns:a16="http://schemas.microsoft.com/office/drawing/2014/main" id="{B8E91306-7FB7-A12F-EFE1-B0127E1ED053}"/>
               </a:ext>
             </a:extLst>
           </p:cNvPr>
@@ -5582,161 +4826,20 @@
         </p:blipFill>
         <p:spPr>
           <a:xfrm>
-            <a:off x="5636774" y="3181786"/>
-            <a:ext cx="228600" cy="238125"/>
+            <a:off x="5744653" y="3304569"/>
+            <a:ext cx="5837168" cy="2316923"/>
           </a:xfrm>
           <a:prstGeom prst="rect">
             <a:avLst/>
           </a:prstGeom>
         </p:spPr>
       </p:pic>
-      <p:pic>
-        <p:nvPicPr>
-          <p:cNvPr id="24" name="Imagem 24">
-            <a:extLst>
-              <a:ext uri="{FF2B5EF4-FFF2-40B4-BE49-F238E27FC236}">
-                <a16:creationId xmlns:a16="http://schemas.microsoft.com/office/drawing/2014/main" id="{94F43634-B60F-47CE-8202-CC4B81AADA0E}"/>
-              </a:ext>
-            </a:extLst>
-          </p:cNvPr>
-          <p:cNvPicPr>
-            <a:picLocks noChangeAspect="1"/>
-          </p:cNvPicPr>
-          <p:nvPr/>
-        </p:nvPicPr>
-        <p:blipFill>
-          <a:blip r:embed="rId7"/>
-          <a:stretch>
-            <a:fillRect/>
-          </a:stretch>
-        </p:blipFill>
-        <p:spPr>
-          <a:xfrm>
-            <a:off x="5638361" y="3680715"/>
-            <a:ext cx="352425" cy="238125"/>
-          </a:xfrm>
-          <a:prstGeom prst="rect">
-            <a:avLst/>
-          </a:prstGeom>
-        </p:spPr>
-      </p:pic>
-      <p:grpSp>
-        <p:nvGrpSpPr>
-          <p:cNvPr id="20" name="Agrupar 19">
-            <a:extLst>
-              <a:ext uri="{FF2B5EF4-FFF2-40B4-BE49-F238E27FC236}">
-                <a16:creationId xmlns:a16="http://schemas.microsoft.com/office/drawing/2014/main" id="{1DFC857D-4916-7F2C-52A6-FBF89781D625}"/>
-              </a:ext>
-            </a:extLst>
-          </p:cNvPr>
-          <p:cNvGrpSpPr/>
-          <p:nvPr/>
-        </p:nvGrpSpPr>
-        <p:grpSpPr>
-          <a:xfrm>
-            <a:off x="6268061" y="4150718"/>
-            <a:ext cx="1971614" cy="1206387"/>
-            <a:chOff x="6302422" y="4611318"/>
-            <a:chExt cx="1362075" cy="858158"/>
-          </a:xfrm>
-        </p:grpSpPr>
-        <p:pic>
-          <p:nvPicPr>
-            <p:cNvPr id="26" name="Imagem 26">
-              <a:extLst>
-                <a:ext uri="{FF2B5EF4-FFF2-40B4-BE49-F238E27FC236}">
-                  <a16:creationId xmlns:a16="http://schemas.microsoft.com/office/drawing/2014/main" id="{8BCFBA2D-D232-41DB-90E5-609A1A6345A7}"/>
-                </a:ext>
-              </a:extLst>
-            </p:cNvPr>
-            <p:cNvPicPr>
-              <a:picLocks noChangeAspect="1"/>
-            </p:cNvPicPr>
-            <p:nvPr/>
-          </p:nvPicPr>
-          <p:blipFill>
-            <a:blip r:embed="rId8"/>
-            <a:stretch>
-              <a:fillRect/>
-            </a:stretch>
-          </p:blipFill>
-          <p:spPr>
-            <a:xfrm>
-              <a:off x="6302422" y="4611318"/>
-              <a:ext cx="1362075" cy="304800"/>
-            </a:xfrm>
-            <a:prstGeom prst="rect">
-              <a:avLst/>
-            </a:prstGeom>
-          </p:spPr>
-        </p:pic>
-        <p:pic>
-          <p:nvPicPr>
-            <p:cNvPr id="28" name="Imagem 28">
-              <a:extLst>
-                <a:ext uri="{FF2B5EF4-FFF2-40B4-BE49-F238E27FC236}">
-                  <a16:creationId xmlns:a16="http://schemas.microsoft.com/office/drawing/2014/main" id="{355DFCA6-6DCB-43F7-A27D-BB112AF8361B}"/>
-                </a:ext>
-              </a:extLst>
-            </p:cNvPr>
-            <p:cNvPicPr>
-              <a:picLocks noChangeAspect="1"/>
-            </p:cNvPicPr>
-            <p:nvPr/>
-          </p:nvPicPr>
-          <p:blipFill>
-            <a:blip r:embed="rId9"/>
-            <a:stretch>
-              <a:fillRect/>
-            </a:stretch>
-          </p:blipFill>
-          <p:spPr>
-            <a:xfrm>
-              <a:off x="6464348" y="5164676"/>
-              <a:ext cx="1038225" cy="304800"/>
-            </a:xfrm>
-            <a:prstGeom prst="rect">
-              <a:avLst/>
-            </a:prstGeom>
-          </p:spPr>
-        </p:pic>
-      </p:grpSp>
-      <p:pic>
-        <p:nvPicPr>
-          <p:cNvPr id="14" name="Imagem 22">
-            <a:extLst>
-              <a:ext uri="{FF2B5EF4-FFF2-40B4-BE49-F238E27FC236}">
-                <a16:creationId xmlns:a16="http://schemas.microsoft.com/office/drawing/2014/main" id="{B0958182-BEF3-2301-E31F-795A59960E9A}"/>
-              </a:ext>
-            </a:extLst>
-          </p:cNvPr>
-          <p:cNvPicPr>
-            <a:picLocks noChangeAspect="1"/>
-          </p:cNvPicPr>
-          <p:nvPr/>
-        </p:nvPicPr>
-        <p:blipFill>
-          <a:blip r:embed="rId10"/>
-          <a:stretch>
-            <a:fillRect/>
-          </a:stretch>
-        </p:blipFill>
-        <p:spPr>
-          <a:xfrm>
-            <a:off x="4116888" y="2144593"/>
-            <a:ext cx="1445986" cy="358432"/>
-          </a:xfrm>
-          <a:prstGeom prst="rect">
-            <a:avLst/>
-          </a:prstGeom>
-        </p:spPr>
-      </p:pic>
-      <p:sp>
-        <p:nvSpPr>
-          <p:cNvPr id="16" name="Espaço Reservado para Conteúdo 4">
-            <a:extLst>
-              <a:ext uri="{FF2B5EF4-FFF2-40B4-BE49-F238E27FC236}">
-                <a16:creationId xmlns:a16="http://schemas.microsoft.com/office/drawing/2014/main" id="{13E8B07D-E4C8-463E-8271-64714547B4C2}"/>
+      <p:sp>
+        <p:nvSpPr>
+          <p:cNvPr id="34" name="Content Placeholder 2">
+            <a:extLst>
+              <a:ext uri="{FF2B5EF4-FFF2-40B4-BE49-F238E27FC236}">
+                <a16:creationId xmlns:a16="http://schemas.microsoft.com/office/drawing/2014/main" id="{AFE153C7-8A67-57B8-3B95-5E6605AD6EAE}"/>
               </a:ext>
             </a:extLst>
           </p:cNvPr>
@@ -5747,8 +4850,8 @@
         </p:nvSpPr>
         <p:spPr>
           <a:xfrm>
-            <a:off x="2437058" y="1579176"/>
-            <a:ext cx="4937185" cy="483829"/>
+            <a:off x="8480911" y="2429450"/>
+            <a:ext cx="983413" cy="469452"/>
           </a:xfrm>
           <a:prstGeom prst="rect">
             <a:avLst/>
@@ -5928,1315 +5031,6 @@
               <a:buNone/>
             </a:pPr>
             <a:r>
-              <a:rPr lang="pt-BR" dirty="0">
-                <a:latin typeface="Times New Roman"/>
-                <a:cs typeface="Calibri" panose="020F0502020204030204"/>
-              </a:rPr>
-              <a:t>Sistema de equações da malha fina</a:t>
-            </a:r>
-          </a:p>
-        </p:txBody>
-      </p:sp>
-      <p:sp>
-        <p:nvSpPr>
-          <p:cNvPr id="22" name="Espaço Reservado para Conteúdo 4">
-            <a:extLst>
-              <a:ext uri="{FF2B5EF4-FFF2-40B4-BE49-F238E27FC236}">
-                <a16:creationId xmlns:a16="http://schemas.microsoft.com/office/drawing/2014/main" id="{B27CC09C-7D47-FEC8-6344-9E9448D6165C}"/>
-              </a:ext>
-            </a:extLst>
-          </p:cNvPr>
-          <p:cNvSpPr txBox="1">
-            <a:spLocks/>
-          </p:cNvSpPr>
-          <p:nvPr/>
-        </p:nvSpPr>
-        <p:spPr>
-          <a:xfrm>
-            <a:off x="699589" y="5801074"/>
-            <a:ext cx="4937185" cy="483829"/>
-          </a:xfrm>
-          <a:prstGeom prst="rect">
-            <a:avLst/>
-          </a:prstGeom>
-        </p:spPr>
-        <p:txBody>
-          <a:bodyPr vert="horz" lIns="91440" tIns="45720" rIns="91440" bIns="45720" rtlCol="0" anchor="t">
-            <a:normAutofit/>
-          </a:bodyPr>
-          <a:lstStyle>
-            <a:lvl1pPr marL="228600" indent="-228600" algn="l" defTabSz="914400" rtl="0" eaLnBrk="1" latinLnBrk="0" hangingPunct="1">
-              <a:lnSpc>
-                <a:spcPct val="90000"/>
-              </a:lnSpc>
-              <a:spcBef>
-                <a:spcPts val="1000"/>
-              </a:spcBef>
-              <a:buFont typeface="Arial" panose="020B0604020202020204" pitchFamily="34" charset="0"/>
-              <a:buChar char="•"/>
-              <a:defRPr sz="2800" kern="1200">
-                <a:solidFill>
-                  <a:schemeClr val="tx1"/>
-                </a:solidFill>
-                <a:latin typeface="+mn-lt"/>
-                <a:ea typeface="+mn-ea"/>
-                <a:cs typeface="+mn-cs"/>
-              </a:defRPr>
-            </a:lvl1pPr>
-            <a:lvl2pPr marL="685800" indent="-228600" algn="l" defTabSz="914400" rtl="0" eaLnBrk="1" latinLnBrk="0" hangingPunct="1">
-              <a:lnSpc>
-                <a:spcPct val="90000"/>
-              </a:lnSpc>
-              <a:spcBef>
-                <a:spcPts val="500"/>
-              </a:spcBef>
-              <a:buFont typeface="Arial" panose="020B0604020202020204" pitchFamily="34" charset="0"/>
-              <a:buChar char="•"/>
-              <a:defRPr sz="2400" kern="1200">
-                <a:solidFill>
-                  <a:schemeClr val="tx1"/>
-                </a:solidFill>
-                <a:latin typeface="+mn-lt"/>
-                <a:ea typeface="+mn-ea"/>
-                <a:cs typeface="+mn-cs"/>
-              </a:defRPr>
-            </a:lvl2pPr>
-            <a:lvl3pPr marL="1143000" indent="-228600" algn="l" defTabSz="914400" rtl="0" eaLnBrk="1" latinLnBrk="0" hangingPunct="1">
-              <a:lnSpc>
-                <a:spcPct val="90000"/>
-              </a:lnSpc>
-              <a:spcBef>
-                <a:spcPts val="500"/>
-              </a:spcBef>
-              <a:buFont typeface="Arial" panose="020B0604020202020204" pitchFamily="34" charset="0"/>
-              <a:buChar char="•"/>
-              <a:defRPr sz="2000" kern="1200">
-                <a:solidFill>
-                  <a:schemeClr val="tx1"/>
-                </a:solidFill>
-                <a:latin typeface="+mn-lt"/>
-                <a:ea typeface="+mn-ea"/>
-                <a:cs typeface="+mn-cs"/>
-              </a:defRPr>
-            </a:lvl3pPr>
-            <a:lvl4pPr marL="1600200" indent="-228600" algn="l" defTabSz="914400" rtl="0" eaLnBrk="1" latinLnBrk="0" hangingPunct="1">
-              <a:lnSpc>
-                <a:spcPct val="90000"/>
-              </a:lnSpc>
-              <a:spcBef>
-                <a:spcPts val="500"/>
-              </a:spcBef>
-              <a:buFont typeface="Arial" panose="020B0604020202020204" pitchFamily="34" charset="0"/>
-              <a:buChar char="•"/>
-              <a:defRPr sz="1800" kern="1200">
-                <a:solidFill>
-                  <a:schemeClr val="tx1"/>
-                </a:solidFill>
-                <a:latin typeface="+mn-lt"/>
-                <a:ea typeface="+mn-ea"/>
-                <a:cs typeface="+mn-cs"/>
-              </a:defRPr>
-            </a:lvl4pPr>
-            <a:lvl5pPr marL="2057400" indent="-228600" algn="l" defTabSz="914400" rtl="0" eaLnBrk="1" latinLnBrk="0" hangingPunct="1">
-              <a:lnSpc>
-                <a:spcPct val="90000"/>
-              </a:lnSpc>
-              <a:spcBef>
-                <a:spcPts val="500"/>
-              </a:spcBef>
-              <a:buFont typeface="Arial" panose="020B0604020202020204" pitchFamily="34" charset="0"/>
-              <a:buChar char="•"/>
-              <a:defRPr sz="1800" kern="1200">
-                <a:solidFill>
-                  <a:schemeClr val="tx1"/>
-                </a:solidFill>
-                <a:latin typeface="+mn-lt"/>
-                <a:ea typeface="+mn-ea"/>
-                <a:cs typeface="+mn-cs"/>
-              </a:defRPr>
-            </a:lvl5pPr>
-            <a:lvl6pPr marL="2514600" indent="-228600" algn="l" defTabSz="914400" rtl="0" eaLnBrk="1" latinLnBrk="0" hangingPunct="1">
-              <a:lnSpc>
-                <a:spcPct val="90000"/>
-              </a:lnSpc>
-              <a:spcBef>
-                <a:spcPts val="500"/>
-              </a:spcBef>
-              <a:buFont typeface="Arial" panose="020B0604020202020204" pitchFamily="34" charset="0"/>
-              <a:buChar char="•"/>
-              <a:defRPr sz="1800" kern="1200">
-                <a:solidFill>
-                  <a:schemeClr val="tx1"/>
-                </a:solidFill>
-                <a:latin typeface="+mn-lt"/>
-                <a:ea typeface="+mn-ea"/>
-                <a:cs typeface="+mn-cs"/>
-              </a:defRPr>
-            </a:lvl6pPr>
-            <a:lvl7pPr marL="2971800" indent="-228600" algn="l" defTabSz="914400" rtl="0" eaLnBrk="1" latinLnBrk="0" hangingPunct="1">
-              <a:lnSpc>
-                <a:spcPct val="90000"/>
-              </a:lnSpc>
-              <a:spcBef>
-                <a:spcPts val="500"/>
-              </a:spcBef>
-              <a:buFont typeface="Arial" panose="020B0604020202020204" pitchFamily="34" charset="0"/>
-              <a:buChar char="•"/>
-              <a:defRPr sz="1800" kern="1200">
-                <a:solidFill>
-                  <a:schemeClr val="tx1"/>
-                </a:solidFill>
-                <a:latin typeface="+mn-lt"/>
-                <a:ea typeface="+mn-ea"/>
-                <a:cs typeface="+mn-cs"/>
-              </a:defRPr>
-            </a:lvl7pPr>
-            <a:lvl8pPr marL="3429000" indent="-228600" algn="l" defTabSz="914400" rtl="0" eaLnBrk="1" latinLnBrk="0" hangingPunct="1">
-              <a:lnSpc>
-                <a:spcPct val="90000"/>
-              </a:lnSpc>
-              <a:spcBef>
-                <a:spcPts val="500"/>
-              </a:spcBef>
-              <a:buFont typeface="Arial" panose="020B0604020202020204" pitchFamily="34" charset="0"/>
-              <a:buChar char="•"/>
-              <a:defRPr sz="1800" kern="1200">
-                <a:solidFill>
-                  <a:schemeClr val="tx1"/>
-                </a:solidFill>
-                <a:latin typeface="+mn-lt"/>
-                <a:ea typeface="+mn-ea"/>
-                <a:cs typeface="+mn-cs"/>
-              </a:defRPr>
-            </a:lvl8pPr>
-            <a:lvl9pPr marL="3886200" indent="-228600" algn="l" defTabSz="914400" rtl="0" eaLnBrk="1" latinLnBrk="0" hangingPunct="1">
-              <a:lnSpc>
-                <a:spcPct val="90000"/>
-              </a:lnSpc>
-              <a:spcBef>
-                <a:spcPts val="500"/>
-              </a:spcBef>
-              <a:buFont typeface="Arial" panose="020B0604020202020204" pitchFamily="34" charset="0"/>
-              <a:buChar char="•"/>
-              <a:defRPr sz="1800" kern="1200">
-                <a:solidFill>
-                  <a:schemeClr val="tx1"/>
-                </a:solidFill>
-                <a:latin typeface="+mn-lt"/>
-                <a:ea typeface="+mn-ea"/>
-                <a:cs typeface="+mn-cs"/>
-              </a:defRPr>
-            </a:lvl9pPr>
-          </a:lstStyle>
-          <a:p>
-            <a:pPr marL="0" indent="0">
-              <a:buFont typeface="Arial" panose="020B0604020202020204" pitchFamily="34" charset="0"/>
-              <a:buNone/>
-            </a:pPr>
-            <a:r>
-              <a:rPr lang="pt-BR" dirty="0">
-                <a:latin typeface="Times New Roman"/>
-                <a:cs typeface="Calibri" panose="020F0502020204030204"/>
-              </a:rPr>
-              <a:t>Solução na escala grossa</a:t>
-            </a:r>
-          </a:p>
-        </p:txBody>
-      </p:sp>
-    </p:spTree>
-    <p:extLst>
-      <p:ext uri="{BB962C8B-B14F-4D97-AF65-F5344CB8AC3E}">
-        <p14:creationId xmlns:p14="http://schemas.microsoft.com/office/powerpoint/2010/main" val="3024136076"/>
-      </p:ext>
-    </p:extLst>
-  </p:cSld>
-  <p:clrMapOvr>
-    <a:masterClrMapping/>
-  </p:clrMapOvr>
-</p:sld>
-</file>
-
-<file path=ppt/slides/slide8.xml><?xml version="1.0" encoding="utf-8"?>
-<p:sld xmlns:a="http://schemas.openxmlformats.org/drawingml/2006/main" xmlns:r="http://schemas.openxmlformats.org/officeDocument/2006/relationships" xmlns:p="http://schemas.openxmlformats.org/presentationml/2006/main">
-  <p:cSld>
-    <p:spTree>
-      <p:nvGrpSpPr>
-        <p:cNvPr id="1" name=""/>
-        <p:cNvGrpSpPr/>
-        <p:nvPr/>
-      </p:nvGrpSpPr>
-      <p:grpSpPr>
-        <a:xfrm>
-          <a:off x="0" y="0"/>
-          <a:ext cx="0" cy="0"/>
-          <a:chOff x="0" y="0"/>
-          <a:chExt cx="0" cy="0"/>
-        </a:xfrm>
-      </p:grpSpPr>
-      <p:sp>
-        <p:nvSpPr>
-          <p:cNvPr id="2" name="Title 1">
-            <a:extLst>
-              <a:ext uri="{FF2B5EF4-FFF2-40B4-BE49-F238E27FC236}">
-                <a16:creationId xmlns:a16="http://schemas.microsoft.com/office/drawing/2014/main" id="{82EC1BE0-6A15-4086-BA75-A4489A71F129}"/>
-              </a:ext>
-            </a:extLst>
-          </p:cNvPr>
-          <p:cNvSpPr>
-            <a:spLocks noGrp="1"/>
-          </p:cNvSpPr>
-          <p:nvPr>
-            <p:ph type="title"/>
-          </p:nvPr>
-        </p:nvSpPr>
-        <p:spPr>
-          <a:xfrm>
-            <a:off x="838200" y="285612"/>
-            <a:ext cx="10515600" cy="1325563"/>
-          </a:xfrm>
-        </p:spPr>
-        <p:txBody>
-          <a:bodyPr/>
-          <a:lstStyle/>
-          <a:p>
-            <a:r>
-              <a:rPr lang="en-US" dirty="0" err="1">
-                <a:latin typeface="Times New Roman" panose="02020603050405020304" pitchFamily="18" charset="0"/>
-                <a:cs typeface="Times New Roman" panose="02020603050405020304" pitchFamily="18" charset="0"/>
-              </a:rPr>
-              <a:t>Métodos</a:t>
-            </a:r>
-            <a:r>
-              <a:rPr lang="en-US" dirty="0">
-                <a:latin typeface="Times New Roman" panose="02020603050405020304" pitchFamily="18" charset="0"/>
-                <a:cs typeface="Times New Roman" panose="02020603050405020304" pitchFamily="18" charset="0"/>
-              </a:rPr>
-              <a:t> de </a:t>
-            </a:r>
-            <a:r>
-              <a:rPr lang="en-US" dirty="0" err="1">
-                <a:latin typeface="Times New Roman" panose="02020603050405020304" pitchFamily="18" charset="0"/>
-                <a:cs typeface="Times New Roman" panose="02020603050405020304" pitchFamily="18" charset="0"/>
-              </a:rPr>
-              <a:t>aproximação</a:t>
-            </a:r>
-            <a:r>
-              <a:rPr lang="en-US" dirty="0">
-                <a:latin typeface="Times New Roman" panose="02020603050405020304" pitchFamily="18" charset="0"/>
-                <a:cs typeface="Times New Roman" panose="02020603050405020304" pitchFamily="18" charset="0"/>
-              </a:rPr>
-              <a:t> do </a:t>
-            </a:r>
-            <a:r>
-              <a:rPr lang="en-US" dirty="0" err="1">
-                <a:latin typeface="Times New Roman" panose="02020603050405020304" pitchFamily="18" charset="0"/>
-                <a:cs typeface="Times New Roman" panose="02020603050405020304" pitchFamily="18" charset="0"/>
-              </a:rPr>
-              <a:t>fluxo</a:t>
-            </a:r>
-            <a:endParaRPr lang="en-US" dirty="0"/>
-          </a:p>
-        </p:txBody>
-      </p:sp>
-      <p:sp>
-        <p:nvSpPr>
-          <p:cNvPr id="10" name="TextBox 9">
-            <a:extLst>
-              <a:ext uri="{FF2B5EF4-FFF2-40B4-BE49-F238E27FC236}">
-                <a16:creationId xmlns:a16="http://schemas.microsoft.com/office/drawing/2014/main" id="{50FC5AFD-279F-4A9C-8552-1D573D0552EC}"/>
-              </a:ext>
-            </a:extLst>
-          </p:cNvPr>
-          <p:cNvSpPr txBox="1"/>
-          <p:nvPr/>
-        </p:nvSpPr>
-        <p:spPr>
-          <a:xfrm>
-            <a:off x="4901703" y="1270239"/>
-            <a:ext cx="3241614" cy="369332"/>
-          </a:xfrm>
-          <a:prstGeom prst="rect">
-            <a:avLst/>
-          </a:prstGeom>
-          <a:noFill/>
-        </p:spPr>
-        <p:txBody>
-          <a:bodyPr rot="0" spcFirstLastPara="0" vertOverflow="overflow" horzOverflow="overflow" vert="horz" wrap="square" lIns="91440" tIns="45720" rIns="91440" bIns="45720" numCol="1" spcCol="0" rtlCol="0" fromWordArt="0" anchor="t" anchorCtr="0" forceAA="0" compatLnSpc="1">
-            <a:prstTxWarp prst="textNoShape">
-              <a:avLst/>
-            </a:prstTxWarp>
-            <a:spAutoFit/>
-          </a:bodyPr>
-          <a:lstStyle/>
-          <a:p>
-            <a:r>
-              <a:rPr lang="en-US" dirty="0" err="1">
-                <a:latin typeface="Times New Roman"/>
-                <a:cs typeface="Times New Roman"/>
-              </a:rPr>
-              <a:t>Viscosidade</a:t>
-            </a:r>
-            <a:endParaRPr lang="en-US" dirty="0">
-              <a:latin typeface="Times New Roman"/>
-              <a:cs typeface="Times New Roman"/>
-            </a:endParaRPr>
-          </a:p>
-        </p:txBody>
-      </p:sp>
-      <p:sp>
-        <p:nvSpPr>
-          <p:cNvPr id="16" name="Espaço Reservado para Conteúdo 4">
-            <a:extLst>
-              <a:ext uri="{FF2B5EF4-FFF2-40B4-BE49-F238E27FC236}">
-                <a16:creationId xmlns:a16="http://schemas.microsoft.com/office/drawing/2014/main" id="{13E8B07D-E4C8-463E-8271-64714547B4C2}"/>
-              </a:ext>
-            </a:extLst>
-          </p:cNvPr>
-          <p:cNvSpPr txBox="1">
-            <a:spLocks/>
-          </p:cNvSpPr>
-          <p:nvPr/>
-        </p:nvSpPr>
-        <p:spPr>
-          <a:xfrm>
-            <a:off x="864705" y="1484457"/>
-            <a:ext cx="2148194" cy="483829"/>
-          </a:xfrm>
-          <a:prstGeom prst="rect">
-            <a:avLst/>
-          </a:prstGeom>
-        </p:spPr>
-        <p:txBody>
-          <a:bodyPr vert="horz" lIns="91440" tIns="45720" rIns="91440" bIns="45720" rtlCol="0" anchor="t">
-            <a:normAutofit/>
-          </a:bodyPr>
-          <a:lstStyle>
-            <a:lvl1pPr marL="228600" indent="-228600" algn="l" defTabSz="914400" rtl="0" eaLnBrk="1" latinLnBrk="0" hangingPunct="1">
-              <a:lnSpc>
-                <a:spcPct val="90000"/>
-              </a:lnSpc>
-              <a:spcBef>
-                <a:spcPts val="1000"/>
-              </a:spcBef>
-              <a:buFont typeface="Arial" panose="020B0604020202020204" pitchFamily="34" charset="0"/>
-              <a:buChar char="•"/>
-              <a:defRPr sz="2800" kern="1200">
-                <a:solidFill>
-                  <a:schemeClr val="tx1"/>
-                </a:solidFill>
-                <a:latin typeface="+mn-lt"/>
-                <a:ea typeface="+mn-ea"/>
-                <a:cs typeface="+mn-cs"/>
-              </a:defRPr>
-            </a:lvl1pPr>
-            <a:lvl2pPr marL="685800" indent="-228600" algn="l" defTabSz="914400" rtl="0" eaLnBrk="1" latinLnBrk="0" hangingPunct="1">
-              <a:lnSpc>
-                <a:spcPct val="90000"/>
-              </a:lnSpc>
-              <a:spcBef>
-                <a:spcPts val="500"/>
-              </a:spcBef>
-              <a:buFont typeface="Arial" panose="020B0604020202020204" pitchFamily="34" charset="0"/>
-              <a:buChar char="•"/>
-              <a:defRPr sz="2400" kern="1200">
-                <a:solidFill>
-                  <a:schemeClr val="tx1"/>
-                </a:solidFill>
-                <a:latin typeface="+mn-lt"/>
-                <a:ea typeface="+mn-ea"/>
-                <a:cs typeface="+mn-cs"/>
-              </a:defRPr>
-            </a:lvl2pPr>
-            <a:lvl3pPr marL="1143000" indent="-228600" algn="l" defTabSz="914400" rtl="0" eaLnBrk="1" latinLnBrk="0" hangingPunct="1">
-              <a:lnSpc>
-                <a:spcPct val="90000"/>
-              </a:lnSpc>
-              <a:spcBef>
-                <a:spcPts val="500"/>
-              </a:spcBef>
-              <a:buFont typeface="Arial" panose="020B0604020202020204" pitchFamily="34" charset="0"/>
-              <a:buChar char="•"/>
-              <a:defRPr sz="2000" kern="1200">
-                <a:solidFill>
-                  <a:schemeClr val="tx1"/>
-                </a:solidFill>
-                <a:latin typeface="+mn-lt"/>
-                <a:ea typeface="+mn-ea"/>
-                <a:cs typeface="+mn-cs"/>
-              </a:defRPr>
-            </a:lvl3pPr>
-            <a:lvl4pPr marL="1600200" indent="-228600" algn="l" defTabSz="914400" rtl="0" eaLnBrk="1" latinLnBrk="0" hangingPunct="1">
-              <a:lnSpc>
-                <a:spcPct val="90000"/>
-              </a:lnSpc>
-              <a:spcBef>
-                <a:spcPts val="500"/>
-              </a:spcBef>
-              <a:buFont typeface="Arial" panose="020B0604020202020204" pitchFamily="34" charset="0"/>
-              <a:buChar char="•"/>
-              <a:defRPr sz="1800" kern="1200">
-                <a:solidFill>
-                  <a:schemeClr val="tx1"/>
-                </a:solidFill>
-                <a:latin typeface="+mn-lt"/>
-                <a:ea typeface="+mn-ea"/>
-                <a:cs typeface="+mn-cs"/>
-              </a:defRPr>
-            </a:lvl4pPr>
-            <a:lvl5pPr marL="2057400" indent="-228600" algn="l" defTabSz="914400" rtl="0" eaLnBrk="1" latinLnBrk="0" hangingPunct="1">
-              <a:lnSpc>
-                <a:spcPct val="90000"/>
-              </a:lnSpc>
-              <a:spcBef>
-                <a:spcPts val="500"/>
-              </a:spcBef>
-              <a:buFont typeface="Arial" panose="020B0604020202020204" pitchFamily="34" charset="0"/>
-              <a:buChar char="•"/>
-              <a:defRPr sz="1800" kern="1200">
-                <a:solidFill>
-                  <a:schemeClr val="tx1"/>
-                </a:solidFill>
-                <a:latin typeface="+mn-lt"/>
-                <a:ea typeface="+mn-ea"/>
-                <a:cs typeface="+mn-cs"/>
-              </a:defRPr>
-            </a:lvl5pPr>
-            <a:lvl6pPr marL="2514600" indent="-228600" algn="l" defTabSz="914400" rtl="0" eaLnBrk="1" latinLnBrk="0" hangingPunct="1">
-              <a:lnSpc>
-                <a:spcPct val="90000"/>
-              </a:lnSpc>
-              <a:spcBef>
-                <a:spcPts val="500"/>
-              </a:spcBef>
-              <a:buFont typeface="Arial" panose="020B0604020202020204" pitchFamily="34" charset="0"/>
-              <a:buChar char="•"/>
-              <a:defRPr sz="1800" kern="1200">
-                <a:solidFill>
-                  <a:schemeClr val="tx1"/>
-                </a:solidFill>
-                <a:latin typeface="+mn-lt"/>
-                <a:ea typeface="+mn-ea"/>
-                <a:cs typeface="+mn-cs"/>
-              </a:defRPr>
-            </a:lvl6pPr>
-            <a:lvl7pPr marL="2971800" indent="-228600" algn="l" defTabSz="914400" rtl="0" eaLnBrk="1" latinLnBrk="0" hangingPunct="1">
-              <a:lnSpc>
-                <a:spcPct val="90000"/>
-              </a:lnSpc>
-              <a:spcBef>
-                <a:spcPts val="500"/>
-              </a:spcBef>
-              <a:buFont typeface="Arial" panose="020B0604020202020204" pitchFamily="34" charset="0"/>
-              <a:buChar char="•"/>
-              <a:defRPr sz="1800" kern="1200">
-                <a:solidFill>
-                  <a:schemeClr val="tx1"/>
-                </a:solidFill>
-                <a:latin typeface="+mn-lt"/>
-                <a:ea typeface="+mn-ea"/>
-                <a:cs typeface="+mn-cs"/>
-              </a:defRPr>
-            </a:lvl7pPr>
-            <a:lvl8pPr marL="3429000" indent="-228600" algn="l" defTabSz="914400" rtl="0" eaLnBrk="1" latinLnBrk="0" hangingPunct="1">
-              <a:lnSpc>
-                <a:spcPct val="90000"/>
-              </a:lnSpc>
-              <a:spcBef>
-                <a:spcPts val="500"/>
-              </a:spcBef>
-              <a:buFont typeface="Arial" panose="020B0604020202020204" pitchFamily="34" charset="0"/>
-              <a:buChar char="•"/>
-              <a:defRPr sz="1800" kern="1200">
-                <a:solidFill>
-                  <a:schemeClr val="tx1"/>
-                </a:solidFill>
-                <a:latin typeface="+mn-lt"/>
-                <a:ea typeface="+mn-ea"/>
-                <a:cs typeface="+mn-cs"/>
-              </a:defRPr>
-            </a:lvl8pPr>
-            <a:lvl9pPr marL="3886200" indent="-228600" algn="l" defTabSz="914400" rtl="0" eaLnBrk="1" latinLnBrk="0" hangingPunct="1">
-              <a:lnSpc>
-                <a:spcPct val="90000"/>
-              </a:lnSpc>
-              <a:spcBef>
-                <a:spcPts val="500"/>
-              </a:spcBef>
-              <a:buFont typeface="Arial" panose="020B0604020202020204" pitchFamily="34" charset="0"/>
-              <a:buChar char="•"/>
-              <a:defRPr sz="1800" kern="1200">
-                <a:solidFill>
-                  <a:schemeClr val="tx1"/>
-                </a:solidFill>
-                <a:latin typeface="+mn-lt"/>
-                <a:ea typeface="+mn-ea"/>
-                <a:cs typeface="+mn-cs"/>
-              </a:defRPr>
-            </a:lvl9pPr>
-          </a:lstStyle>
-          <a:p>
-            <a:pPr marL="0" indent="0">
-              <a:buFont typeface="Arial" panose="020B0604020202020204" pitchFamily="34" charset="0"/>
-              <a:buNone/>
-            </a:pPr>
-            <a:r>
-              <a:rPr lang="pt-BR" dirty="0">
-                <a:latin typeface="Times New Roman"/>
-                <a:cs typeface="Calibri" panose="020F0502020204030204"/>
-              </a:rPr>
-              <a:t>Lei de Darcy</a:t>
-            </a:r>
-          </a:p>
-        </p:txBody>
-      </p:sp>
-      <mc:AlternateContent xmlns:mc="http://schemas.openxmlformats.org/markup-compatibility/2006">
-        <mc:Choice xmlns:a14="http://schemas.microsoft.com/office/drawing/2010/main" Requires="a14">
-          <p:sp>
-            <p:nvSpPr>
-              <p:cNvPr id="6" name="CaixaDeTexto 5">
-                <a:extLst>
-                  <a:ext uri="{FF2B5EF4-FFF2-40B4-BE49-F238E27FC236}">
-                    <a16:creationId xmlns:a16="http://schemas.microsoft.com/office/drawing/2014/main" id="{AD8D0B21-682F-A753-B609-46DD1B599F90}"/>
-                  </a:ext>
-                </a:extLst>
-              </p:cNvPr>
-              <p:cNvSpPr txBox="1"/>
-              <p:nvPr/>
-            </p:nvSpPr>
-            <p:spPr>
-              <a:xfrm>
-                <a:off x="2772581" y="1294303"/>
-                <a:ext cx="1815548" cy="851515"/>
-              </a:xfrm>
-              <a:prstGeom prst="rect">
-                <a:avLst/>
-              </a:prstGeom>
-              <a:noFill/>
-            </p:spPr>
-            <p:txBody>
-              <a:bodyPr wrap="square">
-                <a:spAutoFit/>
-              </a:bodyPr>
-              <a:lstStyle/>
-              <a:p>
-                <a:pPr/>
-                <a14:m>
-                  <m:oMathPara xmlns:m="http://schemas.openxmlformats.org/officeDocument/2006/math">
-                    <m:oMathParaPr>
-                      <m:jc m:val="centerGroup"/>
-                    </m:oMathParaPr>
-                    <m:oMath xmlns:m="http://schemas.openxmlformats.org/officeDocument/2006/math">
-                      <m:acc>
-                        <m:accPr>
-                          <m:chr m:val="⃗"/>
-                          <m:ctrlPr>
-                            <a:rPr lang="pt-BR" sz="2400" i="1" smtClean="0">
-                              <a:solidFill>
-                                <a:srgbClr val="836967"/>
-                              </a:solidFill>
-                              <a:latin typeface="Cambria Math" panose="02040503050406030204" pitchFamily="18" charset="0"/>
-                            </a:rPr>
-                          </m:ctrlPr>
-                        </m:accPr>
-                        <m:e>
-                          <m:r>
-                            <a:rPr lang="pt-BR" sz="2400" i="1">
-                              <a:latin typeface="Cambria Math" panose="02040503050406030204" pitchFamily="18" charset="0"/>
-                            </a:rPr>
-                            <m:t>𝑣</m:t>
-                          </m:r>
-                        </m:e>
-                      </m:acc>
-                      <m:r>
-                        <a:rPr lang="pt-BR" sz="2400" i="0">
-                          <a:latin typeface="Cambria Math" panose="02040503050406030204" pitchFamily="18" charset="0"/>
-                        </a:rPr>
-                        <m:t>= </m:t>
-                      </m:r>
-                      <m:f>
-                        <m:fPr>
-                          <m:ctrlPr>
-                            <a:rPr lang="pt-BR" sz="2400" i="1">
-                              <a:solidFill>
-                                <a:srgbClr val="836967"/>
-                              </a:solidFill>
-                              <a:latin typeface="Cambria Math" panose="02040503050406030204" pitchFamily="18" charset="0"/>
-                            </a:rPr>
-                          </m:ctrlPr>
-                        </m:fPr>
-                        <m:num>
-                          <m:r>
-                            <a:rPr lang="pt-BR" sz="2400" i="1">
-                              <a:latin typeface="Cambria Math" panose="02040503050406030204" pitchFamily="18" charset="0"/>
-                            </a:rPr>
-                            <m:t>𝐾</m:t>
-                          </m:r>
-                        </m:num>
-                        <m:den>
-                          <m:r>
-                            <a:rPr lang="pt-BR" sz="2400" i="1">
-                              <a:latin typeface="Cambria Math" panose="02040503050406030204" pitchFamily="18" charset="0"/>
-                            </a:rPr>
-                            <m:t>𝜇</m:t>
-                          </m:r>
-                        </m:den>
-                      </m:f>
-                      <m:r>
-                        <m:rPr>
-                          <m:sty m:val="p"/>
-                        </m:rPr>
-                        <a:rPr lang="pt-BR" sz="2400" i="0">
-                          <a:latin typeface="Cambria Math" panose="02040503050406030204" pitchFamily="18" charset="0"/>
-                        </a:rPr>
-                        <m:t>∇</m:t>
-                      </m:r>
-                      <m:r>
-                        <a:rPr lang="pt-BR" sz="2400" i="1">
-                          <a:latin typeface="Cambria Math" panose="02040503050406030204" pitchFamily="18" charset="0"/>
-                        </a:rPr>
-                        <m:t>𝑝</m:t>
-                      </m:r>
-                    </m:oMath>
-                  </m:oMathPara>
-                </a14:m>
-                <a:endParaRPr lang="pt-BR" sz="2400" dirty="0"/>
-              </a:p>
-            </p:txBody>
-          </p:sp>
-        </mc:Choice>
-        <mc:Fallback>
-          <p:sp>
-            <p:nvSpPr>
-              <p:cNvPr id="6" name="CaixaDeTexto 5">
-                <a:extLst>
-                  <a:ext uri="{FF2B5EF4-FFF2-40B4-BE49-F238E27FC236}">
-                    <a16:creationId xmlns:a16="http://schemas.microsoft.com/office/drawing/2014/main" id="{AD8D0B21-682F-A753-B609-46DD1B599F90}"/>
-                  </a:ext>
-                </a:extLst>
-              </p:cNvPr>
-              <p:cNvSpPr txBox="1">
-                <a:spLocks noRot="1" noChangeAspect="1" noMove="1" noResize="1" noEditPoints="1" noAdjustHandles="1" noChangeArrowheads="1" noChangeShapeType="1" noTextEdit="1"/>
-              </p:cNvSpPr>
-              <p:nvPr/>
-            </p:nvSpPr>
-            <p:spPr>
-              <a:xfrm>
-                <a:off x="2772581" y="1294303"/>
-                <a:ext cx="1815548" cy="851515"/>
-              </a:xfrm>
-              <a:prstGeom prst="rect">
-                <a:avLst/>
-              </a:prstGeom>
-              <a:blipFill>
-                <a:blip r:embed="rId2"/>
-                <a:stretch>
-                  <a:fillRect/>
-                </a:stretch>
-              </a:blipFill>
-            </p:spPr>
-            <p:txBody>
-              <a:bodyPr/>
-              <a:lstStyle/>
-              <a:p>
-                <a:r>
-                  <a:rPr lang="pt-BR">
-                    <a:noFill/>
-                  </a:rPr>
-                  <a:t> </a:t>
-                </a:r>
-              </a:p>
-            </p:txBody>
-          </p:sp>
-        </mc:Fallback>
-      </mc:AlternateContent>
-      <p:sp>
-        <p:nvSpPr>
-          <p:cNvPr id="7" name="Content Placeholder 2">
-            <a:extLst>
-              <a:ext uri="{FF2B5EF4-FFF2-40B4-BE49-F238E27FC236}">
-                <a16:creationId xmlns:a16="http://schemas.microsoft.com/office/drawing/2014/main" id="{B75B7AEC-04E2-3CAE-1711-03C8208F60B5}"/>
-              </a:ext>
-            </a:extLst>
-          </p:cNvPr>
-          <p:cNvSpPr txBox="1">
-            <a:spLocks/>
-          </p:cNvSpPr>
-          <p:nvPr/>
-        </p:nvSpPr>
-        <p:spPr>
-          <a:xfrm>
-            <a:off x="2193684" y="2609417"/>
-            <a:ext cx="983413" cy="469452"/>
-          </a:xfrm>
-          <a:prstGeom prst="rect">
-            <a:avLst/>
-          </a:prstGeom>
-        </p:spPr>
-        <p:txBody>
-          <a:bodyPr vert="horz" lIns="91440" tIns="45720" rIns="91440" bIns="45720" rtlCol="0" anchor="t">
-            <a:normAutofit lnSpcReduction="10000"/>
-          </a:bodyPr>
-          <a:lstStyle>
-            <a:lvl1pPr marL="228600" indent="-228600" algn="l" defTabSz="914400" rtl="0" eaLnBrk="1" latinLnBrk="0" hangingPunct="1">
-              <a:lnSpc>
-                <a:spcPct val="90000"/>
-              </a:lnSpc>
-              <a:spcBef>
-                <a:spcPts val="1000"/>
-              </a:spcBef>
-              <a:buFont typeface="Arial" panose="020B0604020202020204" pitchFamily="34" charset="0"/>
-              <a:buChar char="•"/>
-              <a:defRPr sz="2800" kern="1200">
-                <a:solidFill>
-                  <a:schemeClr val="tx1"/>
-                </a:solidFill>
-                <a:latin typeface="+mn-lt"/>
-                <a:ea typeface="+mn-ea"/>
-                <a:cs typeface="+mn-cs"/>
-              </a:defRPr>
-            </a:lvl1pPr>
-            <a:lvl2pPr marL="685800" indent="-228600" algn="l" defTabSz="914400" rtl="0" eaLnBrk="1" latinLnBrk="0" hangingPunct="1">
-              <a:lnSpc>
-                <a:spcPct val="90000"/>
-              </a:lnSpc>
-              <a:spcBef>
-                <a:spcPts val="500"/>
-              </a:spcBef>
-              <a:buFont typeface="Arial" panose="020B0604020202020204" pitchFamily="34" charset="0"/>
-              <a:buChar char="•"/>
-              <a:defRPr sz="2400" kern="1200">
-                <a:solidFill>
-                  <a:schemeClr val="tx1"/>
-                </a:solidFill>
-                <a:latin typeface="+mn-lt"/>
-                <a:ea typeface="+mn-ea"/>
-                <a:cs typeface="+mn-cs"/>
-              </a:defRPr>
-            </a:lvl2pPr>
-            <a:lvl3pPr marL="1143000" indent="-228600" algn="l" defTabSz="914400" rtl="0" eaLnBrk="1" latinLnBrk="0" hangingPunct="1">
-              <a:lnSpc>
-                <a:spcPct val="90000"/>
-              </a:lnSpc>
-              <a:spcBef>
-                <a:spcPts val="500"/>
-              </a:spcBef>
-              <a:buFont typeface="Arial" panose="020B0604020202020204" pitchFamily="34" charset="0"/>
-              <a:buChar char="•"/>
-              <a:defRPr sz="2000" kern="1200">
-                <a:solidFill>
-                  <a:schemeClr val="tx1"/>
-                </a:solidFill>
-                <a:latin typeface="+mn-lt"/>
-                <a:ea typeface="+mn-ea"/>
-                <a:cs typeface="+mn-cs"/>
-              </a:defRPr>
-            </a:lvl3pPr>
-            <a:lvl4pPr marL="1600200" indent="-228600" algn="l" defTabSz="914400" rtl="0" eaLnBrk="1" latinLnBrk="0" hangingPunct="1">
-              <a:lnSpc>
-                <a:spcPct val="90000"/>
-              </a:lnSpc>
-              <a:spcBef>
-                <a:spcPts val="500"/>
-              </a:spcBef>
-              <a:buFont typeface="Arial" panose="020B0604020202020204" pitchFamily="34" charset="0"/>
-              <a:buChar char="•"/>
-              <a:defRPr sz="1800" kern="1200">
-                <a:solidFill>
-                  <a:schemeClr val="tx1"/>
-                </a:solidFill>
-                <a:latin typeface="+mn-lt"/>
-                <a:ea typeface="+mn-ea"/>
-                <a:cs typeface="+mn-cs"/>
-              </a:defRPr>
-            </a:lvl4pPr>
-            <a:lvl5pPr marL="2057400" indent="-228600" algn="l" defTabSz="914400" rtl="0" eaLnBrk="1" latinLnBrk="0" hangingPunct="1">
-              <a:lnSpc>
-                <a:spcPct val="90000"/>
-              </a:lnSpc>
-              <a:spcBef>
-                <a:spcPts val="500"/>
-              </a:spcBef>
-              <a:buFont typeface="Arial" panose="020B0604020202020204" pitchFamily="34" charset="0"/>
-              <a:buChar char="•"/>
-              <a:defRPr sz="1800" kern="1200">
-                <a:solidFill>
-                  <a:schemeClr val="tx1"/>
-                </a:solidFill>
-                <a:latin typeface="+mn-lt"/>
-                <a:ea typeface="+mn-ea"/>
-                <a:cs typeface="+mn-cs"/>
-              </a:defRPr>
-            </a:lvl5pPr>
-            <a:lvl6pPr marL="2514600" indent="-228600" algn="l" defTabSz="914400" rtl="0" eaLnBrk="1" latinLnBrk="0" hangingPunct="1">
-              <a:lnSpc>
-                <a:spcPct val="90000"/>
-              </a:lnSpc>
-              <a:spcBef>
-                <a:spcPts val="500"/>
-              </a:spcBef>
-              <a:buFont typeface="Arial" panose="020B0604020202020204" pitchFamily="34" charset="0"/>
-              <a:buChar char="•"/>
-              <a:defRPr sz="1800" kern="1200">
-                <a:solidFill>
-                  <a:schemeClr val="tx1"/>
-                </a:solidFill>
-                <a:latin typeface="+mn-lt"/>
-                <a:ea typeface="+mn-ea"/>
-                <a:cs typeface="+mn-cs"/>
-              </a:defRPr>
-            </a:lvl6pPr>
-            <a:lvl7pPr marL="2971800" indent="-228600" algn="l" defTabSz="914400" rtl="0" eaLnBrk="1" latinLnBrk="0" hangingPunct="1">
-              <a:lnSpc>
-                <a:spcPct val="90000"/>
-              </a:lnSpc>
-              <a:spcBef>
-                <a:spcPts val="500"/>
-              </a:spcBef>
-              <a:buFont typeface="Arial" panose="020B0604020202020204" pitchFamily="34" charset="0"/>
-              <a:buChar char="•"/>
-              <a:defRPr sz="1800" kern="1200">
-                <a:solidFill>
-                  <a:schemeClr val="tx1"/>
-                </a:solidFill>
-                <a:latin typeface="+mn-lt"/>
-                <a:ea typeface="+mn-ea"/>
-                <a:cs typeface="+mn-cs"/>
-              </a:defRPr>
-            </a:lvl7pPr>
-            <a:lvl8pPr marL="3429000" indent="-228600" algn="l" defTabSz="914400" rtl="0" eaLnBrk="1" latinLnBrk="0" hangingPunct="1">
-              <a:lnSpc>
-                <a:spcPct val="90000"/>
-              </a:lnSpc>
-              <a:spcBef>
-                <a:spcPts val="500"/>
-              </a:spcBef>
-              <a:buFont typeface="Arial" panose="020B0604020202020204" pitchFamily="34" charset="0"/>
-              <a:buChar char="•"/>
-              <a:defRPr sz="1800" kern="1200">
-                <a:solidFill>
-                  <a:schemeClr val="tx1"/>
-                </a:solidFill>
-                <a:latin typeface="+mn-lt"/>
-                <a:ea typeface="+mn-ea"/>
-                <a:cs typeface="+mn-cs"/>
-              </a:defRPr>
-            </a:lvl8pPr>
-            <a:lvl9pPr marL="3886200" indent="-228600" algn="l" defTabSz="914400" rtl="0" eaLnBrk="1" latinLnBrk="0" hangingPunct="1">
-              <a:lnSpc>
-                <a:spcPct val="90000"/>
-              </a:lnSpc>
-              <a:spcBef>
-                <a:spcPts val="500"/>
-              </a:spcBef>
-              <a:buFont typeface="Arial" panose="020B0604020202020204" pitchFamily="34" charset="0"/>
-              <a:buChar char="•"/>
-              <a:defRPr sz="1800" kern="1200">
-                <a:solidFill>
-                  <a:schemeClr val="tx1"/>
-                </a:solidFill>
-                <a:latin typeface="+mn-lt"/>
-                <a:ea typeface="+mn-ea"/>
-                <a:cs typeface="+mn-cs"/>
-              </a:defRPr>
-            </a:lvl9pPr>
-          </a:lstStyle>
-          <a:p>
-            <a:pPr marL="0" indent="0">
-              <a:buFont typeface="Arial" panose="020B0604020202020204" pitchFamily="34" charset="0"/>
-              <a:buNone/>
-            </a:pPr>
-            <a:r>
-              <a:rPr lang="en-US" dirty="0">
-                <a:cs typeface="Calibri"/>
-              </a:rPr>
-              <a:t>TPFA</a:t>
-            </a:r>
-          </a:p>
-        </p:txBody>
-      </p:sp>
-      <p:pic>
-        <p:nvPicPr>
-          <p:cNvPr id="19" name="Imagem 48">
-            <a:extLst>
-              <a:ext uri="{FF2B5EF4-FFF2-40B4-BE49-F238E27FC236}">
-                <a16:creationId xmlns:a16="http://schemas.microsoft.com/office/drawing/2014/main" id="{A3DC0AC0-F5A0-9A5B-9A27-7065F271341A}"/>
-              </a:ext>
-            </a:extLst>
-          </p:cNvPr>
-          <p:cNvPicPr>
-            <a:picLocks noChangeAspect="1"/>
-          </p:cNvPicPr>
-          <p:nvPr/>
-        </p:nvPicPr>
-        <p:blipFill>
-          <a:blip r:embed="rId3"/>
-          <a:stretch>
-            <a:fillRect/>
-          </a:stretch>
-        </p:blipFill>
-        <p:spPr>
-          <a:xfrm>
-            <a:off x="4681494" y="1371538"/>
-            <a:ext cx="191745" cy="242877"/>
-          </a:xfrm>
-          <a:prstGeom prst="rect">
-            <a:avLst/>
-          </a:prstGeom>
-        </p:spPr>
-      </p:pic>
-      <p:pic>
-        <p:nvPicPr>
-          <p:cNvPr id="23" name="Imagem 56">
-            <a:extLst>
-              <a:ext uri="{FF2B5EF4-FFF2-40B4-BE49-F238E27FC236}">
-                <a16:creationId xmlns:a16="http://schemas.microsoft.com/office/drawing/2014/main" id="{841638F8-29A3-326B-F7AF-25FED6FE298A}"/>
-              </a:ext>
-            </a:extLst>
-          </p:cNvPr>
-          <p:cNvPicPr>
-            <a:picLocks noChangeAspect="1"/>
-          </p:cNvPicPr>
-          <p:nvPr/>
-        </p:nvPicPr>
-        <p:blipFill>
-          <a:blip r:embed="rId4"/>
-          <a:stretch>
-            <a:fillRect/>
-          </a:stretch>
-        </p:blipFill>
-        <p:spPr>
-          <a:xfrm>
-            <a:off x="4658826" y="1798025"/>
-            <a:ext cx="242877" cy="472971"/>
-          </a:xfrm>
-          <a:prstGeom prst="rect">
-            <a:avLst/>
-          </a:prstGeom>
-        </p:spPr>
-      </p:pic>
-      <p:sp>
-        <p:nvSpPr>
-          <p:cNvPr id="25" name="TextBox 9">
-            <a:extLst>
-              <a:ext uri="{FF2B5EF4-FFF2-40B4-BE49-F238E27FC236}">
-                <a16:creationId xmlns:a16="http://schemas.microsoft.com/office/drawing/2014/main" id="{64C26B3A-1B6A-7AA6-EF10-E00B3D643E49}"/>
-              </a:ext>
-            </a:extLst>
-          </p:cNvPr>
-          <p:cNvSpPr txBox="1"/>
-          <p:nvPr/>
-        </p:nvSpPr>
-        <p:spPr>
-          <a:xfrm>
-            <a:off x="4901703" y="1748457"/>
-            <a:ext cx="3241614" cy="369332"/>
-          </a:xfrm>
-          <a:prstGeom prst="rect">
-            <a:avLst/>
-          </a:prstGeom>
-          <a:noFill/>
-        </p:spPr>
-        <p:txBody>
-          <a:bodyPr rot="0" spcFirstLastPara="0" vertOverflow="overflow" horzOverflow="overflow" vert="horz" wrap="square" lIns="91440" tIns="45720" rIns="91440" bIns="45720" numCol="1" spcCol="0" rtlCol="0" fromWordArt="0" anchor="t" anchorCtr="0" forceAA="0" compatLnSpc="1">
-            <a:prstTxWarp prst="textNoShape">
-              <a:avLst/>
-            </a:prstTxWarp>
-            <a:spAutoFit/>
-          </a:bodyPr>
-          <a:lstStyle/>
-          <a:p>
-            <a:r>
-              <a:rPr lang="en-US" dirty="0">
-                <a:latin typeface="Times New Roman"/>
-                <a:cs typeface="Times New Roman"/>
-              </a:rPr>
-              <a:t>Tensor </a:t>
-            </a:r>
-            <a:r>
-              <a:rPr lang="en-US" dirty="0" err="1">
-                <a:latin typeface="Times New Roman"/>
-                <a:cs typeface="Times New Roman"/>
-              </a:rPr>
-              <a:t>permeabilidade</a:t>
-            </a:r>
-            <a:r>
-              <a:rPr lang="en-US" dirty="0">
-                <a:latin typeface="Times New Roman"/>
-                <a:cs typeface="Times New Roman"/>
-              </a:rPr>
-              <a:t> da </a:t>
-            </a:r>
-            <a:r>
-              <a:rPr lang="en-US" dirty="0" err="1">
-                <a:latin typeface="Times New Roman"/>
-                <a:cs typeface="Times New Roman"/>
-              </a:rPr>
-              <a:t>rocha</a:t>
-            </a:r>
-            <a:endParaRPr lang="en-US" dirty="0">
-              <a:latin typeface="Times New Roman"/>
-              <a:cs typeface="Times New Roman"/>
-            </a:endParaRPr>
-          </a:p>
-        </p:txBody>
-      </p:sp>
-      <p:pic>
-        <p:nvPicPr>
-          <p:cNvPr id="31" name="Imagem 30">
-            <a:extLst>
-              <a:ext uri="{FF2B5EF4-FFF2-40B4-BE49-F238E27FC236}">
-                <a16:creationId xmlns:a16="http://schemas.microsoft.com/office/drawing/2014/main" id="{E61E28BF-205D-0EE8-E046-1D18316B76E6}"/>
-              </a:ext>
-            </a:extLst>
-          </p:cNvPr>
-          <p:cNvPicPr>
-            <a:picLocks noChangeAspect="1"/>
-          </p:cNvPicPr>
-          <p:nvPr/>
-        </p:nvPicPr>
-        <p:blipFill>
-          <a:blip r:embed="rId5"/>
-          <a:stretch>
-            <a:fillRect/>
-          </a:stretch>
-        </p:blipFill>
-        <p:spPr>
-          <a:xfrm>
-            <a:off x="1070904" y="3475568"/>
-            <a:ext cx="3590624" cy="1673506"/>
-          </a:xfrm>
-          <a:prstGeom prst="rect">
-            <a:avLst/>
-          </a:prstGeom>
-        </p:spPr>
-      </p:pic>
-      <p:pic>
-        <p:nvPicPr>
-          <p:cNvPr id="33" name="Imagem 32">
-            <a:extLst>
-              <a:ext uri="{FF2B5EF4-FFF2-40B4-BE49-F238E27FC236}">
-                <a16:creationId xmlns:a16="http://schemas.microsoft.com/office/drawing/2014/main" id="{B8E91306-7FB7-A12F-EFE1-B0127E1ED053}"/>
-              </a:ext>
-            </a:extLst>
-          </p:cNvPr>
-          <p:cNvPicPr>
-            <a:picLocks noChangeAspect="1"/>
-          </p:cNvPicPr>
-          <p:nvPr/>
-        </p:nvPicPr>
-        <p:blipFill>
-          <a:blip r:embed="rId6"/>
-          <a:stretch>
-            <a:fillRect/>
-          </a:stretch>
-        </p:blipFill>
-        <p:spPr>
-          <a:xfrm>
-            <a:off x="5744653" y="3304569"/>
-            <a:ext cx="5837168" cy="2316923"/>
-          </a:xfrm>
-          <a:prstGeom prst="rect">
-            <a:avLst/>
-          </a:prstGeom>
-        </p:spPr>
-      </p:pic>
-      <p:sp>
-        <p:nvSpPr>
-          <p:cNvPr id="34" name="Content Placeholder 2">
-            <a:extLst>
-              <a:ext uri="{FF2B5EF4-FFF2-40B4-BE49-F238E27FC236}">
-                <a16:creationId xmlns:a16="http://schemas.microsoft.com/office/drawing/2014/main" id="{AFE153C7-8A67-57B8-3B95-5E6605AD6EAE}"/>
-              </a:ext>
-            </a:extLst>
-          </p:cNvPr>
-          <p:cNvSpPr txBox="1">
-            <a:spLocks/>
-          </p:cNvSpPr>
-          <p:nvPr/>
-        </p:nvSpPr>
-        <p:spPr>
-          <a:xfrm>
-            <a:off x="8480911" y="2429450"/>
-            <a:ext cx="983413" cy="469452"/>
-          </a:xfrm>
-          <a:prstGeom prst="rect">
-            <a:avLst/>
-          </a:prstGeom>
-        </p:spPr>
-        <p:txBody>
-          <a:bodyPr vert="horz" lIns="91440" tIns="45720" rIns="91440" bIns="45720" rtlCol="0" anchor="t">
-            <a:normAutofit fontScale="92500"/>
-          </a:bodyPr>
-          <a:lstStyle>
-            <a:lvl1pPr marL="228600" indent="-228600" algn="l" defTabSz="914400" rtl="0" eaLnBrk="1" latinLnBrk="0" hangingPunct="1">
-              <a:lnSpc>
-                <a:spcPct val="90000"/>
-              </a:lnSpc>
-              <a:spcBef>
-                <a:spcPts val="1000"/>
-              </a:spcBef>
-              <a:buFont typeface="Arial" panose="020B0604020202020204" pitchFamily="34" charset="0"/>
-              <a:buChar char="•"/>
-              <a:defRPr sz="2800" kern="1200">
-                <a:solidFill>
-                  <a:schemeClr val="tx1"/>
-                </a:solidFill>
-                <a:latin typeface="+mn-lt"/>
-                <a:ea typeface="+mn-ea"/>
-                <a:cs typeface="+mn-cs"/>
-              </a:defRPr>
-            </a:lvl1pPr>
-            <a:lvl2pPr marL="685800" indent="-228600" algn="l" defTabSz="914400" rtl="0" eaLnBrk="1" latinLnBrk="0" hangingPunct="1">
-              <a:lnSpc>
-                <a:spcPct val="90000"/>
-              </a:lnSpc>
-              <a:spcBef>
-                <a:spcPts val="500"/>
-              </a:spcBef>
-              <a:buFont typeface="Arial" panose="020B0604020202020204" pitchFamily="34" charset="0"/>
-              <a:buChar char="•"/>
-              <a:defRPr sz="2400" kern="1200">
-                <a:solidFill>
-                  <a:schemeClr val="tx1"/>
-                </a:solidFill>
-                <a:latin typeface="+mn-lt"/>
-                <a:ea typeface="+mn-ea"/>
-                <a:cs typeface="+mn-cs"/>
-              </a:defRPr>
-            </a:lvl2pPr>
-            <a:lvl3pPr marL="1143000" indent="-228600" algn="l" defTabSz="914400" rtl="0" eaLnBrk="1" latinLnBrk="0" hangingPunct="1">
-              <a:lnSpc>
-                <a:spcPct val="90000"/>
-              </a:lnSpc>
-              <a:spcBef>
-                <a:spcPts val="500"/>
-              </a:spcBef>
-              <a:buFont typeface="Arial" panose="020B0604020202020204" pitchFamily="34" charset="0"/>
-              <a:buChar char="•"/>
-              <a:defRPr sz="2000" kern="1200">
-                <a:solidFill>
-                  <a:schemeClr val="tx1"/>
-                </a:solidFill>
-                <a:latin typeface="+mn-lt"/>
-                <a:ea typeface="+mn-ea"/>
-                <a:cs typeface="+mn-cs"/>
-              </a:defRPr>
-            </a:lvl3pPr>
-            <a:lvl4pPr marL="1600200" indent="-228600" algn="l" defTabSz="914400" rtl="0" eaLnBrk="1" latinLnBrk="0" hangingPunct="1">
-              <a:lnSpc>
-                <a:spcPct val="90000"/>
-              </a:lnSpc>
-              <a:spcBef>
-                <a:spcPts val="500"/>
-              </a:spcBef>
-              <a:buFont typeface="Arial" panose="020B0604020202020204" pitchFamily="34" charset="0"/>
-              <a:buChar char="•"/>
-              <a:defRPr sz="1800" kern="1200">
-                <a:solidFill>
-                  <a:schemeClr val="tx1"/>
-                </a:solidFill>
-                <a:latin typeface="+mn-lt"/>
-                <a:ea typeface="+mn-ea"/>
-                <a:cs typeface="+mn-cs"/>
-              </a:defRPr>
-            </a:lvl4pPr>
-            <a:lvl5pPr marL="2057400" indent="-228600" algn="l" defTabSz="914400" rtl="0" eaLnBrk="1" latinLnBrk="0" hangingPunct="1">
-              <a:lnSpc>
-                <a:spcPct val="90000"/>
-              </a:lnSpc>
-              <a:spcBef>
-                <a:spcPts val="500"/>
-              </a:spcBef>
-              <a:buFont typeface="Arial" panose="020B0604020202020204" pitchFamily="34" charset="0"/>
-              <a:buChar char="•"/>
-              <a:defRPr sz="1800" kern="1200">
-                <a:solidFill>
-                  <a:schemeClr val="tx1"/>
-                </a:solidFill>
-                <a:latin typeface="+mn-lt"/>
-                <a:ea typeface="+mn-ea"/>
-                <a:cs typeface="+mn-cs"/>
-              </a:defRPr>
-            </a:lvl5pPr>
-            <a:lvl6pPr marL="2514600" indent="-228600" algn="l" defTabSz="914400" rtl="0" eaLnBrk="1" latinLnBrk="0" hangingPunct="1">
-              <a:lnSpc>
-                <a:spcPct val="90000"/>
-              </a:lnSpc>
-              <a:spcBef>
-                <a:spcPts val="500"/>
-              </a:spcBef>
-              <a:buFont typeface="Arial" panose="020B0604020202020204" pitchFamily="34" charset="0"/>
-              <a:buChar char="•"/>
-              <a:defRPr sz="1800" kern="1200">
-                <a:solidFill>
-                  <a:schemeClr val="tx1"/>
-                </a:solidFill>
-                <a:latin typeface="+mn-lt"/>
-                <a:ea typeface="+mn-ea"/>
-                <a:cs typeface="+mn-cs"/>
-              </a:defRPr>
-            </a:lvl6pPr>
-            <a:lvl7pPr marL="2971800" indent="-228600" algn="l" defTabSz="914400" rtl="0" eaLnBrk="1" latinLnBrk="0" hangingPunct="1">
-              <a:lnSpc>
-                <a:spcPct val="90000"/>
-              </a:lnSpc>
-              <a:spcBef>
-                <a:spcPts val="500"/>
-              </a:spcBef>
-              <a:buFont typeface="Arial" panose="020B0604020202020204" pitchFamily="34" charset="0"/>
-              <a:buChar char="•"/>
-              <a:defRPr sz="1800" kern="1200">
-                <a:solidFill>
-                  <a:schemeClr val="tx1"/>
-                </a:solidFill>
-                <a:latin typeface="+mn-lt"/>
-                <a:ea typeface="+mn-ea"/>
-                <a:cs typeface="+mn-cs"/>
-              </a:defRPr>
-            </a:lvl7pPr>
-            <a:lvl8pPr marL="3429000" indent="-228600" algn="l" defTabSz="914400" rtl="0" eaLnBrk="1" latinLnBrk="0" hangingPunct="1">
-              <a:lnSpc>
-                <a:spcPct val="90000"/>
-              </a:lnSpc>
-              <a:spcBef>
-                <a:spcPts val="500"/>
-              </a:spcBef>
-              <a:buFont typeface="Arial" panose="020B0604020202020204" pitchFamily="34" charset="0"/>
-              <a:buChar char="•"/>
-              <a:defRPr sz="1800" kern="1200">
-                <a:solidFill>
-                  <a:schemeClr val="tx1"/>
-                </a:solidFill>
-                <a:latin typeface="+mn-lt"/>
-                <a:ea typeface="+mn-ea"/>
-                <a:cs typeface="+mn-cs"/>
-              </a:defRPr>
-            </a:lvl8pPr>
-            <a:lvl9pPr marL="3886200" indent="-228600" algn="l" defTabSz="914400" rtl="0" eaLnBrk="1" latinLnBrk="0" hangingPunct="1">
-              <a:lnSpc>
-                <a:spcPct val="90000"/>
-              </a:lnSpc>
-              <a:spcBef>
-                <a:spcPts val="500"/>
-              </a:spcBef>
-              <a:buFont typeface="Arial" panose="020B0604020202020204" pitchFamily="34" charset="0"/>
-              <a:buChar char="•"/>
-              <a:defRPr sz="1800" kern="1200">
-                <a:solidFill>
-                  <a:schemeClr val="tx1"/>
-                </a:solidFill>
-                <a:latin typeface="+mn-lt"/>
-                <a:ea typeface="+mn-ea"/>
-                <a:cs typeface="+mn-cs"/>
-              </a:defRPr>
-            </a:lvl9pPr>
-          </a:lstStyle>
-          <a:p>
-            <a:pPr marL="0" indent="0">
-              <a:buFont typeface="Arial" panose="020B0604020202020204" pitchFamily="34" charset="0"/>
-              <a:buNone/>
-            </a:pPr>
-            <a:r>
               <a:rPr lang="en-US" dirty="0">
                 <a:cs typeface="Calibri"/>
               </a:rPr>
@@ -7245,8 +5039,8 @@
           </a:p>
         </p:txBody>
       </p:sp>
-      <mc:AlternateContent xmlns:mc="http://schemas.openxmlformats.org/markup-compatibility/2006">
-        <mc:Choice xmlns:a14="http://schemas.microsoft.com/office/drawing/2010/main" Requires="a14">
+      <mc:AlternateContent xmlns:mc="http://schemas.openxmlformats.org/markup-compatibility/2006" xmlns:a14="http://schemas.microsoft.com/office/drawing/2010/main">
+        <mc:Choice Requires="a14">
           <p:sp>
             <p:nvSpPr>
               <p:cNvPr id="36" name="CaixaDeTexto 35">
@@ -7463,7 +5257,7 @@
             </p:txBody>
           </p:sp>
         </mc:Choice>
-        <mc:Fallback>
+        <mc:Fallback xmlns="">
           <p:sp>
             <p:nvSpPr>
               <p:cNvPr id="36" name="CaixaDeTexto 35">
@@ -7918,8 +5712,8 @@
           </a:p>
         </p:txBody>
       </p:sp>
-      <mc:AlternateContent xmlns:mc="http://schemas.openxmlformats.org/markup-compatibility/2006">
-        <mc:Choice xmlns:a14="http://schemas.microsoft.com/office/drawing/2010/main" Requires="a14">
+      <mc:AlternateContent xmlns:mc="http://schemas.openxmlformats.org/markup-compatibility/2006" xmlns:a14="http://schemas.microsoft.com/office/drawing/2010/main">
+        <mc:Choice Requires="a14">
           <p:sp>
             <p:nvSpPr>
               <p:cNvPr id="39" name="CaixaDeTexto 38">
@@ -8078,7 +5872,7 @@
             </p:txBody>
           </p:sp>
         </mc:Choice>
-        <mc:Fallback>
+        <mc:Fallback xmlns="">
           <p:sp>
             <p:nvSpPr>
               <p:cNvPr id="39" name="CaixaDeTexto 38">
@@ -8123,8 +5917,8 @@
           </p:sp>
         </mc:Fallback>
       </mc:AlternateContent>
-      <mc:AlternateContent xmlns:mc="http://schemas.openxmlformats.org/markup-compatibility/2006">
-        <mc:Choice xmlns:a14="http://schemas.microsoft.com/office/drawing/2010/main" Requires="a14">
+      <mc:AlternateContent xmlns:mc="http://schemas.openxmlformats.org/markup-compatibility/2006" xmlns:a14="http://schemas.microsoft.com/office/drawing/2010/main">
+        <mc:Choice Requires="a14">
           <p:sp>
             <p:nvSpPr>
               <p:cNvPr id="40" name="CaixaDeTexto 39">
@@ -8341,7 +6135,7 @@
             </p:txBody>
           </p:sp>
         </mc:Choice>
-        <mc:Fallback>
+        <mc:Fallback xmlns="">
           <p:sp>
             <p:nvSpPr>
               <p:cNvPr id="40" name="CaixaDeTexto 39">
@@ -8399,7 +6193,7 @@
 </p:sld>
 </file>
 
-<file path=ppt/slides/slide9.xml><?xml version="1.0" encoding="utf-8"?>
+<file path=ppt/slides/slide11.xml><?xml version="1.0" encoding="utf-8"?>
 <p:sld xmlns:a="http://schemas.openxmlformats.org/drawingml/2006/main" xmlns:r="http://schemas.openxmlformats.org/officeDocument/2006/relationships" xmlns:p="http://schemas.openxmlformats.org/presentationml/2006/main">
   <p:cSld>
     <p:spTree>
@@ -9329,6 +7123,3602 @@
     <p:extLst>
       <p:ext uri="{BB962C8B-B14F-4D97-AF65-F5344CB8AC3E}">
         <p14:creationId xmlns:p14="http://schemas.microsoft.com/office/powerpoint/2010/main" val="2966981158"/>
+      </p:ext>
+    </p:extLst>
+  </p:cSld>
+  <p:clrMapOvr>
+    <a:masterClrMapping/>
+  </p:clrMapOvr>
+</p:sld>
+</file>
+
+<file path=ppt/slides/slide12.xml><?xml version="1.0" encoding="utf-8"?>
+<p:sld xmlns:a="http://schemas.openxmlformats.org/drawingml/2006/main" xmlns:r="http://schemas.openxmlformats.org/officeDocument/2006/relationships" xmlns:p="http://schemas.openxmlformats.org/presentationml/2006/main">
+  <p:cSld>
+    <p:spTree>
+      <p:nvGrpSpPr>
+        <p:cNvPr id="1" name=""/>
+        <p:cNvGrpSpPr/>
+        <p:nvPr/>
+      </p:nvGrpSpPr>
+      <p:grpSpPr>
+        <a:xfrm>
+          <a:off x="0" y="0"/>
+          <a:ext cx="0" cy="0"/>
+          <a:chOff x="0" y="0"/>
+          <a:chExt cx="0" cy="0"/>
+        </a:xfrm>
+      </p:grpSpPr>
+      <p:sp>
+        <p:nvSpPr>
+          <p:cNvPr id="2" name="Título 1">
+            <a:extLst>
+              <a:ext uri="{FF2B5EF4-FFF2-40B4-BE49-F238E27FC236}">
+                <a16:creationId xmlns:a16="http://schemas.microsoft.com/office/drawing/2014/main" id="{488BCF8F-D003-582C-DBAE-743C7C6CCC89}"/>
+              </a:ext>
+            </a:extLst>
+          </p:cNvPr>
+          <p:cNvSpPr>
+            <a:spLocks noGrp="1"/>
+          </p:cNvSpPr>
+          <p:nvPr>
+            <p:ph type="title"/>
+          </p:nvPr>
+        </p:nvSpPr>
+        <p:spPr/>
+        <p:txBody>
+          <a:bodyPr/>
+          <a:lstStyle/>
+          <a:p>
+            <a:r>
+              <a:rPr lang="pt-BR" dirty="0">
+                <a:latin typeface="Times New Roman" panose="02020603050405020304" pitchFamily="18" charset="0"/>
+                <a:cs typeface="Times New Roman" panose="02020603050405020304" pitchFamily="18" charset="0"/>
+              </a:rPr>
+              <a:t>Equilíbrio de fases (Gargalo)</a:t>
+            </a:r>
+          </a:p>
+        </p:txBody>
+      </p:sp>
+      <p:sp>
+        <p:nvSpPr>
+          <p:cNvPr id="3" name="Espaço Reservado para Conteúdo 2">
+            <a:extLst>
+              <a:ext uri="{FF2B5EF4-FFF2-40B4-BE49-F238E27FC236}">
+                <a16:creationId xmlns:a16="http://schemas.microsoft.com/office/drawing/2014/main" id="{BEE98CC0-9038-08C7-2AB3-1EA256D985C1}"/>
+              </a:ext>
+            </a:extLst>
+          </p:cNvPr>
+          <p:cNvSpPr>
+            <a:spLocks noGrp="1"/>
+          </p:cNvSpPr>
+          <p:nvPr>
+            <p:ph idx="1"/>
+          </p:nvPr>
+        </p:nvSpPr>
+        <p:spPr/>
+        <p:txBody>
+          <a:bodyPr/>
+          <a:lstStyle/>
+          <a:p>
+            <a:r>
+              <a:rPr lang="pt-BR" dirty="0"/>
+              <a:t>Teste de estabilidade</a:t>
+            </a:r>
+          </a:p>
+          <a:p>
+            <a:r>
+              <a:rPr lang="pt-BR" dirty="0"/>
+              <a:t>Cálculo do flash</a:t>
+            </a:r>
+          </a:p>
+        </p:txBody>
+      </p:sp>
+    </p:spTree>
+    <p:extLst>
+      <p:ext uri="{BB962C8B-B14F-4D97-AF65-F5344CB8AC3E}">
+        <p14:creationId xmlns:p14="http://schemas.microsoft.com/office/powerpoint/2010/main" val="1111342363"/>
+      </p:ext>
+    </p:extLst>
+  </p:cSld>
+  <p:clrMapOvr>
+    <a:masterClrMapping/>
+  </p:clrMapOvr>
+</p:sld>
+</file>
+
+<file path=ppt/slides/slide2.xml><?xml version="1.0" encoding="utf-8"?>
+<p:sld xmlns:a="http://schemas.openxmlformats.org/drawingml/2006/main" xmlns:r="http://schemas.openxmlformats.org/officeDocument/2006/relationships" xmlns:p="http://schemas.openxmlformats.org/presentationml/2006/main">
+  <p:cSld>
+    <p:spTree>
+      <p:nvGrpSpPr>
+        <p:cNvPr id="1" name=""/>
+        <p:cNvGrpSpPr/>
+        <p:nvPr/>
+      </p:nvGrpSpPr>
+      <p:grpSpPr>
+        <a:xfrm>
+          <a:off x="0" y="0"/>
+          <a:ext cx="0" cy="0"/>
+          <a:chOff x="0" y="0"/>
+          <a:chExt cx="0" cy="0"/>
+        </a:xfrm>
+      </p:grpSpPr>
+      <p:sp>
+        <p:nvSpPr>
+          <p:cNvPr id="2" name="Título 1">
+            <a:extLst>
+              <a:ext uri="{FF2B5EF4-FFF2-40B4-BE49-F238E27FC236}">
+                <a16:creationId xmlns:a16="http://schemas.microsoft.com/office/drawing/2014/main" id="{78B16F1C-3D61-E91C-7991-2F082B3D871F}"/>
+              </a:ext>
+            </a:extLst>
+          </p:cNvPr>
+          <p:cNvSpPr>
+            <a:spLocks noGrp="1"/>
+          </p:cNvSpPr>
+          <p:nvPr>
+            <p:ph type="title"/>
+          </p:nvPr>
+        </p:nvSpPr>
+        <p:spPr/>
+        <p:txBody>
+          <a:bodyPr/>
+          <a:lstStyle/>
+          <a:p>
+            <a:r>
+              <a:rPr lang="pt-BR" dirty="0">
+                <a:latin typeface="Times New Roman" panose="02020603050405020304" pitchFamily="18" charset="0"/>
+                <a:cs typeface="Times New Roman" panose="02020603050405020304" pitchFamily="18" charset="0"/>
+              </a:rPr>
+              <a:t>Tema do mestrado</a:t>
+            </a:r>
+          </a:p>
+        </p:txBody>
+      </p:sp>
+      <p:sp>
+        <p:nvSpPr>
+          <p:cNvPr id="3" name="Espaço Reservado para Conteúdo 2">
+            <a:extLst>
+              <a:ext uri="{FF2B5EF4-FFF2-40B4-BE49-F238E27FC236}">
+                <a16:creationId xmlns:a16="http://schemas.microsoft.com/office/drawing/2014/main" id="{2F961D06-45D9-0730-E36E-BC06808DBF32}"/>
+              </a:ext>
+            </a:extLst>
+          </p:cNvPr>
+          <p:cNvSpPr>
+            <a:spLocks noGrp="1"/>
+          </p:cNvSpPr>
+          <p:nvPr>
+            <p:ph idx="1"/>
+          </p:nvPr>
+        </p:nvSpPr>
+        <p:spPr/>
+        <p:txBody>
+          <a:bodyPr/>
+          <a:lstStyle/>
+          <a:p>
+            <a:pPr marL="0" indent="0">
+              <a:buNone/>
+            </a:pPr>
+            <a:r>
+              <a:rPr lang="pt-BR" dirty="0">
+                <a:latin typeface="Times New Roman" panose="02020603050405020304" pitchFamily="18" charset="0"/>
+                <a:cs typeface="Times New Roman" panose="02020603050405020304" pitchFamily="18" charset="0"/>
+              </a:rPr>
+              <a:t>Aplicação do método multinível algébrico dinâmico não uniforme no escoamento composicional em reservatórios de petróleo utilizando malhas não estruturadas.</a:t>
+            </a:r>
+          </a:p>
+        </p:txBody>
+      </p:sp>
+    </p:spTree>
+    <p:extLst>
+      <p:ext uri="{BB962C8B-B14F-4D97-AF65-F5344CB8AC3E}">
+        <p14:creationId xmlns:p14="http://schemas.microsoft.com/office/powerpoint/2010/main" val="2019862348"/>
+      </p:ext>
+    </p:extLst>
+  </p:cSld>
+  <p:clrMapOvr>
+    <a:masterClrMapping/>
+  </p:clrMapOvr>
+</p:sld>
+</file>
+
+<file path=ppt/slides/slide3.xml><?xml version="1.0" encoding="utf-8"?>
+<p:sld xmlns:a="http://schemas.openxmlformats.org/drawingml/2006/main" xmlns:r="http://schemas.openxmlformats.org/officeDocument/2006/relationships" xmlns:p="http://schemas.openxmlformats.org/presentationml/2006/main">
+  <p:cSld>
+    <p:spTree>
+      <p:nvGrpSpPr>
+        <p:cNvPr id="1" name=""/>
+        <p:cNvGrpSpPr/>
+        <p:nvPr/>
+      </p:nvGrpSpPr>
+      <p:grpSpPr>
+        <a:xfrm>
+          <a:off x="0" y="0"/>
+          <a:ext cx="0" cy="0"/>
+          <a:chOff x="0" y="0"/>
+          <a:chExt cx="0" cy="0"/>
+        </a:xfrm>
+      </p:grpSpPr>
+      <p:sp>
+        <p:nvSpPr>
+          <p:cNvPr id="2" name="Título 1">
+            <a:extLst>
+              <a:ext uri="{FF2B5EF4-FFF2-40B4-BE49-F238E27FC236}">
+                <a16:creationId xmlns:a16="http://schemas.microsoft.com/office/drawing/2014/main" id="{78B16F1C-3D61-E91C-7991-2F082B3D871F}"/>
+              </a:ext>
+            </a:extLst>
+          </p:cNvPr>
+          <p:cNvSpPr>
+            <a:spLocks noGrp="1"/>
+          </p:cNvSpPr>
+          <p:nvPr>
+            <p:ph type="title"/>
+          </p:nvPr>
+        </p:nvSpPr>
+        <p:spPr/>
+        <p:txBody>
+          <a:bodyPr/>
+          <a:lstStyle/>
+          <a:p>
+            <a:r>
+              <a:rPr lang="pt-BR" dirty="0">
+                <a:latin typeface="Times New Roman" panose="02020603050405020304" pitchFamily="18" charset="0"/>
+                <a:cs typeface="Times New Roman" panose="02020603050405020304" pitchFamily="18" charset="0"/>
+              </a:rPr>
+              <a:t>Simulação numérica</a:t>
+            </a:r>
+          </a:p>
+        </p:txBody>
+      </p:sp>
+      <p:sp>
+        <p:nvSpPr>
+          <p:cNvPr id="3" name="Espaço Reservado para Conteúdo 2">
+            <a:extLst>
+              <a:ext uri="{FF2B5EF4-FFF2-40B4-BE49-F238E27FC236}">
+                <a16:creationId xmlns:a16="http://schemas.microsoft.com/office/drawing/2014/main" id="{2F961D06-45D9-0730-E36E-BC06808DBF32}"/>
+              </a:ext>
+            </a:extLst>
+          </p:cNvPr>
+          <p:cNvSpPr>
+            <a:spLocks noGrp="1"/>
+          </p:cNvSpPr>
+          <p:nvPr>
+            <p:ph idx="1"/>
+          </p:nvPr>
+        </p:nvSpPr>
+        <p:spPr/>
+        <p:txBody>
+          <a:bodyPr/>
+          <a:lstStyle/>
+          <a:p>
+            <a:pPr marL="0" indent="0">
+              <a:buNone/>
+            </a:pPr>
+            <a:r>
+              <a:rPr lang="pt-BR" dirty="0">
+                <a:latin typeface="Times New Roman" panose="02020603050405020304" pitchFamily="18" charset="0"/>
+                <a:cs typeface="Times New Roman" panose="02020603050405020304" pitchFamily="18" charset="0"/>
+              </a:rPr>
+              <a:t>Objetivos</a:t>
+            </a:r>
+          </a:p>
+          <a:p>
+            <a:pPr marL="0" indent="0">
+              <a:buNone/>
+            </a:pPr>
+            <a:r>
+              <a:rPr lang="pt-BR" dirty="0">
+                <a:latin typeface="Times New Roman" panose="02020603050405020304" pitchFamily="18" charset="0"/>
+                <a:cs typeface="Times New Roman" panose="02020603050405020304" pitchFamily="18" charset="0"/>
+              </a:rPr>
+              <a:t>	Predizer o comportamento do escoamento</a:t>
+            </a:r>
+          </a:p>
+          <a:p>
+            <a:pPr marL="0" indent="0">
+              <a:buNone/>
+            </a:pPr>
+            <a:r>
+              <a:rPr lang="pt-BR" dirty="0">
+                <a:latin typeface="Times New Roman" panose="02020603050405020304" pitchFamily="18" charset="0"/>
+                <a:cs typeface="Times New Roman" panose="02020603050405020304" pitchFamily="18" charset="0"/>
+              </a:rPr>
+              <a:t>	Reduzir riscos financeiros e ambientais</a:t>
+            </a:r>
+          </a:p>
+          <a:p>
+            <a:pPr marL="0" indent="0">
+              <a:buNone/>
+            </a:pPr>
+            <a:r>
+              <a:rPr lang="pt-BR" dirty="0">
+                <a:latin typeface="Times New Roman" panose="02020603050405020304" pitchFamily="18" charset="0"/>
+                <a:cs typeface="Times New Roman" panose="02020603050405020304" pitchFamily="18" charset="0"/>
+              </a:rPr>
+              <a:t>Problema</a:t>
+            </a:r>
+          </a:p>
+          <a:p>
+            <a:pPr marL="0" indent="0">
+              <a:buNone/>
+            </a:pPr>
+            <a:r>
+              <a:rPr lang="pt-BR" dirty="0">
+                <a:latin typeface="Times New Roman" panose="02020603050405020304" pitchFamily="18" charset="0"/>
+                <a:cs typeface="Times New Roman" panose="02020603050405020304" pitchFamily="18" charset="0"/>
+              </a:rPr>
+              <a:t>	Tempo</a:t>
+            </a:r>
+          </a:p>
+        </p:txBody>
+      </p:sp>
+    </p:spTree>
+    <p:extLst>
+      <p:ext uri="{BB962C8B-B14F-4D97-AF65-F5344CB8AC3E}">
+        <p14:creationId xmlns:p14="http://schemas.microsoft.com/office/powerpoint/2010/main" val="2509178670"/>
+      </p:ext>
+    </p:extLst>
+  </p:cSld>
+  <p:clrMapOvr>
+    <a:masterClrMapping/>
+  </p:clrMapOvr>
+</p:sld>
+</file>
+
+<file path=ppt/slides/slide4.xml><?xml version="1.0" encoding="utf-8"?>
+<p:sld xmlns:a="http://schemas.openxmlformats.org/drawingml/2006/main" xmlns:r="http://schemas.openxmlformats.org/officeDocument/2006/relationships" xmlns:p="http://schemas.openxmlformats.org/presentationml/2006/main">
+  <p:cSld>
+    <p:spTree>
+      <p:nvGrpSpPr>
+        <p:cNvPr id="1" name=""/>
+        <p:cNvGrpSpPr/>
+        <p:nvPr/>
+      </p:nvGrpSpPr>
+      <p:grpSpPr>
+        <a:xfrm>
+          <a:off x="0" y="0"/>
+          <a:ext cx="0" cy="0"/>
+          <a:chOff x="0" y="0"/>
+          <a:chExt cx="0" cy="0"/>
+        </a:xfrm>
+      </p:grpSpPr>
+      <p:sp>
+        <p:nvSpPr>
+          <p:cNvPr id="2" name="Título 1">
+            <a:extLst>
+              <a:ext uri="{FF2B5EF4-FFF2-40B4-BE49-F238E27FC236}">
+                <a16:creationId xmlns:a16="http://schemas.microsoft.com/office/drawing/2014/main" id="{78B16F1C-3D61-E91C-7991-2F082B3D871F}"/>
+              </a:ext>
+            </a:extLst>
+          </p:cNvPr>
+          <p:cNvSpPr>
+            <a:spLocks noGrp="1"/>
+          </p:cNvSpPr>
+          <p:nvPr>
+            <p:ph type="title"/>
+          </p:nvPr>
+        </p:nvSpPr>
+        <p:spPr/>
+        <p:txBody>
+          <a:bodyPr/>
+          <a:lstStyle/>
+          <a:p>
+            <a:r>
+              <a:rPr lang="pt-BR" dirty="0">
+                <a:latin typeface="Times New Roman" panose="02020603050405020304" pitchFamily="18" charset="0"/>
+                <a:cs typeface="Times New Roman" panose="02020603050405020304" pitchFamily="18" charset="0"/>
+              </a:rPr>
+              <a:t>Estratégias de mudança de escala</a:t>
+            </a:r>
+          </a:p>
+        </p:txBody>
+      </p:sp>
+      <p:pic>
+        <p:nvPicPr>
+          <p:cNvPr id="14" name="Imagem 17">
+            <a:extLst>
+              <a:ext uri="{FF2B5EF4-FFF2-40B4-BE49-F238E27FC236}">
+                <a16:creationId xmlns:a16="http://schemas.microsoft.com/office/drawing/2014/main" id="{CA7D7784-3DC4-7FFF-EA70-EE83C1382E97}"/>
+              </a:ext>
+            </a:extLst>
+          </p:cNvPr>
+          <p:cNvPicPr>
+            <a:picLocks noChangeAspect="1"/>
+          </p:cNvPicPr>
+          <p:nvPr/>
+        </p:nvPicPr>
+        <p:blipFill>
+          <a:blip r:embed="rId2"/>
+          <a:stretch>
+            <a:fillRect/>
+          </a:stretch>
+        </p:blipFill>
+        <p:spPr>
+          <a:xfrm>
+            <a:off x="1538965" y="1745880"/>
+            <a:ext cx="2200275" cy="1537654"/>
+          </a:xfrm>
+          <a:prstGeom prst="rect">
+            <a:avLst/>
+          </a:prstGeom>
+        </p:spPr>
+      </p:pic>
+      <p:sp>
+        <p:nvSpPr>
+          <p:cNvPr id="15" name="CaixaDeTexto 14">
+            <a:extLst>
+              <a:ext uri="{FF2B5EF4-FFF2-40B4-BE49-F238E27FC236}">
+                <a16:creationId xmlns:a16="http://schemas.microsoft.com/office/drawing/2014/main" id="{74EDC8CE-E9B9-E7EC-4372-4E61F6565D4F}"/>
+              </a:ext>
+            </a:extLst>
+          </p:cNvPr>
+          <p:cNvSpPr txBox="1"/>
+          <p:nvPr/>
+        </p:nvSpPr>
+        <p:spPr>
+          <a:xfrm>
+            <a:off x="443590" y="2190857"/>
+            <a:ext cx="1133475" cy="369332"/>
+          </a:xfrm>
+          <a:prstGeom prst="rect">
+            <a:avLst/>
+          </a:prstGeom>
+          <a:noFill/>
+        </p:spPr>
+        <p:txBody>
+          <a:bodyPr rot="0" spcFirstLastPara="0" vertOverflow="overflow" horzOverflow="overflow" vert="horz" wrap="square" lIns="91440" tIns="45720" rIns="91440" bIns="45720" numCol="1" spcCol="0" rtlCol="0" fromWordArt="0" anchor="t" anchorCtr="0" forceAA="0" compatLnSpc="1">
+            <a:prstTxWarp prst="textNoShape">
+              <a:avLst/>
+            </a:prstTxWarp>
+            <a:spAutoFit/>
+          </a:bodyPr>
+          <a:lstStyle/>
+          <a:p>
+            <a:pPr algn="l"/>
+            <a:r>
+              <a:rPr lang="pt-BR" err="1">
+                <a:latin typeface="Times New Roman"/>
+                <a:cs typeface="Times New Roman"/>
+              </a:rPr>
+              <a:t>Upscaling</a:t>
+            </a:r>
+            <a:endParaRPr lang="pt-BR">
+              <a:latin typeface="Times New Roman"/>
+              <a:cs typeface="Times New Roman"/>
+            </a:endParaRPr>
+          </a:p>
+        </p:txBody>
+      </p:sp>
+      <p:sp>
+        <p:nvSpPr>
+          <p:cNvPr id="16" name="CaixaDeTexto 15">
+            <a:extLst>
+              <a:ext uri="{FF2B5EF4-FFF2-40B4-BE49-F238E27FC236}">
+                <a16:creationId xmlns:a16="http://schemas.microsoft.com/office/drawing/2014/main" id="{39D65A4A-C5BA-9D1D-2213-066094A2AE3E}"/>
+              </a:ext>
+            </a:extLst>
+          </p:cNvPr>
+          <p:cNvSpPr txBox="1"/>
+          <p:nvPr/>
+        </p:nvSpPr>
+        <p:spPr>
+          <a:xfrm>
+            <a:off x="1939015" y="3286232"/>
+            <a:ext cx="1276350" cy="369332"/>
+          </a:xfrm>
+          <a:prstGeom prst="rect">
+            <a:avLst/>
+          </a:prstGeom>
+          <a:noFill/>
+        </p:spPr>
+        <p:txBody>
+          <a:bodyPr rot="0" spcFirstLastPara="0" vertOverflow="overflow" horzOverflow="overflow" vert="horz" wrap="square" lIns="91440" tIns="45720" rIns="91440" bIns="45720" numCol="1" spcCol="0" rtlCol="0" fromWordArt="0" anchor="t" anchorCtr="0" forceAA="0" compatLnSpc="1">
+            <a:prstTxWarp prst="textNoShape">
+              <a:avLst/>
+            </a:prstTxWarp>
+            <a:spAutoFit/>
+          </a:bodyPr>
+          <a:lstStyle/>
+          <a:p>
+            <a:pPr algn="l"/>
+            <a:r>
+              <a:rPr lang="pt-BR" err="1">
+                <a:latin typeface="Times New Roman"/>
+                <a:cs typeface="Calibri"/>
+              </a:rPr>
+              <a:t>Upscaling</a:t>
+            </a:r>
+            <a:endParaRPr lang="pt-BR">
+              <a:latin typeface="Times New Roman"/>
+              <a:cs typeface="Calibri"/>
+            </a:endParaRPr>
+          </a:p>
+        </p:txBody>
+      </p:sp>
+      <p:sp>
+        <p:nvSpPr>
+          <p:cNvPr id="18" name="CaixaDeTexto 17">
+            <a:extLst>
+              <a:ext uri="{FF2B5EF4-FFF2-40B4-BE49-F238E27FC236}">
+                <a16:creationId xmlns:a16="http://schemas.microsoft.com/office/drawing/2014/main" id="{4D6ABB73-4B71-9C68-1103-AE2FF3D2B616}"/>
+              </a:ext>
+            </a:extLst>
+          </p:cNvPr>
+          <p:cNvSpPr txBox="1"/>
+          <p:nvPr/>
+        </p:nvSpPr>
+        <p:spPr>
+          <a:xfrm>
+            <a:off x="1536988" y="3646025"/>
+            <a:ext cx="1765540" cy="369332"/>
+          </a:xfrm>
+          <a:prstGeom prst="rect">
+            <a:avLst/>
+          </a:prstGeom>
+          <a:noFill/>
+        </p:spPr>
+        <p:txBody>
+          <a:bodyPr rot="0" spcFirstLastPara="0" vertOverflow="overflow" horzOverflow="overflow" vert="horz" wrap="square" lIns="91440" tIns="45720" rIns="91440" bIns="45720" numCol="1" spcCol="0" rtlCol="0" fromWordArt="0" anchor="t" anchorCtr="0" forceAA="0" compatLnSpc="1">
+            <a:prstTxWarp prst="textNoShape">
+              <a:avLst/>
+            </a:prstTxWarp>
+            <a:spAutoFit/>
+          </a:bodyPr>
+          <a:lstStyle/>
+          <a:p>
+            <a:pPr marL="285750" indent="-285750">
+              <a:buFont typeface="Arial"/>
+              <a:buChar char="•"/>
+            </a:pPr>
+            <a:r>
+              <a:rPr lang="pt-BR" err="1">
+                <a:latin typeface="Times New Roman"/>
+                <a:cs typeface="Times New Roman"/>
+              </a:rPr>
+              <a:t>Low</a:t>
+            </a:r>
+            <a:r>
+              <a:rPr lang="pt-BR">
+                <a:latin typeface="Times New Roman"/>
+                <a:cs typeface="Times New Roman"/>
+              </a:rPr>
+              <a:t> </a:t>
+            </a:r>
+            <a:r>
+              <a:rPr lang="pt-BR" err="1">
+                <a:latin typeface="Times New Roman"/>
+                <a:cs typeface="Times New Roman"/>
+              </a:rPr>
+              <a:t>accuracy</a:t>
+            </a:r>
+            <a:endParaRPr lang="pt-BR">
+              <a:latin typeface="Times New Roman"/>
+              <a:cs typeface="Times New Roman"/>
+            </a:endParaRPr>
+          </a:p>
+        </p:txBody>
+      </p:sp>
+    </p:spTree>
+    <p:extLst>
+      <p:ext uri="{BB962C8B-B14F-4D97-AF65-F5344CB8AC3E}">
+        <p14:creationId xmlns:p14="http://schemas.microsoft.com/office/powerpoint/2010/main" val="140351363"/>
+      </p:ext>
+    </p:extLst>
+  </p:cSld>
+  <p:clrMapOvr>
+    <a:masterClrMapping/>
+  </p:clrMapOvr>
+</p:sld>
+</file>
+
+<file path=ppt/slides/slide5.xml><?xml version="1.0" encoding="utf-8"?>
+<p:sld xmlns:a="http://schemas.openxmlformats.org/drawingml/2006/main" xmlns:r="http://schemas.openxmlformats.org/officeDocument/2006/relationships" xmlns:p="http://schemas.openxmlformats.org/presentationml/2006/main">
+  <p:cSld>
+    <p:spTree>
+      <p:nvGrpSpPr>
+        <p:cNvPr id="1" name=""/>
+        <p:cNvGrpSpPr/>
+        <p:nvPr/>
+      </p:nvGrpSpPr>
+      <p:grpSpPr>
+        <a:xfrm>
+          <a:off x="0" y="0"/>
+          <a:ext cx="0" cy="0"/>
+          <a:chOff x="0" y="0"/>
+          <a:chExt cx="0" cy="0"/>
+        </a:xfrm>
+      </p:grpSpPr>
+      <p:sp>
+        <p:nvSpPr>
+          <p:cNvPr id="2" name="Título 1">
+            <a:extLst>
+              <a:ext uri="{FF2B5EF4-FFF2-40B4-BE49-F238E27FC236}">
+                <a16:creationId xmlns:a16="http://schemas.microsoft.com/office/drawing/2014/main" id="{78B16F1C-3D61-E91C-7991-2F082B3D871F}"/>
+              </a:ext>
+            </a:extLst>
+          </p:cNvPr>
+          <p:cNvSpPr>
+            <a:spLocks noGrp="1"/>
+          </p:cNvSpPr>
+          <p:nvPr>
+            <p:ph type="title"/>
+          </p:nvPr>
+        </p:nvSpPr>
+        <p:spPr/>
+        <p:txBody>
+          <a:bodyPr/>
+          <a:lstStyle/>
+          <a:p>
+            <a:r>
+              <a:rPr lang="pt-BR" dirty="0">
+                <a:latin typeface="Times New Roman" panose="02020603050405020304" pitchFamily="18" charset="0"/>
+                <a:cs typeface="Times New Roman" panose="02020603050405020304" pitchFamily="18" charset="0"/>
+              </a:rPr>
+              <a:t>Estratégias de mudança de escala</a:t>
+            </a:r>
+          </a:p>
+        </p:txBody>
+      </p:sp>
+      <p:sp>
+        <p:nvSpPr>
+          <p:cNvPr id="11" name="CaixaDeTexto 10">
+            <a:extLst>
+              <a:ext uri="{FF2B5EF4-FFF2-40B4-BE49-F238E27FC236}">
+                <a16:creationId xmlns:a16="http://schemas.microsoft.com/office/drawing/2014/main" id="{8CED1240-51DA-61DB-019F-8FD1EF1D7792}"/>
+              </a:ext>
+            </a:extLst>
+          </p:cNvPr>
+          <p:cNvSpPr txBox="1"/>
+          <p:nvPr/>
+        </p:nvSpPr>
+        <p:spPr>
+          <a:xfrm>
+            <a:off x="7467214" y="1620329"/>
+            <a:ext cx="1243128" cy="369332"/>
+          </a:xfrm>
+          <a:prstGeom prst="rect">
+            <a:avLst/>
+          </a:prstGeom>
+          <a:noFill/>
+        </p:spPr>
+        <p:txBody>
+          <a:bodyPr rot="0" spcFirstLastPara="0" vertOverflow="overflow" horzOverflow="overflow" vert="horz" wrap="square" lIns="91440" tIns="45720" rIns="91440" bIns="45720" numCol="1" spcCol="0" rtlCol="0" fromWordArt="0" anchor="t" anchorCtr="0" forceAA="0" compatLnSpc="1">
+            <a:prstTxWarp prst="textNoShape">
+              <a:avLst/>
+            </a:prstTxWarp>
+            <a:spAutoFit/>
+          </a:bodyPr>
+          <a:lstStyle/>
+          <a:p>
+            <a:pPr algn="l"/>
+            <a:r>
+              <a:rPr lang="pt-BR" err="1">
+                <a:latin typeface="Times New Roman" panose="02020603050405020304" pitchFamily="18" charset="0"/>
+                <a:cs typeface="Times New Roman" panose="02020603050405020304" pitchFamily="18" charset="0"/>
+              </a:rPr>
+              <a:t>Restriction</a:t>
+            </a:r>
+            <a:endParaRPr lang="pt-BR">
+              <a:latin typeface="Times New Roman" panose="02020603050405020304" pitchFamily="18" charset="0"/>
+              <a:cs typeface="Times New Roman" panose="02020603050405020304" pitchFamily="18" charset="0"/>
+            </a:endParaRPr>
+          </a:p>
+        </p:txBody>
+      </p:sp>
+      <p:sp>
+        <p:nvSpPr>
+          <p:cNvPr id="12" name="CaixaDeTexto 11">
+            <a:extLst>
+              <a:ext uri="{FF2B5EF4-FFF2-40B4-BE49-F238E27FC236}">
+                <a16:creationId xmlns:a16="http://schemas.microsoft.com/office/drawing/2014/main" id="{AE91BD1C-9F3B-E56B-0B71-C25CD609D8E2}"/>
+              </a:ext>
+            </a:extLst>
+          </p:cNvPr>
+          <p:cNvSpPr txBox="1"/>
+          <p:nvPr/>
+        </p:nvSpPr>
+        <p:spPr>
+          <a:xfrm>
+            <a:off x="10734316" y="1782433"/>
+            <a:ext cx="1403410" cy="369332"/>
+          </a:xfrm>
+          <a:prstGeom prst="rect">
+            <a:avLst/>
+          </a:prstGeom>
+          <a:noFill/>
+        </p:spPr>
+        <p:txBody>
+          <a:bodyPr rot="0" spcFirstLastPara="0" vertOverflow="overflow" horzOverflow="overflow" vert="horz" wrap="square" lIns="91440" tIns="45720" rIns="91440" bIns="45720" numCol="1" spcCol="0" rtlCol="0" fromWordArt="0" anchor="t" anchorCtr="0" forceAA="0" compatLnSpc="1">
+            <a:prstTxWarp prst="textNoShape">
+              <a:avLst/>
+            </a:prstTxWarp>
+            <a:spAutoFit/>
+          </a:bodyPr>
+          <a:lstStyle/>
+          <a:p>
+            <a:pPr algn="l"/>
+            <a:r>
+              <a:rPr lang="pt-BR" err="1">
+                <a:latin typeface="Times New Roman" panose="02020603050405020304" pitchFamily="18" charset="0"/>
+                <a:cs typeface="Times New Roman" panose="02020603050405020304" pitchFamily="18" charset="0"/>
+              </a:rPr>
+              <a:t>Prolongation</a:t>
+            </a:r>
+            <a:endParaRPr lang="pt-BR">
+              <a:latin typeface="Times New Roman" panose="02020603050405020304" pitchFamily="18" charset="0"/>
+              <a:cs typeface="Times New Roman" panose="02020603050405020304" pitchFamily="18" charset="0"/>
+            </a:endParaRPr>
+          </a:p>
+        </p:txBody>
+      </p:sp>
+      <p:sp>
+        <p:nvSpPr>
+          <p:cNvPr id="13" name="CaixaDeTexto 12">
+            <a:extLst>
+              <a:ext uri="{FF2B5EF4-FFF2-40B4-BE49-F238E27FC236}">
+                <a16:creationId xmlns:a16="http://schemas.microsoft.com/office/drawing/2014/main" id="{5DDA2088-5C58-9131-B707-E54AA5E118CE}"/>
+              </a:ext>
+            </a:extLst>
+          </p:cNvPr>
+          <p:cNvSpPr txBox="1"/>
+          <p:nvPr/>
+        </p:nvSpPr>
+        <p:spPr>
+          <a:xfrm>
+            <a:off x="9014783" y="2668619"/>
+            <a:ext cx="1276350" cy="369332"/>
+          </a:xfrm>
+          <a:prstGeom prst="rect">
+            <a:avLst/>
+          </a:prstGeom>
+          <a:noFill/>
+        </p:spPr>
+        <p:txBody>
+          <a:bodyPr rot="0" spcFirstLastPara="0" vertOverflow="overflow" horzOverflow="overflow" vert="horz" wrap="square" lIns="91440" tIns="45720" rIns="91440" bIns="45720" numCol="1" spcCol="0" rtlCol="0" fromWordArt="0" anchor="t" anchorCtr="0" forceAA="0" compatLnSpc="1">
+            <a:prstTxWarp prst="textNoShape">
+              <a:avLst/>
+            </a:prstTxWarp>
+            <a:spAutoFit/>
+          </a:bodyPr>
+          <a:lstStyle/>
+          <a:p>
+            <a:pPr algn="l"/>
+            <a:r>
+              <a:rPr lang="pt-BR" err="1">
+                <a:latin typeface="Times New Roman" panose="02020603050405020304" pitchFamily="18" charset="0"/>
+                <a:cs typeface="Times New Roman" panose="02020603050405020304" pitchFamily="18" charset="0"/>
+              </a:rPr>
+              <a:t>Multiscale</a:t>
+            </a:r>
+          </a:p>
+        </p:txBody>
+      </p:sp>
+      <p:pic>
+        <p:nvPicPr>
+          <p:cNvPr id="14" name="Imagem 17">
+            <a:extLst>
+              <a:ext uri="{FF2B5EF4-FFF2-40B4-BE49-F238E27FC236}">
+                <a16:creationId xmlns:a16="http://schemas.microsoft.com/office/drawing/2014/main" id="{CA7D7784-3DC4-7FFF-EA70-EE83C1382E97}"/>
+              </a:ext>
+            </a:extLst>
+          </p:cNvPr>
+          <p:cNvPicPr>
+            <a:picLocks noChangeAspect="1"/>
+          </p:cNvPicPr>
+          <p:nvPr/>
+        </p:nvPicPr>
+        <p:blipFill>
+          <a:blip r:embed="rId2"/>
+          <a:stretch>
+            <a:fillRect/>
+          </a:stretch>
+        </p:blipFill>
+        <p:spPr>
+          <a:xfrm>
+            <a:off x="1538965" y="1745880"/>
+            <a:ext cx="2200275" cy="1537654"/>
+          </a:xfrm>
+          <a:prstGeom prst="rect">
+            <a:avLst/>
+          </a:prstGeom>
+        </p:spPr>
+      </p:pic>
+      <p:sp>
+        <p:nvSpPr>
+          <p:cNvPr id="15" name="CaixaDeTexto 14">
+            <a:extLst>
+              <a:ext uri="{FF2B5EF4-FFF2-40B4-BE49-F238E27FC236}">
+                <a16:creationId xmlns:a16="http://schemas.microsoft.com/office/drawing/2014/main" id="{74EDC8CE-E9B9-E7EC-4372-4E61F6565D4F}"/>
+              </a:ext>
+            </a:extLst>
+          </p:cNvPr>
+          <p:cNvSpPr txBox="1"/>
+          <p:nvPr/>
+        </p:nvSpPr>
+        <p:spPr>
+          <a:xfrm>
+            <a:off x="443590" y="2190857"/>
+            <a:ext cx="1133475" cy="369332"/>
+          </a:xfrm>
+          <a:prstGeom prst="rect">
+            <a:avLst/>
+          </a:prstGeom>
+          <a:noFill/>
+        </p:spPr>
+        <p:txBody>
+          <a:bodyPr rot="0" spcFirstLastPara="0" vertOverflow="overflow" horzOverflow="overflow" vert="horz" wrap="square" lIns="91440" tIns="45720" rIns="91440" bIns="45720" numCol="1" spcCol="0" rtlCol="0" fromWordArt="0" anchor="t" anchorCtr="0" forceAA="0" compatLnSpc="1">
+            <a:prstTxWarp prst="textNoShape">
+              <a:avLst/>
+            </a:prstTxWarp>
+            <a:spAutoFit/>
+          </a:bodyPr>
+          <a:lstStyle/>
+          <a:p>
+            <a:pPr algn="l"/>
+            <a:r>
+              <a:rPr lang="pt-BR" err="1">
+                <a:latin typeface="Times New Roman"/>
+                <a:cs typeface="Times New Roman"/>
+              </a:rPr>
+              <a:t>Upscaling</a:t>
+            </a:r>
+            <a:endParaRPr lang="pt-BR">
+              <a:latin typeface="Times New Roman"/>
+              <a:cs typeface="Times New Roman"/>
+            </a:endParaRPr>
+          </a:p>
+        </p:txBody>
+      </p:sp>
+      <p:sp>
+        <p:nvSpPr>
+          <p:cNvPr id="16" name="CaixaDeTexto 15">
+            <a:extLst>
+              <a:ext uri="{FF2B5EF4-FFF2-40B4-BE49-F238E27FC236}">
+                <a16:creationId xmlns:a16="http://schemas.microsoft.com/office/drawing/2014/main" id="{39D65A4A-C5BA-9D1D-2213-066094A2AE3E}"/>
+              </a:ext>
+            </a:extLst>
+          </p:cNvPr>
+          <p:cNvSpPr txBox="1"/>
+          <p:nvPr/>
+        </p:nvSpPr>
+        <p:spPr>
+          <a:xfrm>
+            <a:off x="1939015" y="3286232"/>
+            <a:ext cx="1276350" cy="369332"/>
+          </a:xfrm>
+          <a:prstGeom prst="rect">
+            <a:avLst/>
+          </a:prstGeom>
+          <a:noFill/>
+        </p:spPr>
+        <p:txBody>
+          <a:bodyPr rot="0" spcFirstLastPara="0" vertOverflow="overflow" horzOverflow="overflow" vert="horz" wrap="square" lIns="91440" tIns="45720" rIns="91440" bIns="45720" numCol="1" spcCol="0" rtlCol="0" fromWordArt="0" anchor="t" anchorCtr="0" forceAA="0" compatLnSpc="1">
+            <a:prstTxWarp prst="textNoShape">
+              <a:avLst/>
+            </a:prstTxWarp>
+            <a:spAutoFit/>
+          </a:bodyPr>
+          <a:lstStyle/>
+          <a:p>
+            <a:pPr algn="l"/>
+            <a:r>
+              <a:rPr lang="pt-BR" err="1">
+                <a:latin typeface="Times New Roman"/>
+                <a:cs typeface="Calibri"/>
+              </a:rPr>
+              <a:t>Upscaling</a:t>
+            </a:r>
+            <a:endParaRPr lang="pt-BR">
+              <a:latin typeface="Times New Roman"/>
+              <a:cs typeface="Calibri"/>
+            </a:endParaRPr>
+          </a:p>
+        </p:txBody>
+      </p:sp>
+      <p:sp>
+        <p:nvSpPr>
+          <p:cNvPr id="18" name="CaixaDeTexto 17">
+            <a:extLst>
+              <a:ext uri="{FF2B5EF4-FFF2-40B4-BE49-F238E27FC236}">
+                <a16:creationId xmlns:a16="http://schemas.microsoft.com/office/drawing/2014/main" id="{4D6ABB73-4B71-9C68-1103-AE2FF3D2B616}"/>
+              </a:ext>
+            </a:extLst>
+          </p:cNvPr>
+          <p:cNvSpPr txBox="1"/>
+          <p:nvPr/>
+        </p:nvSpPr>
+        <p:spPr>
+          <a:xfrm>
+            <a:off x="1536988" y="3646025"/>
+            <a:ext cx="1765540" cy="369332"/>
+          </a:xfrm>
+          <a:prstGeom prst="rect">
+            <a:avLst/>
+          </a:prstGeom>
+          <a:noFill/>
+        </p:spPr>
+        <p:txBody>
+          <a:bodyPr rot="0" spcFirstLastPara="0" vertOverflow="overflow" horzOverflow="overflow" vert="horz" wrap="square" lIns="91440" tIns="45720" rIns="91440" bIns="45720" numCol="1" spcCol="0" rtlCol="0" fromWordArt="0" anchor="t" anchorCtr="0" forceAA="0" compatLnSpc="1">
+            <a:prstTxWarp prst="textNoShape">
+              <a:avLst/>
+            </a:prstTxWarp>
+            <a:spAutoFit/>
+          </a:bodyPr>
+          <a:lstStyle/>
+          <a:p>
+            <a:pPr marL="285750" indent="-285750">
+              <a:buFont typeface="Arial"/>
+              <a:buChar char="•"/>
+            </a:pPr>
+            <a:r>
+              <a:rPr lang="pt-BR" err="1">
+                <a:latin typeface="Times New Roman"/>
+                <a:cs typeface="Times New Roman"/>
+              </a:rPr>
+              <a:t>Low</a:t>
+            </a:r>
+            <a:r>
+              <a:rPr lang="pt-BR">
+                <a:latin typeface="Times New Roman"/>
+                <a:cs typeface="Times New Roman"/>
+              </a:rPr>
+              <a:t> </a:t>
+            </a:r>
+            <a:r>
+              <a:rPr lang="pt-BR" err="1">
+                <a:latin typeface="Times New Roman"/>
+                <a:cs typeface="Times New Roman"/>
+              </a:rPr>
+              <a:t>accuracy</a:t>
+            </a:r>
+            <a:endParaRPr lang="pt-BR">
+              <a:latin typeface="Times New Roman"/>
+              <a:cs typeface="Times New Roman"/>
+            </a:endParaRPr>
+          </a:p>
+        </p:txBody>
+      </p:sp>
+      <p:sp>
+        <p:nvSpPr>
+          <p:cNvPr id="19" name="CaixaDeTexto 18">
+            <a:extLst>
+              <a:ext uri="{FF2B5EF4-FFF2-40B4-BE49-F238E27FC236}">
+                <a16:creationId xmlns:a16="http://schemas.microsoft.com/office/drawing/2014/main" id="{96694120-7E46-BC68-7C40-8D1E44A5F026}"/>
+              </a:ext>
+            </a:extLst>
+          </p:cNvPr>
+          <p:cNvSpPr txBox="1"/>
+          <p:nvPr/>
+        </p:nvSpPr>
+        <p:spPr>
+          <a:xfrm>
+            <a:off x="7341079" y="3027872"/>
+            <a:ext cx="4799161" cy="646331"/>
+          </a:xfrm>
+          <a:prstGeom prst="rect">
+            <a:avLst/>
+          </a:prstGeom>
+          <a:noFill/>
+        </p:spPr>
+        <p:txBody>
+          <a:bodyPr rot="0" spcFirstLastPara="0" vertOverflow="overflow" horzOverflow="overflow" vert="horz" wrap="square" lIns="91440" tIns="45720" rIns="91440" bIns="45720" numCol="1" spcCol="0" rtlCol="0" fromWordArt="0" anchor="t" anchorCtr="0" forceAA="0" compatLnSpc="1">
+            <a:prstTxWarp prst="textNoShape">
+              <a:avLst/>
+            </a:prstTxWarp>
+            <a:spAutoFit/>
+          </a:bodyPr>
+          <a:lstStyle/>
+          <a:p>
+            <a:pPr marL="285750" indent="-285750" algn="ctr">
+              <a:buFont typeface="Arial"/>
+              <a:buChar char="•"/>
+            </a:pPr>
+            <a:r>
+              <a:rPr lang="en">
+                <a:latin typeface="Times New Roman"/>
+                <a:cs typeface="Times New Roman"/>
+              </a:rPr>
+              <a:t>Better accuracy over Upscaling (approximates the fine scale solution)</a:t>
+            </a:r>
+            <a:endParaRPr lang="pt-BR">
+              <a:cs typeface="Calibri" panose="020F0502020204030204"/>
+            </a:endParaRPr>
+          </a:p>
+        </p:txBody>
+      </p:sp>
+      <p:pic>
+        <p:nvPicPr>
+          <p:cNvPr id="24" name="Imagem 21" descr="Uma imagem contendo esporte, jogo esportivo&#10;&#10;Descrição gerada com alta confiança">
+            <a:extLst>
+              <a:ext uri="{FF2B5EF4-FFF2-40B4-BE49-F238E27FC236}">
+                <a16:creationId xmlns:a16="http://schemas.microsoft.com/office/drawing/2014/main" id="{79F55FC5-3389-EC6E-A36B-1B86B5F1C60A}"/>
+              </a:ext>
+            </a:extLst>
+          </p:cNvPr>
+          <p:cNvPicPr>
+            <a:picLocks noChangeAspect="1"/>
+          </p:cNvPicPr>
+          <p:nvPr/>
+        </p:nvPicPr>
+        <p:blipFill>
+          <a:blip r:embed="rId3"/>
+          <a:stretch>
+            <a:fillRect/>
+          </a:stretch>
+        </p:blipFill>
+        <p:spPr>
+          <a:xfrm>
+            <a:off x="8653192" y="1252654"/>
+            <a:ext cx="2095500" cy="1325900"/>
+          </a:xfrm>
+          <a:prstGeom prst="rect">
+            <a:avLst/>
+          </a:prstGeom>
+        </p:spPr>
+      </p:pic>
+    </p:spTree>
+    <p:extLst>
+      <p:ext uri="{BB962C8B-B14F-4D97-AF65-F5344CB8AC3E}">
+        <p14:creationId xmlns:p14="http://schemas.microsoft.com/office/powerpoint/2010/main" val="1576157330"/>
+      </p:ext>
+    </p:extLst>
+  </p:cSld>
+  <p:clrMapOvr>
+    <a:masterClrMapping/>
+  </p:clrMapOvr>
+</p:sld>
+</file>
+
+<file path=ppt/slides/slide6.xml><?xml version="1.0" encoding="utf-8"?>
+<p:sld xmlns:a="http://schemas.openxmlformats.org/drawingml/2006/main" xmlns:r="http://schemas.openxmlformats.org/officeDocument/2006/relationships" xmlns:p="http://schemas.openxmlformats.org/presentationml/2006/main">
+  <p:cSld>
+    <p:spTree>
+      <p:nvGrpSpPr>
+        <p:cNvPr id="1" name=""/>
+        <p:cNvGrpSpPr/>
+        <p:nvPr/>
+      </p:nvGrpSpPr>
+      <p:grpSpPr>
+        <a:xfrm>
+          <a:off x="0" y="0"/>
+          <a:ext cx="0" cy="0"/>
+          <a:chOff x="0" y="0"/>
+          <a:chExt cx="0" cy="0"/>
+        </a:xfrm>
+      </p:grpSpPr>
+      <p:sp>
+        <p:nvSpPr>
+          <p:cNvPr id="2" name="Título 1">
+            <a:extLst>
+              <a:ext uri="{FF2B5EF4-FFF2-40B4-BE49-F238E27FC236}">
+                <a16:creationId xmlns:a16="http://schemas.microsoft.com/office/drawing/2014/main" id="{78B16F1C-3D61-E91C-7991-2F082B3D871F}"/>
+              </a:ext>
+            </a:extLst>
+          </p:cNvPr>
+          <p:cNvSpPr>
+            <a:spLocks noGrp="1"/>
+          </p:cNvSpPr>
+          <p:nvPr>
+            <p:ph type="title"/>
+          </p:nvPr>
+        </p:nvSpPr>
+        <p:spPr/>
+        <p:txBody>
+          <a:bodyPr/>
+          <a:lstStyle/>
+          <a:p>
+            <a:r>
+              <a:rPr lang="pt-BR" dirty="0">
+                <a:latin typeface="Times New Roman" panose="02020603050405020304" pitchFamily="18" charset="0"/>
+                <a:cs typeface="Times New Roman" panose="02020603050405020304" pitchFamily="18" charset="0"/>
+              </a:rPr>
+              <a:t>Estratégias de mudança de escala</a:t>
+            </a:r>
+          </a:p>
+        </p:txBody>
+      </p:sp>
+      <p:sp>
+        <p:nvSpPr>
+          <p:cNvPr id="6" name="CaixaDeTexto 5">
+            <a:extLst>
+              <a:ext uri="{FF2B5EF4-FFF2-40B4-BE49-F238E27FC236}">
+                <a16:creationId xmlns:a16="http://schemas.microsoft.com/office/drawing/2014/main" id="{02925FDB-8DAE-3967-A408-BB96B164950B}"/>
+              </a:ext>
+            </a:extLst>
+          </p:cNvPr>
+          <p:cNvSpPr txBox="1"/>
+          <p:nvPr/>
+        </p:nvSpPr>
+        <p:spPr>
+          <a:xfrm>
+            <a:off x="3523399" y="3804653"/>
+            <a:ext cx="1224543" cy="369332"/>
+          </a:xfrm>
+          <a:prstGeom prst="rect">
+            <a:avLst/>
+          </a:prstGeom>
+          <a:noFill/>
+        </p:spPr>
+        <p:txBody>
+          <a:bodyPr rot="0" spcFirstLastPara="0" vertOverflow="overflow" horzOverflow="overflow" vert="horz" wrap="square" lIns="91440" tIns="45720" rIns="91440" bIns="45720" numCol="1" spcCol="0" rtlCol="0" fromWordArt="0" anchor="t" anchorCtr="0" forceAA="0" compatLnSpc="1">
+            <a:prstTxWarp prst="textNoShape">
+              <a:avLst/>
+            </a:prstTxWarp>
+            <a:spAutoFit/>
+          </a:bodyPr>
+          <a:lstStyle/>
+          <a:p>
+            <a:pPr algn="l"/>
+            <a:r>
+              <a:rPr lang="pt-BR" err="1">
+                <a:latin typeface="Times New Roman" panose="02020603050405020304" pitchFamily="18" charset="0"/>
+                <a:cs typeface="Times New Roman" panose="02020603050405020304" pitchFamily="18" charset="0"/>
+              </a:rPr>
+              <a:t>Restriction</a:t>
+            </a:r>
+          </a:p>
+        </p:txBody>
+      </p:sp>
+      <p:sp>
+        <p:nvSpPr>
+          <p:cNvPr id="7" name="CaixaDeTexto 6">
+            <a:extLst>
+              <a:ext uri="{FF2B5EF4-FFF2-40B4-BE49-F238E27FC236}">
+                <a16:creationId xmlns:a16="http://schemas.microsoft.com/office/drawing/2014/main" id="{A7C905C8-CA25-1DC7-0E38-218EE96DB1CA}"/>
+              </a:ext>
+            </a:extLst>
+          </p:cNvPr>
+          <p:cNvSpPr txBox="1"/>
+          <p:nvPr/>
+        </p:nvSpPr>
+        <p:spPr>
+          <a:xfrm>
+            <a:off x="3523399" y="4604753"/>
+            <a:ext cx="1224543" cy="369332"/>
+          </a:xfrm>
+          <a:prstGeom prst="rect">
+            <a:avLst/>
+          </a:prstGeom>
+          <a:noFill/>
+        </p:spPr>
+        <p:txBody>
+          <a:bodyPr rot="0" spcFirstLastPara="0" vertOverflow="overflow" horzOverflow="overflow" vert="horz" wrap="square" lIns="91440" tIns="45720" rIns="91440" bIns="45720" numCol="1" spcCol="0" rtlCol="0" fromWordArt="0" anchor="t" anchorCtr="0" forceAA="0" compatLnSpc="1">
+            <a:prstTxWarp prst="textNoShape">
+              <a:avLst/>
+            </a:prstTxWarp>
+            <a:spAutoFit/>
+          </a:bodyPr>
+          <a:lstStyle/>
+          <a:p>
+            <a:pPr algn="l"/>
+            <a:r>
+              <a:rPr lang="pt-BR" err="1">
+                <a:latin typeface="Times New Roman" panose="02020603050405020304" pitchFamily="18" charset="0"/>
+                <a:cs typeface="Times New Roman" panose="02020603050405020304" pitchFamily="18" charset="0"/>
+              </a:rPr>
+              <a:t>Restriction</a:t>
+            </a:r>
+          </a:p>
+        </p:txBody>
+      </p:sp>
+      <p:sp>
+        <p:nvSpPr>
+          <p:cNvPr id="8" name="CaixaDeTexto 7">
+            <a:extLst>
+              <a:ext uri="{FF2B5EF4-FFF2-40B4-BE49-F238E27FC236}">
+                <a16:creationId xmlns:a16="http://schemas.microsoft.com/office/drawing/2014/main" id="{1639CA9D-0F7D-2DF4-BA2F-D9EC0BA36DAD}"/>
+              </a:ext>
+            </a:extLst>
+          </p:cNvPr>
+          <p:cNvSpPr txBox="1"/>
+          <p:nvPr/>
+        </p:nvSpPr>
+        <p:spPr>
+          <a:xfrm>
+            <a:off x="7005367" y="3947528"/>
+            <a:ext cx="1647825" cy="369332"/>
+          </a:xfrm>
+          <a:prstGeom prst="rect">
+            <a:avLst/>
+          </a:prstGeom>
+          <a:noFill/>
+        </p:spPr>
+        <p:txBody>
+          <a:bodyPr rot="0" spcFirstLastPara="0" vertOverflow="overflow" horzOverflow="overflow" vert="horz" wrap="square" lIns="91440" tIns="45720" rIns="91440" bIns="45720" numCol="1" spcCol="0" rtlCol="0" fromWordArt="0" anchor="t" anchorCtr="0" forceAA="0" compatLnSpc="1">
+            <a:prstTxWarp prst="textNoShape">
+              <a:avLst/>
+            </a:prstTxWarp>
+            <a:spAutoFit/>
+          </a:bodyPr>
+          <a:lstStyle/>
+          <a:p>
+            <a:pPr algn="l"/>
+            <a:r>
+              <a:rPr lang="pt-BR" err="1">
+                <a:latin typeface="Times New Roman" panose="02020603050405020304" pitchFamily="18" charset="0"/>
+                <a:cs typeface="Times New Roman" panose="02020603050405020304" pitchFamily="18" charset="0"/>
+              </a:rPr>
+              <a:t>Prolongation</a:t>
+            </a:r>
+          </a:p>
+        </p:txBody>
+      </p:sp>
+      <p:sp>
+        <p:nvSpPr>
+          <p:cNvPr id="9" name="CaixaDeTexto 8">
+            <a:extLst>
+              <a:ext uri="{FF2B5EF4-FFF2-40B4-BE49-F238E27FC236}">
+                <a16:creationId xmlns:a16="http://schemas.microsoft.com/office/drawing/2014/main" id="{A4319CC4-2B44-B9B6-9E9C-05A3AECC0840}"/>
+              </a:ext>
+            </a:extLst>
+          </p:cNvPr>
+          <p:cNvSpPr txBox="1"/>
+          <p:nvPr/>
+        </p:nvSpPr>
+        <p:spPr>
+          <a:xfrm>
+            <a:off x="7005367" y="4823827"/>
+            <a:ext cx="1647825" cy="369332"/>
+          </a:xfrm>
+          <a:prstGeom prst="rect">
+            <a:avLst/>
+          </a:prstGeom>
+          <a:noFill/>
+        </p:spPr>
+        <p:txBody>
+          <a:bodyPr rot="0" spcFirstLastPara="0" vertOverflow="overflow" horzOverflow="overflow" vert="horz" wrap="square" lIns="91440" tIns="45720" rIns="91440" bIns="45720" numCol="1" spcCol="0" rtlCol="0" fromWordArt="0" anchor="t" anchorCtr="0" forceAA="0" compatLnSpc="1">
+            <a:prstTxWarp prst="textNoShape">
+              <a:avLst/>
+            </a:prstTxWarp>
+            <a:spAutoFit/>
+          </a:bodyPr>
+          <a:lstStyle/>
+          <a:p>
+            <a:pPr algn="l"/>
+            <a:r>
+              <a:rPr lang="pt-BR" err="1">
+                <a:latin typeface="Times New Roman" panose="02020603050405020304" pitchFamily="18" charset="0"/>
+                <a:cs typeface="Times New Roman" panose="02020603050405020304" pitchFamily="18" charset="0"/>
+              </a:rPr>
+              <a:t>Prolongation</a:t>
+            </a:r>
+          </a:p>
+        </p:txBody>
+      </p:sp>
+      <p:sp>
+        <p:nvSpPr>
+          <p:cNvPr id="10" name="CaixaDeTexto 9">
+            <a:extLst>
+              <a:ext uri="{FF2B5EF4-FFF2-40B4-BE49-F238E27FC236}">
+                <a16:creationId xmlns:a16="http://schemas.microsoft.com/office/drawing/2014/main" id="{34F8B2DD-B349-CAB4-3F53-6D45F3441F24}"/>
+              </a:ext>
+            </a:extLst>
+          </p:cNvPr>
+          <p:cNvSpPr txBox="1"/>
+          <p:nvPr/>
+        </p:nvSpPr>
+        <p:spPr>
+          <a:xfrm>
+            <a:off x="5290867" y="5623928"/>
+            <a:ext cx="1181100" cy="369332"/>
+          </a:xfrm>
+          <a:prstGeom prst="rect">
+            <a:avLst/>
+          </a:prstGeom>
+          <a:noFill/>
+        </p:spPr>
+        <p:txBody>
+          <a:bodyPr rot="0" spcFirstLastPara="0" vertOverflow="overflow" horzOverflow="overflow" vert="horz" wrap="square" lIns="91440" tIns="45720" rIns="91440" bIns="45720" numCol="1" spcCol="0" rtlCol="0" fromWordArt="0" anchor="t" anchorCtr="0" forceAA="0" compatLnSpc="1">
+            <a:prstTxWarp prst="textNoShape">
+              <a:avLst/>
+            </a:prstTxWarp>
+            <a:spAutoFit/>
+          </a:bodyPr>
+          <a:lstStyle/>
+          <a:p>
+            <a:pPr algn="l"/>
+            <a:r>
+              <a:rPr lang="pt-BR" err="1">
+                <a:latin typeface="Times New Roman" panose="02020603050405020304" pitchFamily="18" charset="0"/>
+                <a:cs typeface="Times New Roman" panose="02020603050405020304" pitchFamily="18" charset="0"/>
+              </a:rPr>
+              <a:t>Multilevel</a:t>
+            </a:r>
+          </a:p>
+        </p:txBody>
+      </p:sp>
+      <p:sp>
+        <p:nvSpPr>
+          <p:cNvPr id="11" name="CaixaDeTexto 10">
+            <a:extLst>
+              <a:ext uri="{FF2B5EF4-FFF2-40B4-BE49-F238E27FC236}">
+                <a16:creationId xmlns:a16="http://schemas.microsoft.com/office/drawing/2014/main" id="{8CED1240-51DA-61DB-019F-8FD1EF1D7792}"/>
+              </a:ext>
+            </a:extLst>
+          </p:cNvPr>
+          <p:cNvSpPr txBox="1"/>
+          <p:nvPr/>
+        </p:nvSpPr>
+        <p:spPr>
+          <a:xfrm>
+            <a:off x="7467214" y="1620329"/>
+            <a:ext cx="1243128" cy="369332"/>
+          </a:xfrm>
+          <a:prstGeom prst="rect">
+            <a:avLst/>
+          </a:prstGeom>
+          <a:noFill/>
+        </p:spPr>
+        <p:txBody>
+          <a:bodyPr rot="0" spcFirstLastPara="0" vertOverflow="overflow" horzOverflow="overflow" vert="horz" wrap="square" lIns="91440" tIns="45720" rIns="91440" bIns="45720" numCol="1" spcCol="0" rtlCol="0" fromWordArt="0" anchor="t" anchorCtr="0" forceAA="0" compatLnSpc="1">
+            <a:prstTxWarp prst="textNoShape">
+              <a:avLst/>
+            </a:prstTxWarp>
+            <a:spAutoFit/>
+          </a:bodyPr>
+          <a:lstStyle/>
+          <a:p>
+            <a:pPr algn="l"/>
+            <a:r>
+              <a:rPr lang="pt-BR" err="1">
+                <a:latin typeface="Times New Roman" panose="02020603050405020304" pitchFamily="18" charset="0"/>
+                <a:cs typeface="Times New Roman" panose="02020603050405020304" pitchFamily="18" charset="0"/>
+              </a:rPr>
+              <a:t>Restriction</a:t>
+            </a:r>
+            <a:endParaRPr lang="pt-BR">
+              <a:latin typeface="Times New Roman" panose="02020603050405020304" pitchFamily="18" charset="0"/>
+              <a:cs typeface="Times New Roman" panose="02020603050405020304" pitchFamily="18" charset="0"/>
+            </a:endParaRPr>
+          </a:p>
+        </p:txBody>
+      </p:sp>
+      <p:sp>
+        <p:nvSpPr>
+          <p:cNvPr id="12" name="CaixaDeTexto 11">
+            <a:extLst>
+              <a:ext uri="{FF2B5EF4-FFF2-40B4-BE49-F238E27FC236}">
+                <a16:creationId xmlns:a16="http://schemas.microsoft.com/office/drawing/2014/main" id="{AE91BD1C-9F3B-E56B-0B71-C25CD609D8E2}"/>
+              </a:ext>
+            </a:extLst>
+          </p:cNvPr>
+          <p:cNvSpPr txBox="1"/>
+          <p:nvPr/>
+        </p:nvSpPr>
+        <p:spPr>
+          <a:xfrm>
+            <a:off x="10734316" y="1782433"/>
+            <a:ext cx="1403410" cy="369332"/>
+          </a:xfrm>
+          <a:prstGeom prst="rect">
+            <a:avLst/>
+          </a:prstGeom>
+          <a:noFill/>
+        </p:spPr>
+        <p:txBody>
+          <a:bodyPr rot="0" spcFirstLastPara="0" vertOverflow="overflow" horzOverflow="overflow" vert="horz" wrap="square" lIns="91440" tIns="45720" rIns="91440" bIns="45720" numCol="1" spcCol="0" rtlCol="0" fromWordArt="0" anchor="t" anchorCtr="0" forceAA="0" compatLnSpc="1">
+            <a:prstTxWarp prst="textNoShape">
+              <a:avLst/>
+            </a:prstTxWarp>
+            <a:spAutoFit/>
+          </a:bodyPr>
+          <a:lstStyle/>
+          <a:p>
+            <a:pPr algn="l"/>
+            <a:r>
+              <a:rPr lang="pt-BR" err="1">
+                <a:latin typeface="Times New Roman" panose="02020603050405020304" pitchFamily="18" charset="0"/>
+                <a:cs typeface="Times New Roman" panose="02020603050405020304" pitchFamily="18" charset="0"/>
+              </a:rPr>
+              <a:t>Prolongation</a:t>
+            </a:r>
+            <a:endParaRPr lang="pt-BR">
+              <a:latin typeface="Times New Roman" panose="02020603050405020304" pitchFamily="18" charset="0"/>
+              <a:cs typeface="Times New Roman" panose="02020603050405020304" pitchFamily="18" charset="0"/>
+            </a:endParaRPr>
+          </a:p>
+        </p:txBody>
+      </p:sp>
+      <p:sp>
+        <p:nvSpPr>
+          <p:cNvPr id="13" name="CaixaDeTexto 12">
+            <a:extLst>
+              <a:ext uri="{FF2B5EF4-FFF2-40B4-BE49-F238E27FC236}">
+                <a16:creationId xmlns:a16="http://schemas.microsoft.com/office/drawing/2014/main" id="{5DDA2088-5C58-9131-B707-E54AA5E118CE}"/>
+              </a:ext>
+            </a:extLst>
+          </p:cNvPr>
+          <p:cNvSpPr txBox="1"/>
+          <p:nvPr/>
+        </p:nvSpPr>
+        <p:spPr>
+          <a:xfrm>
+            <a:off x="9014783" y="2668619"/>
+            <a:ext cx="1276350" cy="369332"/>
+          </a:xfrm>
+          <a:prstGeom prst="rect">
+            <a:avLst/>
+          </a:prstGeom>
+          <a:noFill/>
+        </p:spPr>
+        <p:txBody>
+          <a:bodyPr rot="0" spcFirstLastPara="0" vertOverflow="overflow" horzOverflow="overflow" vert="horz" wrap="square" lIns="91440" tIns="45720" rIns="91440" bIns="45720" numCol="1" spcCol="0" rtlCol="0" fromWordArt="0" anchor="t" anchorCtr="0" forceAA="0" compatLnSpc="1">
+            <a:prstTxWarp prst="textNoShape">
+              <a:avLst/>
+            </a:prstTxWarp>
+            <a:spAutoFit/>
+          </a:bodyPr>
+          <a:lstStyle/>
+          <a:p>
+            <a:pPr algn="l"/>
+            <a:r>
+              <a:rPr lang="pt-BR" err="1">
+                <a:latin typeface="Times New Roman" panose="02020603050405020304" pitchFamily="18" charset="0"/>
+                <a:cs typeface="Times New Roman" panose="02020603050405020304" pitchFamily="18" charset="0"/>
+              </a:rPr>
+              <a:t>Multiscale</a:t>
+            </a:r>
+          </a:p>
+        </p:txBody>
+      </p:sp>
+      <p:pic>
+        <p:nvPicPr>
+          <p:cNvPr id="14" name="Imagem 17">
+            <a:extLst>
+              <a:ext uri="{FF2B5EF4-FFF2-40B4-BE49-F238E27FC236}">
+                <a16:creationId xmlns:a16="http://schemas.microsoft.com/office/drawing/2014/main" id="{CA7D7784-3DC4-7FFF-EA70-EE83C1382E97}"/>
+              </a:ext>
+            </a:extLst>
+          </p:cNvPr>
+          <p:cNvPicPr>
+            <a:picLocks noChangeAspect="1"/>
+          </p:cNvPicPr>
+          <p:nvPr/>
+        </p:nvPicPr>
+        <p:blipFill>
+          <a:blip r:embed="rId2"/>
+          <a:stretch>
+            <a:fillRect/>
+          </a:stretch>
+        </p:blipFill>
+        <p:spPr>
+          <a:xfrm>
+            <a:off x="1538965" y="1745880"/>
+            <a:ext cx="2200275" cy="1537654"/>
+          </a:xfrm>
+          <a:prstGeom prst="rect">
+            <a:avLst/>
+          </a:prstGeom>
+        </p:spPr>
+      </p:pic>
+      <p:sp>
+        <p:nvSpPr>
+          <p:cNvPr id="15" name="CaixaDeTexto 14">
+            <a:extLst>
+              <a:ext uri="{FF2B5EF4-FFF2-40B4-BE49-F238E27FC236}">
+                <a16:creationId xmlns:a16="http://schemas.microsoft.com/office/drawing/2014/main" id="{74EDC8CE-E9B9-E7EC-4372-4E61F6565D4F}"/>
+              </a:ext>
+            </a:extLst>
+          </p:cNvPr>
+          <p:cNvSpPr txBox="1"/>
+          <p:nvPr/>
+        </p:nvSpPr>
+        <p:spPr>
+          <a:xfrm>
+            <a:off x="443590" y="2190857"/>
+            <a:ext cx="1133475" cy="369332"/>
+          </a:xfrm>
+          <a:prstGeom prst="rect">
+            <a:avLst/>
+          </a:prstGeom>
+          <a:noFill/>
+        </p:spPr>
+        <p:txBody>
+          <a:bodyPr rot="0" spcFirstLastPara="0" vertOverflow="overflow" horzOverflow="overflow" vert="horz" wrap="square" lIns="91440" tIns="45720" rIns="91440" bIns="45720" numCol="1" spcCol="0" rtlCol="0" fromWordArt="0" anchor="t" anchorCtr="0" forceAA="0" compatLnSpc="1">
+            <a:prstTxWarp prst="textNoShape">
+              <a:avLst/>
+            </a:prstTxWarp>
+            <a:spAutoFit/>
+          </a:bodyPr>
+          <a:lstStyle/>
+          <a:p>
+            <a:pPr algn="l"/>
+            <a:r>
+              <a:rPr lang="pt-BR" err="1">
+                <a:latin typeface="Times New Roman"/>
+                <a:cs typeface="Times New Roman"/>
+              </a:rPr>
+              <a:t>Upscaling</a:t>
+            </a:r>
+            <a:endParaRPr lang="pt-BR">
+              <a:latin typeface="Times New Roman"/>
+              <a:cs typeface="Times New Roman"/>
+            </a:endParaRPr>
+          </a:p>
+        </p:txBody>
+      </p:sp>
+      <p:sp>
+        <p:nvSpPr>
+          <p:cNvPr id="16" name="CaixaDeTexto 15">
+            <a:extLst>
+              <a:ext uri="{FF2B5EF4-FFF2-40B4-BE49-F238E27FC236}">
+                <a16:creationId xmlns:a16="http://schemas.microsoft.com/office/drawing/2014/main" id="{39D65A4A-C5BA-9D1D-2213-066094A2AE3E}"/>
+              </a:ext>
+            </a:extLst>
+          </p:cNvPr>
+          <p:cNvSpPr txBox="1"/>
+          <p:nvPr/>
+        </p:nvSpPr>
+        <p:spPr>
+          <a:xfrm>
+            <a:off x="1939015" y="3286232"/>
+            <a:ext cx="1276350" cy="369332"/>
+          </a:xfrm>
+          <a:prstGeom prst="rect">
+            <a:avLst/>
+          </a:prstGeom>
+          <a:noFill/>
+        </p:spPr>
+        <p:txBody>
+          <a:bodyPr rot="0" spcFirstLastPara="0" vertOverflow="overflow" horzOverflow="overflow" vert="horz" wrap="square" lIns="91440" tIns="45720" rIns="91440" bIns="45720" numCol="1" spcCol="0" rtlCol="0" fromWordArt="0" anchor="t" anchorCtr="0" forceAA="0" compatLnSpc="1">
+            <a:prstTxWarp prst="textNoShape">
+              <a:avLst/>
+            </a:prstTxWarp>
+            <a:spAutoFit/>
+          </a:bodyPr>
+          <a:lstStyle/>
+          <a:p>
+            <a:pPr algn="l"/>
+            <a:r>
+              <a:rPr lang="pt-BR" err="1">
+                <a:latin typeface="Times New Roman"/>
+                <a:cs typeface="Calibri"/>
+              </a:rPr>
+              <a:t>Upscaling</a:t>
+            </a:r>
+            <a:endParaRPr lang="pt-BR">
+              <a:latin typeface="Times New Roman"/>
+              <a:cs typeface="Calibri"/>
+            </a:endParaRPr>
+          </a:p>
+        </p:txBody>
+      </p:sp>
+      <p:pic>
+        <p:nvPicPr>
+          <p:cNvPr id="17" name="Imagem 23">
+            <a:extLst>
+              <a:ext uri="{FF2B5EF4-FFF2-40B4-BE49-F238E27FC236}">
+                <a16:creationId xmlns:a16="http://schemas.microsoft.com/office/drawing/2014/main" id="{52DF78B6-EF9E-6438-1597-8FA9A4610655}"/>
+              </a:ext>
+            </a:extLst>
+          </p:cNvPr>
+          <p:cNvPicPr>
+            <a:picLocks noChangeAspect="1"/>
+          </p:cNvPicPr>
+          <p:nvPr/>
+        </p:nvPicPr>
+        <p:blipFill>
+          <a:blip r:embed="rId3"/>
+          <a:stretch>
+            <a:fillRect/>
+          </a:stretch>
+        </p:blipFill>
+        <p:spPr>
+          <a:xfrm>
+            <a:off x="4671742" y="3338726"/>
+            <a:ext cx="2419350" cy="2246482"/>
+          </a:xfrm>
+          <a:prstGeom prst="rect">
+            <a:avLst/>
+          </a:prstGeom>
+        </p:spPr>
+      </p:pic>
+      <p:sp>
+        <p:nvSpPr>
+          <p:cNvPr id="18" name="CaixaDeTexto 17">
+            <a:extLst>
+              <a:ext uri="{FF2B5EF4-FFF2-40B4-BE49-F238E27FC236}">
+                <a16:creationId xmlns:a16="http://schemas.microsoft.com/office/drawing/2014/main" id="{4D6ABB73-4B71-9C68-1103-AE2FF3D2B616}"/>
+              </a:ext>
+            </a:extLst>
+          </p:cNvPr>
+          <p:cNvSpPr txBox="1"/>
+          <p:nvPr/>
+        </p:nvSpPr>
+        <p:spPr>
+          <a:xfrm>
+            <a:off x="1536988" y="3646025"/>
+            <a:ext cx="1765540" cy="369332"/>
+          </a:xfrm>
+          <a:prstGeom prst="rect">
+            <a:avLst/>
+          </a:prstGeom>
+          <a:noFill/>
+        </p:spPr>
+        <p:txBody>
+          <a:bodyPr rot="0" spcFirstLastPara="0" vertOverflow="overflow" horzOverflow="overflow" vert="horz" wrap="square" lIns="91440" tIns="45720" rIns="91440" bIns="45720" numCol="1" spcCol="0" rtlCol="0" fromWordArt="0" anchor="t" anchorCtr="0" forceAA="0" compatLnSpc="1">
+            <a:prstTxWarp prst="textNoShape">
+              <a:avLst/>
+            </a:prstTxWarp>
+            <a:spAutoFit/>
+          </a:bodyPr>
+          <a:lstStyle/>
+          <a:p>
+            <a:pPr marL="285750" indent="-285750">
+              <a:buFont typeface="Arial"/>
+              <a:buChar char="•"/>
+            </a:pPr>
+            <a:r>
+              <a:rPr lang="pt-BR" err="1">
+                <a:latin typeface="Times New Roman"/>
+                <a:cs typeface="Times New Roman"/>
+              </a:rPr>
+              <a:t>Low</a:t>
+            </a:r>
+            <a:r>
+              <a:rPr lang="pt-BR">
+                <a:latin typeface="Times New Roman"/>
+                <a:cs typeface="Times New Roman"/>
+              </a:rPr>
+              <a:t> </a:t>
+            </a:r>
+            <a:r>
+              <a:rPr lang="pt-BR" err="1">
+                <a:latin typeface="Times New Roman"/>
+                <a:cs typeface="Times New Roman"/>
+              </a:rPr>
+              <a:t>accuracy</a:t>
+            </a:r>
+            <a:endParaRPr lang="pt-BR">
+              <a:latin typeface="Times New Roman"/>
+              <a:cs typeface="Times New Roman"/>
+            </a:endParaRPr>
+          </a:p>
+        </p:txBody>
+      </p:sp>
+      <p:sp>
+        <p:nvSpPr>
+          <p:cNvPr id="19" name="CaixaDeTexto 18">
+            <a:extLst>
+              <a:ext uri="{FF2B5EF4-FFF2-40B4-BE49-F238E27FC236}">
+                <a16:creationId xmlns:a16="http://schemas.microsoft.com/office/drawing/2014/main" id="{96694120-7E46-BC68-7C40-8D1E44A5F026}"/>
+              </a:ext>
+            </a:extLst>
+          </p:cNvPr>
+          <p:cNvSpPr txBox="1"/>
+          <p:nvPr/>
+        </p:nvSpPr>
+        <p:spPr>
+          <a:xfrm>
+            <a:off x="7341079" y="3027872"/>
+            <a:ext cx="4799161" cy="646331"/>
+          </a:xfrm>
+          <a:prstGeom prst="rect">
+            <a:avLst/>
+          </a:prstGeom>
+          <a:noFill/>
+        </p:spPr>
+        <p:txBody>
+          <a:bodyPr rot="0" spcFirstLastPara="0" vertOverflow="overflow" horzOverflow="overflow" vert="horz" wrap="square" lIns="91440" tIns="45720" rIns="91440" bIns="45720" numCol="1" spcCol="0" rtlCol="0" fromWordArt="0" anchor="t" anchorCtr="0" forceAA="0" compatLnSpc="1">
+            <a:prstTxWarp prst="textNoShape">
+              <a:avLst/>
+            </a:prstTxWarp>
+            <a:spAutoFit/>
+          </a:bodyPr>
+          <a:lstStyle/>
+          <a:p>
+            <a:pPr marL="285750" indent="-285750" algn="ctr">
+              <a:buFont typeface="Arial"/>
+              <a:buChar char="•"/>
+            </a:pPr>
+            <a:r>
+              <a:rPr lang="en">
+                <a:latin typeface="Times New Roman"/>
+                <a:cs typeface="Times New Roman"/>
+              </a:rPr>
+              <a:t>Better accuracy over Upscaling (approximates the fine scale solution)</a:t>
+            </a:r>
+            <a:endParaRPr lang="pt-BR">
+              <a:cs typeface="Calibri" panose="020F0502020204030204"/>
+            </a:endParaRPr>
+          </a:p>
+        </p:txBody>
+      </p:sp>
+      <p:sp>
+        <p:nvSpPr>
+          <p:cNvPr id="20" name="CaixaDeTexto 19">
+            <a:extLst>
+              <a:ext uri="{FF2B5EF4-FFF2-40B4-BE49-F238E27FC236}">
+                <a16:creationId xmlns:a16="http://schemas.microsoft.com/office/drawing/2014/main" id="{4E5D75B6-E202-F39A-01B1-EA323B96B55F}"/>
+              </a:ext>
+            </a:extLst>
+          </p:cNvPr>
+          <p:cNvSpPr txBox="1"/>
+          <p:nvPr/>
+        </p:nvSpPr>
+        <p:spPr>
+          <a:xfrm>
+            <a:off x="4177879" y="6023798"/>
+            <a:ext cx="3720859" cy="646331"/>
+          </a:xfrm>
+          <a:prstGeom prst="rect">
+            <a:avLst/>
+          </a:prstGeom>
+          <a:noFill/>
+        </p:spPr>
+        <p:txBody>
+          <a:bodyPr rot="0" spcFirstLastPara="0" vertOverflow="overflow" horzOverflow="overflow" vert="horz" wrap="square" lIns="91440" tIns="45720" rIns="91440" bIns="45720" numCol="1" spcCol="0" rtlCol="0" fromWordArt="0" anchor="t" anchorCtr="0" forceAA="0" compatLnSpc="1">
+            <a:prstTxWarp prst="textNoShape">
+              <a:avLst/>
+            </a:prstTxWarp>
+            <a:spAutoFit/>
+          </a:bodyPr>
+          <a:lstStyle/>
+          <a:p>
+            <a:pPr marL="285750" indent="-285750">
+              <a:buFont typeface="Arial"/>
+              <a:buChar char="•"/>
+            </a:pPr>
+            <a:r>
+              <a:rPr lang="en">
+                <a:latin typeface="Times New Roman"/>
+                <a:cs typeface="Times New Roman"/>
+              </a:rPr>
+              <a:t>Better accuracy in certain regions</a:t>
+            </a:r>
+            <a:endParaRPr lang="pt-BR"/>
+          </a:p>
+          <a:p>
+            <a:pPr marL="285750" indent="-285750">
+              <a:buFont typeface="Arial"/>
+              <a:buChar char="•"/>
+            </a:pPr>
+            <a:r>
+              <a:rPr lang="en">
+                <a:latin typeface="Times New Roman"/>
+                <a:cs typeface="Times New Roman"/>
+              </a:rPr>
+              <a:t>Allows multiple levels</a:t>
+            </a:r>
+            <a:endParaRPr lang="en">
+              <a:cs typeface="Calibri" panose="020F0502020204030204"/>
+            </a:endParaRPr>
+          </a:p>
+        </p:txBody>
+      </p:sp>
+      <p:pic>
+        <p:nvPicPr>
+          <p:cNvPr id="24" name="Imagem 21" descr="Uma imagem contendo esporte, jogo esportivo&#10;&#10;Descrição gerada com alta confiança">
+            <a:extLst>
+              <a:ext uri="{FF2B5EF4-FFF2-40B4-BE49-F238E27FC236}">
+                <a16:creationId xmlns:a16="http://schemas.microsoft.com/office/drawing/2014/main" id="{79F55FC5-3389-EC6E-A36B-1B86B5F1C60A}"/>
+              </a:ext>
+            </a:extLst>
+          </p:cNvPr>
+          <p:cNvPicPr>
+            <a:picLocks noChangeAspect="1"/>
+          </p:cNvPicPr>
+          <p:nvPr/>
+        </p:nvPicPr>
+        <p:blipFill>
+          <a:blip r:embed="rId4"/>
+          <a:stretch>
+            <a:fillRect/>
+          </a:stretch>
+        </p:blipFill>
+        <p:spPr>
+          <a:xfrm>
+            <a:off x="8653192" y="1252654"/>
+            <a:ext cx="2095500" cy="1325900"/>
+          </a:xfrm>
+          <a:prstGeom prst="rect">
+            <a:avLst/>
+          </a:prstGeom>
+        </p:spPr>
+      </p:pic>
+    </p:spTree>
+    <p:extLst>
+      <p:ext uri="{BB962C8B-B14F-4D97-AF65-F5344CB8AC3E}">
+        <p14:creationId xmlns:p14="http://schemas.microsoft.com/office/powerpoint/2010/main" val="3176676492"/>
+      </p:ext>
+    </p:extLst>
+  </p:cSld>
+  <p:clrMapOvr>
+    <a:masterClrMapping/>
+  </p:clrMapOvr>
+</p:sld>
+</file>
+
+<file path=ppt/slides/slide7.xml><?xml version="1.0" encoding="utf-8"?>
+<p:sld xmlns:a="http://schemas.openxmlformats.org/drawingml/2006/main" xmlns:r="http://schemas.openxmlformats.org/officeDocument/2006/relationships" xmlns:p="http://schemas.openxmlformats.org/presentationml/2006/main">
+  <p:cSld>
+    <p:spTree>
+      <p:nvGrpSpPr>
+        <p:cNvPr id="1" name=""/>
+        <p:cNvGrpSpPr/>
+        <p:nvPr/>
+      </p:nvGrpSpPr>
+      <p:grpSpPr>
+        <a:xfrm>
+          <a:off x="0" y="0"/>
+          <a:ext cx="0" cy="0"/>
+          <a:chOff x="0" y="0"/>
+          <a:chExt cx="0" cy="0"/>
+        </a:xfrm>
+      </p:grpSpPr>
+      <p:sp>
+        <p:nvSpPr>
+          <p:cNvPr id="2" name="Title 1">
+            <a:extLst>
+              <a:ext uri="{FF2B5EF4-FFF2-40B4-BE49-F238E27FC236}">
+                <a16:creationId xmlns:a16="http://schemas.microsoft.com/office/drawing/2014/main" id="{82EC1BE0-6A15-4086-BA75-A4489A71F129}"/>
+              </a:ext>
+            </a:extLst>
+          </p:cNvPr>
+          <p:cNvSpPr>
+            <a:spLocks noGrp="1"/>
+          </p:cNvSpPr>
+          <p:nvPr>
+            <p:ph type="title"/>
+          </p:nvPr>
+        </p:nvSpPr>
+        <p:spPr>
+          <a:xfrm>
+            <a:off x="838200" y="325368"/>
+            <a:ext cx="10515600" cy="1325563"/>
+          </a:xfrm>
+        </p:spPr>
+        <p:txBody>
+          <a:bodyPr/>
+          <a:lstStyle/>
+          <a:p>
+            <a:r>
+              <a:rPr lang="en-US" dirty="0" err="1">
+                <a:latin typeface="Times New Roman" panose="02020603050405020304" pitchFamily="18" charset="0"/>
+                <a:cs typeface="Times New Roman" panose="02020603050405020304" pitchFamily="18" charset="0"/>
+              </a:rPr>
+              <a:t>Método</a:t>
+            </a:r>
+            <a:r>
+              <a:rPr lang="en-US" dirty="0">
+                <a:latin typeface="Times New Roman" panose="02020603050405020304" pitchFamily="18" charset="0"/>
+                <a:cs typeface="Times New Roman" panose="02020603050405020304" pitchFamily="18" charset="0"/>
+              </a:rPr>
+              <a:t> </a:t>
+            </a:r>
+            <a:r>
+              <a:rPr lang="en-US" dirty="0" err="1">
+                <a:latin typeface="Times New Roman" panose="02020603050405020304" pitchFamily="18" charset="0"/>
+                <a:cs typeface="Times New Roman" panose="02020603050405020304" pitchFamily="18" charset="0"/>
+              </a:rPr>
+              <a:t>Multiescala</a:t>
+            </a:r>
+            <a:r>
+              <a:rPr lang="en-US" dirty="0">
+                <a:latin typeface="Times New Roman" panose="02020603050405020304" pitchFamily="18" charset="0"/>
+                <a:cs typeface="Times New Roman" panose="02020603050405020304" pitchFamily="18" charset="0"/>
+              </a:rPr>
+              <a:t>/ADM/NU-ADM</a:t>
+            </a:r>
+            <a:endParaRPr lang="en-US" dirty="0"/>
+          </a:p>
+        </p:txBody>
+      </p:sp>
+      <p:pic>
+        <p:nvPicPr>
+          <p:cNvPr id="14" name="Imagem 22">
+            <a:extLst>
+              <a:ext uri="{FF2B5EF4-FFF2-40B4-BE49-F238E27FC236}">
+                <a16:creationId xmlns:a16="http://schemas.microsoft.com/office/drawing/2014/main" id="{B0958182-BEF3-2301-E31F-795A59960E9A}"/>
+              </a:ext>
+            </a:extLst>
+          </p:cNvPr>
+          <p:cNvPicPr>
+            <a:picLocks noChangeAspect="1"/>
+          </p:cNvPicPr>
+          <p:nvPr/>
+        </p:nvPicPr>
+        <p:blipFill>
+          <a:blip r:embed="rId2"/>
+          <a:stretch>
+            <a:fillRect/>
+          </a:stretch>
+        </p:blipFill>
+        <p:spPr>
+          <a:xfrm>
+            <a:off x="4116888" y="2144593"/>
+            <a:ext cx="1445986" cy="358432"/>
+          </a:xfrm>
+          <a:prstGeom prst="rect">
+            <a:avLst/>
+          </a:prstGeom>
+        </p:spPr>
+      </p:pic>
+      <p:sp>
+        <p:nvSpPr>
+          <p:cNvPr id="16" name="Espaço Reservado para Conteúdo 4">
+            <a:extLst>
+              <a:ext uri="{FF2B5EF4-FFF2-40B4-BE49-F238E27FC236}">
+                <a16:creationId xmlns:a16="http://schemas.microsoft.com/office/drawing/2014/main" id="{13E8B07D-E4C8-463E-8271-64714547B4C2}"/>
+              </a:ext>
+            </a:extLst>
+          </p:cNvPr>
+          <p:cNvSpPr txBox="1">
+            <a:spLocks/>
+          </p:cNvSpPr>
+          <p:nvPr/>
+        </p:nvSpPr>
+        <p:spPr>
+          <a:xfrm>
+            <a:off x="2437058" y="1579176"/>
+            <a:ext cx="4937185" cy="483829"/>
+          </a:xfrm>
+          <a:prstGeom prst="rect">
+            <a:avLst/>
+          </a:prstGeom>
+        </p:spPr>
+        <p:txBody>
+          <a:bodyPr vert="horz" lIns="91440" tIns="45720" rIns="91440" bIns="45720" rtlCol="0" anchor="t">
+            <a:normAutofit fontScale="92500"/>
+          </a:bodyPr>
+          <a:lstStyle>
+            <a:lvl1pPr marL="228600" indent="-228600" algn="l" defTabSz="914400" rtl="0" eaLnBrk="1" latinLnBrk="0" hangingPunct="1">
+              <a:lnSpc>
+                <a:spcPct val="90000"/>
+              </a:lnSpc>
+              <a:spcBef>
+                <a:spcPts val="1000"/>
+              </a:spcBef>
+              <a:buFont typeface="Arial" panose="020B0604020202020204" pitchFamily="34" charset="0"/>
+              <a:buChar char="•"/>
+              <a:defRPr sz="2800" kern="1200">
+                <a:solidFill>
+                  <a:schemeClr val="tx1"/>
+                </a:solidFill>
+                <a:latin typeface="+mn-lt"/>
+                <a:ea typeface="+mn-ea"/>
+                <a:cs typeface="+mn-cs"/>
+              </a:defRPr>
+            </a:lvl1pPr>
+            <a:lvl2pPr marL="685800" indent="-228600" algn="l" defTabSz="914400" rtl="0" eaLnBrk="1" latinLnBrk="0" hangingPunct="1">
+              <a:lnSpc>
+                <a:spcPct val="90000"/>
+              </a:lnSpc>
+              <a:spcBef>
+                <a:spcPts val="500"/>
+              </a:spcBef>
+              <a:buFont typeface="Arial" panose="020B0604020202020204" pitchFamily="34" charset="0"/>
+              <a:buChar char="•"/>
+              <a:defRPr sz="2400" kern="1200">
+                <a:solidFill>
+                  <a:schemeClr val="tx1"/>
+                </a:solidFill>
+                <a:latin typeface="+mn-lt"/>
+                <a:ea typeface="+mn-ea"/>
+                <a:cs typeface="+mn-cs"/>
+              </a:defRPr>
+            </a:lvl2pPr>
+            <a:lvl3pPr marL="1143000" indent="-228600" algn="l" defTabSz="914400" rtl="0" eaLnBrk="1" latinLnBrk="0" hangingPunct="1">
+              <a:lnSpc>
+                <a:spcPct val="90000"/>
+              </a:lnSpc>
+              <a:spcBef>
+                <a:spcPts val="500"/>
+              </a:spcBef>
+              <a:buFont typeface="Arial" panose="020B0604020202020204" pitchFamily="34" charset="0"/>
+              <a:buChar char="•"/>
+              <a:defRPr sz="2000" kern="1200">
+                <a:solidFill>
+                  <a:schemeClr val="tx1"/>
+                </a:solidFill>
+                <a:latin typeface="+mn-lt"/>
+                <a:ea typeface="+mn-ea"/>
+                <a:cs typeface="+mn-cs"/>
+              </a:defRPr>
+            </a:lvl3pPr>
+            <a:lvl4pPr marL="1600200" indent="-228600" algn="l" defTabSz="914400" rtl="0" eaLnBrk="1" latinLnBrk="0" hangingPunct="1">
+              <a:lnSpc>
+                <a:spcPct val="90000"/>
+              </a:lnSpc>
+              <a:spcBef>
+                <a:spcPts val="500"/>
+              </a:spcBef>
+              <a:buFont typeface="Arial" panose="020B0604020202020204" pitchFamily="34" charset="0"/>
+              <a:buChar char="•"/>
+              <a:defRPr sz="1800" kern="1200">
+                <a:solidFill>
+                  <a:schemeClr val="tx1"/>
+                </a:solidFill>
+                <a:latin typeface="+mn-lt"/>
+                <a:ea typeface="+mn-ea"/>
+                <a:cs typeface="+mn-cs"/>
+              </a:defRPr>
+            </a:lvl4pPr>
+            <a:lvl5pPr marL="2057400" indent="-228600" algn="l" defTabSz="914400" rtl="0" eaLnBrk="1" latinLnBrk="0" hangingPunct="1">
+              <a:lnSpc>
+                <a:spcPct val="90000"/>
+              </a:lnSpc>
+              <a:spcBef>
+                <a:spcPts val="500"/>
+              </a:spcBef>
+              <a:buFont typeface="Arial" panose="020B0604020202020204" pitchFamily="34" charset="0"/>
+              <a:buChar char="•"/>
+              <a:defRPr sz="1800" kern="1200">
+                <a:solidFill>
+                  <a:schemeClr val="tx1"/>
+                </a:solidFill>
+                <a:latin typeface="+mn-lt"/>
+                <a:ea typeface="+mn-ea"/>
+                <a:cs typeface="+mn-cs"/>
+              </a:defRPr>
+            </a:lvl5pPr>
+            <a:lvl6pPr marL="2514600" indent="-228600" algn="l" defTabSz="914400" rtl="0" eaLnBrk="1" latinLnBrk="0" hangingPunct="1">
+              <a:lnSpc>
+                <a:spcPct val="90000"/>
+              </a:lnSpc>
+              <a:spcBef>
+                <a:spcPts val="500"/>
+              </a:spcBef>
+              <a:buFont typeface="Arial" panose="020B0604020202020204" pitchFamily="34" charset="0"/>
+              <a:buChar char="•"/>
+              <a:defRPr sz="1800" kern="1200">
+                <a:solidFill>
+                  <a:schemeClr val="tx1"/>
+                </a:solidFill>
+                <a:latin typeface="+mn-lt"/>
+                <a:ea typeface="+mn-ea"/>
+                <a:cs typeface="+mn-cs"/>
+              </a:defRPr>
+            </a:lvl6pPr>
+            <a:lvl7pPr marL="2971800" indent="-228600" algn="l" defTabSz="914400" rtl="0" eaLnBrk="1" latinLnBrk="0" hangingPunct="1">
+              <a:lnSpc>
+                <a:spcPct val="90000"/>
+              </a:lnSpc>
+              <a:spcBef>
+                <a:spcPts val="500"/>
+              </a:spcBef>
+              <a:buFont typeface="Arial" panose="020B0604020202020204" pitchFamily="34" charset="0"/>
+              <a:buChar char="•"/>
+              <a:defRPr sz="1800" kern="1200">
+                <a:solidFill>
+                  <a:schemeClr val="tx1"/>
+                </a:solidFill>
+                <a:latin typeface="+mn-lt"/>
+                <a:ea typeface="+mn-ea"/>
+                <a:cs typeface="+mn-cs"/>
+              </a:defRPr>
+            </a:lvl7pPr>
+            <a:lvl8pPr marL="3429000" indent="-228600" algn="l" defTabSz="914400" rtl="0" eaLnBrk="1" latinLnBrk="0" hangingPunct="1">
+              <a:lnSpc>
+                <a:spcPct val="90000"/>
+              </a:lnSpc>
+              <a:spcBef>
+                <a:spcPts val="500"/>
+              </a:spcBef>
+              <a:buFont typeface="Arial" panose="020B0604020202020204" pitchFamily="34" charset="0"/>
+              <a:buChar char="•"/>
+              <a:defRPr sz="1800" kern="1200">
+                <a:solidFill>
+                  <a:schemeClr val="tx1"/>
+                </a:solidFill>
+                <a:latin typeface="+mn-lt"/>
+                <a:ea typeface="+mn-ea"/>
+                <a:cs typeface="+mn-cs"/>
+              </a:defRPr>
+            </a:lvl8pPr>
+            <a:lvl9pPr marL="3886200" indent="-228600" algn="l" defTabSz="914400" rtl="0" eaLnBrk="1" latinLnBrk="0" hangingPunct="1">
+              <a:lnSpc>
+                <a:spcPct val="90000"/>
+              </a:lnSpc>
+              <a:spcBef>
+                <a:spcPts val="500"/>
+              </a:spcBef>
+              <a:buFont typeface="Arial" panose="020B0604020202020204" pitchFamily="34" charset="0"/>
+              <a:buChar char="•"/>
+              <a:defRPr sz="1800" kern="1200">
+                <a:solidFill>
+                  <a:schemeClr val="tx1"/>
+                </a:solidFill>
+                <a:latin typeface="+mn-lt"/>
+                <a:ea typeface="+mn-ea"/>
+                <a:cs typeface="+mn-cs"/>
+              </a:defRPr>
+            </a:lvl9pPr>
+          </a:lstStyle>
+          <a:p>
+            <a:pPr marL="0" indent="0">
+              <a:buFont typeface="Arial" panose="020B0604020202020204" pitchFamily="34" charset="0"/>
+              <a:buNone/>
+            </a:pPr>
+            <a:r>
+              <a:rPr lang="pt-BR" dirty="0">
+                <a:latin typeface="Times New Roman"/>
+                <a:cs typeface="Calibri" panose="020F0502020204030204"/>
+              </a:rPr>
+              <a:t>Sistema de equações da malha fina</a:t>
+            </a:r>
+          </a:p>
+        </p:txBody>
+      </p:sp>
+    </p:spTree>
+    <p:extLst>
+      <p:ext uri="{BB962C8B-B14F-4D97-AF65-F5344CB8AC3E}">
+        <p14:creationId xmlns:p14="http://schemas.microsoft.com/office/powerpoint/2010/main" val="3024136076"/>
+      </p:ext>
+    </p:extLst>
+  </p:cSld>
+  <p:clrMapOvr>
+    <a:masterClrMapping/>
+  </p:clrMapOvr>
+</p:sld>
+</file>
+
+<file path=ppt/slides/slide8.xml><?xml version="1.0" encoding="utf-8"?>
+<p:sld xmlns:a="http://schemas.openxmlformats.org/drawingml/2006/main" xmlns:r="http://schemas.openxmlformats.org/officeDocument/2006/relationships" xmlns:p="http://schemas.openxmlformats.org/presentationml/2006/main">
+  <p:cSld>
+    <p:spTree>
+      <p:nvGrpSpPr>
+        <p:cNvPr id="1" name=""/>
+        <p:cNvGrpSpPr/>
+        <p:nvPr/>
+      </p:nvGrpSpPr>
+      <p:grpSpPr>
+        <a:xfrm>
+          <a:off x="0" y="0"/>
+          <a:ext cx="0" cy="0"/>
+          <a:chOff x="0" y="0"/>
+          <a:chExt cx="0" cy="0"/>
+        </a:xfrm>
+      </p:grpSpPr>
+      <p:sp>
+        <p:nvSpPr>
+          <p:cNvPr id="2" name="Title 1">
+            <a:extLst>
+              <a:ext uri="{FF2B5EF4-FFF2-40B4-BE49-F238E27FC236}">
+                <a16:creationId xmlns:a16="http://schemas.microsoft.com/office/drawing/2014/main" id="{82EC1BE0-6A15-4086-BA75-A4489A71F129}"/>
+              </a:ext>
+            </a:extLst>
+          </p:cNvPr>
+          <p:cNvSpPr>
+            <a:spLocks noGrp="1"/>
+          </p:cNvSpPr>
+          <p:nvPr>
+            <p:ph type="title"/>
+          </p:nvPr>
+        </p:nvSpPr>
+        <p:spPr>
+          <a:xfrm>
+            <a:off x="838200" y="325368"/>
+            <a:ext cx="10515600" cy="1325563"/>
+          </a:xfrm>
+        </p:spPr>
+        <p:txBody>
+          <a:bodyPr/>
+          <a:lstStyle/>
+          <a:p>
+            <a:r>
+              <a:rPr lang="en-US" dirty="0" err="1">
+                <a:latin typeface="Times New Roman" panose="02020603050405020304" pitchFamily="18" charset="0"/>
+                <a:cs typeface="Times New Roman" panose="02020603050405020304" pitchFamily="18" charset="0"/>
+              </a:rPr>
+              <a:t>Método</a:t>
+            </a:r>
+            <a:r>
+              <a:rPr lang="en-US" dirty="0">
+                <a:latin typeface="Times New Roman" panose="02020603050405020304" pitchFamily="18" charset="0"/>
+                <a:cs typeface="Times New Roman" panose="02020603050405020304" pitchFamily="18" charset="0"/>
+              </a:rPr>
+              <a:t> </a:t>
+            </a:r>
+            <a:r>
+              <a:rPr lang="en-US" dirty="0" err="1">
+                <a:latin typeface="Times New Roman" panose="02020603050405020304" pitchFamily="18" charset="0"/>
+                <a:cs typeface="Times New Roman" panose="02020603050405020304" pitchFamily="18" charset="0"/>
+              </a:rPr>
+              <a:t>Multiescala</a:t>
+            </a:r>
+            <a:r>
+              <a:rPr lang="en-US" dirty="0">
+                <a:latin typeface="Times New Roman" panose="02020603050405020304" pitchFamily="18" charset="0"/>
+                <a:cs typeface="Times New Roman" panose="02020603050405020304" pitchFamily="18" charset="0"/>
+              </a:rPr>
+              <a:t>/ADM/NU-ADM</a:t>
+            </a:r>
+            <a:endParaRPr lang="en-US" dirty="0"/>
+          </a:p>
+        </p:txBody>
+      </p:sp>
+      <p:sp>
+        <p:nvSpPr>
+          <p:cNvPr id="4" name="Espaço Reservado para Conteúdo 4">
+            <a:extLst>
+              <a:ext uri="{FF2B5EF4-FFF2-40B4-BE49-F238E27FC236}">
+                <a16:creationId xmlns:a16="http://schemas.microsoft.com/office/drawing/2014/main" id="{D16742DF-69E6-49CD-87D6-DEE3B56CB7A8}"/>
+              </a:ext>
+            </a:extLst>
+          </p:cNvPr>
+          <p:cNvSpPr>
+            <a:spLocks noGrp="1"/>
+          </p:cNvSpPr>
+          <p:nvPr>
+            <p:ph idx="1"/>
+          </p:nvPr>
+        </p:nvSpPr>
+        <p:spPr>
+          <a:xfrm>
+            <a:off x="838200" y="2662824"/>
+            <a:ext cx="4937185" cy="483829"/>
+          </a:xfrm>
+        </p:spPr>
+        <p:txBody>
+          <a:bodyPr vert="horz" lIns="91440" tIns="45720" rIns="91440" bIns="45720" rtlCol="0" anchor="t">
+            <a:normAutofit/>
+          </a:bodyPr>
+          <a:lstStyle/>
+          <a:p>
+            <a:pPr marL="0" indent="0">
+              <a:buNone/>
+            </a:pPr>
+            <a:r>
+              <a:rPr lang="pt-BR" dirty="0">
+                <a:latin typeface="Times New Roman"/>
+                <a:cs typeface="Calibri" panose="020F0502020204030204"/>
+              </a:rPr>
+              <a:t>Solução </a:t>
+            </a:r>
+            <a:r>
+              <a:rPr lang="pt-BR" dirty="0" err="1">
+                <a:latin typeface="Times New Roman"/>
+                <a:cs typeface="Calibri" panose="020F0502020204030204"/>
+              </a:rPr>
+              <a:t>Multiescala</a:t>
+            </a:r>
+            <a:endParaRPr lang="pt-BR" dirty="0">
+              <a:latin typeface="Times New Roman"/>
+              <a:cs typeface="Calibri" panose="020F0502020204030204"/>
+            </a:endParaRPr>
+          </a:p>
+        </p:txBody>
+      </p:sp>
+      <p:sp>
+        <p:nvSpPr>
+          <p:cNvPr id="10" name="TextBox 9">
+            <a:extLst>
+              <a:ext uri="{FF2B5EF4-FFF2-40B4-BE49-F238E27FC236}">
+                <a16:creationId xmlns:a16="http://schemas.microsoft.com/office/drawing/2014/main" id="{50FC5AFD-279F-4A9C-8552-1D573D0552EC}"/>
+              </a:ext>
+            </a:extLst>
+          </p:cNvPr>
+          <p:cNvSpPr txBox="1"/>
+          <p:nvPr/>
+        </p:nvSpPr>
+        <p:spPr>
+          <a:xfrm>
+            <a:off x="6034667" y="3111359"/>
+            <a:ext cx="3241614" cy="369332"/>
+          </a:xfrm>
+          <a:prstGeom prst="rect">
+            <a:avLst/>
+          </a:prstGeom>
+          <a:noFill/>
+        </p:spPr>
+        <p:txBody>
+          <a:bodyPr rot="0" spcFirstLastPara="0" vertOverflow="overflow" horzOverflow="overflow" vert="horz" wrap="square" lIns="91440" tIns="45720" rIns="91440" bIns="45720" numCol="1" spcCol="0" rtlCol="0" fromWordArt="0" anchor="t" anchorCtr="0" forceAA="0" compatLnSpc="1">
+            <a:prstTxWarp prst="textNoShape">
+              <a:avLst/>
+            </a:prstTxWarp>
+            <a:spAutoFit/>
+          </a:bodyPr>
+          <a:lstStyle/>
+          <a:p>
+            <a:r>
+              <a:rPr lang="en-US">
+                <a:latin typeface="Times New Roman"/>
+                <a:cs typeface="Times New Roman"/>
+              </a:rPr>
+              <a:t>Pressure of coarse mesh volumes</a:t>
+            </a:r>
+          </a:p>
+        </p:txBody>
+      </p:sp>
+      <p:sp>
+        <p:nvSpPr>
+          <p:cNvPr id="13" name="TextBox 12">
+            <a:extLst>
+              <a:ext uri="{FF2B5EF4-FFF2-40B4-BE49-F238E27FC236}">
+                <a16:creationId xmlns:a16="http://schemas.microsoft.com/office/drawing/2014/main" id="{F83AE4F4-75D6-4201-B1D1-7AFA4FB72E5B}"/>
+              </a:ext>
+            </a:extLst>
+          </p:cNvPr>
+          <p:cNvSpPr txBox="1"/>
+          <p:nvPr/>
+        </p:nvSpPr>
+        <p:spPr>
+          <a:xfrm>
+            <a:off x="6034666" y="3574899"/>
+            <a:ext cx="1971614" cy="369332"/>
+          </a:xfrm>
+          <a:prstGeom prst="rect">
+            <a:avLst/>
+          </a:prstGeom>
+          <a:noFill/>
+        </p:spPr>
+        <p:txBody>
+          <a:bodyPr rot="0" spcFirstLastPara="0" vertOverflow="overflow" horzOverflow="overflow" vert="horz" wrap="square" lIns="91440" tIns="45720" rIns="91440" bIns="45720" numCol="1" spcCol="0" rtlCol="0" fromWordArt="0" anchor="t" anchorCtr="0" forceAA="0" compatLnSpc="1">
+            <a:prstTxWarp prst="textNoShape">
+              <a:avLst/>
+            </a:prstTxWarp>
+            <a:spAutoFit/>
+          </a:bodyPr>
+          <a:lstStyle/>
+          <a:p>
+            <a:r>
+              <a:rPr lang="en-US">
+                <a:latin typeface="Times New Roman"/>
+                <a:cs typeface="Times New Roman"/>
+              </a:rPr>
+              <a:t>Multiscale pressure</a:t>
+            </a:r>
+          </a:p>
+        </p:txBody>
+      </p:sp>
+      <p:grpSp>
+        <p:nvGrpSpPr>
+          <p:cNvPr id="18" name="Agrupar 17">
+            <a:extLst>
+              <a:ext uri="{FF2B5EF4-FFF2-40B4-BE49-F238E27FC236}">
+                <a16:creationId xmlns:a16="http://schemas.microsoft.com/office/drawing/2014/main" id="{CE03B426-5169-A3E8-71DF-D652664FAC08}"/>
+              </a:ext>
+            </a:extLst>
+          </p:cNvPr>
+          <p:cNvGrpSpPr/>
+          <p:nvPr/>
+        </p:nvGrpSpPr>
+        <p:grpSpPr>
+          <a:xfrm>
+            <a:off x="1084257" y="3296025"/>
+            <a:ext cx="2732369" cy="2505049"/>
+            <a:chOff x="1411287" y="3590868"/>
+            <a:chExt cx="1876425" cy="1722890"/>
+          </a:xfrm>
+        </p:grpSpPr>
+        <p:pic>
+          <p:nvPicPr>
+            <p:cNvPr id="3" name="Imagem 5">
+              <a:extLst>
+                <a:ext uri="{FF2B5EF4-FFF2-40B4-BE49-F238E27FC236}">
+                  <a16:creationId xmlns:a16="http://schemas.microsoft.com/office/drawing/2014/main" id="{EF8FDBBF-10A0-43D6-95D3-26DB1DBEA079}"/>
+                </a:ext>
+              </a:extLst>
+            </p:cNvPr>
+            <p:cNvPicPr>
+              <a:picLocks noChangeAspect="1"/>
+            </p:cNvPicPr>
+            <p:nvPr/>
+          </p:nvPicPr>
+          <p:blipFill>
+            <a:blip r:embed="rId2"/>
+            <a:stretch>
+              <a:fillRect/>
+            </a:stretch>
+          </p:blipFill>
+          <p:spPr>
+            <a:xfrm>
+              <a:off x="1483179" y="3590868"/>
+              <a:ext cx="1714500" cy="304800"/>
+            </a:xfrm>
+            <a:prstGeom prst="rect">
+              <a:avLst/>
+            </a:prstGeom>
+          </p:spPr>
+        </p:pic>
+        <p:pic>
+          <p:nvPicPr>
+            <p:cNvPr id="8" name="Imagem 8" descr="Desenho com traços pretos em fundo branco&#10;&#10;Descrição gerada com alta confiança">
+              <a:extLst>
+                <a:ext uri="{FF2B5EF4-FFF2-40B4-BE49-F238E27FC236}">
+                  <a16:creationId xmlns:a16="http://schemas.microsoft.com/office/drawing/2014/main" id="{ABE7B3B7-2B3A-4C5E-8EA8-C18680697E89}"/>
+                </a:ext>
+              </a:extLst>
+            </p:cNvPr>
+            <p:cNvPicPr>
+              <a:picLocks noChangeAspect="1"/>
+            </p:cNvPicPr>
+            <p:nvPr/>
+          </p:nvPicPr>
+          <p:blipFill>
+            <a:blip r:embed="rId3"/>
+            <a:stretch>
+              <a:fillRect/>
+            </a:stretch>
+          </p:blipFill>
+          <p:spPr>
+            <a:xfrm>
+              <a:off x="1603830" y="4017381"/>
+              <a:ext cx="1482272" cy="322633"/>
+            </a:xfrm>
+            <a:prstGeom prst="rect">
+              <a:avLst/>
+            </a:prstGeom>
+          </p:spPr>
+        </p:pic>
+        <p:pic>
+          <p:nvPicPr>
+            <p:cNvPr id="12" name="Imagem 14">
+              <a:extLst>
+                <a:ext uri="{FF2B5EF4-FFF2-40B4-BE49-F238E27FC236}">
+                  <a16:creationId xmlns:a16="http://schemas.microsoft.com/office/drawing/2014/main" id="{A9002AF1-901D-4521-AF7C-84A793CE6294}"/>
+                </a:ext>
+              </a:extLst>
+            </p:cNvPr>
+            <p:cNvPicPr>
+              <a:picLocks noChangeAspect="1"/>
+            </p:cNvPicPr>
+            <p:nvPr/>
+          </p:nvPicPr>
+          <p:blipFill>
+            <a:blip r:embed="rId4"/>
+            <a:stretch>
+              <a:fillRect/>
+            </a:stretch>
+          </p:blipFill>
+          <p:spPr>
+            <a:xfrm>
+              <a:off x="1411287" y="4525224"/>
+              <a:ext cx="1876425" cy="304800"/>
+            </a:xfrm>
+            <a:prstGeom prst="rect">
+              <a:avLst/>
+            </a:prstGeom>
+          </p:spPr>
+        </p:pic>
+        <p:pic>
+          <p:nvPicPr>
+            <p:cNvPr id="17" name="Imagem 18">
+              <a:extLst>
+                <a:ext uri="{FF2B5EF4-FFF2-40B4-BE49-F238E27FC236}">
+                  <a16:creationId xmlns:a16="http://schemas.microsoft.com/office/drawing/2014/main" id="{E9E6CB6E-21E7-4CC9-AAB4-26F6B7118AB9}"/>
+                </a:ext>
+              </a:extLst>
+            </p:cNvPr>
+            <p:cNvPicPr>
+              <a:picLocks noChangeAspect="1"/>
+            </p:cNvPicPr>
+            <p:nvPr/>
+          </p:nvPicPr>
+          <p:blipFill>
+            <a:blip r:embed="rId5"/>
+            <a:stretch>
+              <a:fillRect/>
+            </a:stretch>
+          </p:blipFill>
+          <p:spPr>
+            <a:xfrm>
+              <a:off x="1835604" y="5075633"/>
+              <a:ext cx="1009650" cy="238125"/>
+            </a:xfrm>
+            <a:prstGeom prst="rect">
+              <a:avLst/>
+            </a:prstGeom>
+          </p:spPr>
+        </p:pic>
+      </p:grpSp>
+      <p:pic>
+        <p:nvPicPr>
+          <p:cNvPr id="21" name="Imagem 22">
+            <a:extLst>
+              <a:ext uri="{FF2B5EF4-FFF2-40B4-BE49-F238E27FC236}">
+                <a16:creationId xmlns:a16="http://schemas.microsoft.com/office/drawing/2014/main" id="{16640695-6E47-4586-8145-47D9ACE6A2E2}"/>
+              </a:ext>
+            </a:extLst>
+          </p:cNvPr>
+          <p:cNvPicPr>
+            <a:picLocks noChangeAspect="1"/>
+          </p:cNvPicPr>
+          <p:nvPr/>
+        </p:nvPicPr>
+        <p:blipFill>
+          <a:blip r:embed="rId6"/>
+          <a:stretch>
+            <a:fillRect/>
+          </a:stretch>
+        </p:blipFill>
+        <p:spPr>
+          <a:xfrm>
+            <a:off x="5636774" y="3181786"/>
+            <a:ext cx="228600" cy="238125"/>
+          </a:xfrm>
+          <a:prstGeom prst="rect">
+            <a:avLst/>
+          </a:prstGeom>
+        </p:spPr>
+      </p:pic>
+      <p:pic>
+        <p:nvPicPr>
+          <p:cNvPr id="24" name="Imagem 24">
+            <a:extLst>
+              <a:ext uri="{FF2B5EF4-FFF2-40B4-BE49-F238E27FC236}">
+                <a16:creationId xmlns:a16="http://schemas.microsoft.com/office/drawing/2014/main" id="{94F43634-B60F-47CE-8202-CC4B81AADA0E}"/>
+              </a:ext>
+            </a:extLst>
+          </p:cNvPr>
+          <p:cNvPicPr>
+            <a:picLocks noChangeAspect="1"/>
+          </p:cNvPicPr>
+          <p:nvPr/>
+        </p:nvPicPr>
+        <p:blipFill>
+          <a:blip r:embed="rId7"/>
+          <a:stretch>
+            <a:fillRect/>
+          </a:stretch>
+        </p:blipFill>
+        <p:spPr>
+          <a:xfrm>
+            <a:off x="5638361" y="3680715"/>
+            <a:ext cx="352425" cy="238125"/>
+          </a:xfrm>
+          <a:prstGeom prst="rect">
+            <a:avLst/>
+          </a:prstGeom>
+        </p:spPr>
+      </p:pic>
+      <p:grpSp>
+        <p:nvGrpSpPr>
+          <p:cNvPr id="20" name="Agrupar 19">
+            <a:extLst>
+              <a:ext uri="{FF2B5EF4-FFF2-40B4-BE49-F238E27FC236}">
+                <a16:creationId xmlns:a16="http://schemas.microsoft.com/office/drawing/2014/main" id="{1DFC857D-4916-7F2C-52A6-FBF89781D625}"/>
+              </a:ext>
+            </a:extLst>
+          </p:cNvPr>
+          <p:cNvGrpSpPr/>
+          <p:nvPr/>
+        </p:nvGrpSpPr>
+        <p:grpSpPr>
+          <a:xfrm>
+            <a:off x="6268061" y="4150718"/>
+            <a:ext cx="1971614" cy="1206387"/>
+            <a:chOff x="6302422" y="4611318"/>
+            <a:chExt cx="1362075" cy="858158"/>
+          </a:xfrm>
+        </p:grpSpPr>
+        <p:pic>
+          <p:nvPicPr>
+            <p:cNvPr id="26" name="Imagem 26">
+              <a:extLst>
+                <a:ext uri="{FF2B5EF4-FFF2-40B4-BE49-F238E27FC236}">
+                  <a16:creationId xmlns:a16="http://schemas.microsoft.com/office/drawing/2014/main" id="{8BCFBA2D-D232-41DB-90E5-609A1A6345A7}"/>
+                </a:ext>
+              </a:extLst>
+            </p:cNvPr>
+            <p:cNvPicPr>
+              <a:picLocks noChangeAspect="1"/>
+            </p:cNvPicPr>
+            <p:nvPr/>
+          </p:nvPicPr>
+          <p:blipFill>
+            <a:blip r:embed="rId8"/>
+            <a:stretch>
+              <a:fillRect/>
+            </a:stretch>
+          </p:blipFill>
+          <p:spPr>
+            <a:xfrm>
+              <a:off x="6302422" y="4611318"/>
+              <a:ext cx="1362075" cy="304800"/>
+            </a:xfrm>
+            <a:prstGeom prst="rect">
+              <a:avLst/>
+            </a:prstGeom>
+          </p:spPr>
+        </p:pic>
+        <p:pic>
+          <p:nvPicPr>
+            <p:cNvPr id="28" name="Imagem 28">
+              <a:extLst>
+                <a:ext uri="{FF2B5EF4-FFF2-40B4-BE49-F238E27FC236}">
+                  <a16:creationId xmlns:a16="http://schemas.microsoft.com/office/drawing/2014/main" id="{355DFCA6-6DCB-43F7-A27D-BB112AF8361B}"/>
+                </a:ext>
+              </a:extLst>
+            </p:cNvPr>
+            <p:cNvPicPr>
+              <a:picLocks noChangeAspect="1"/>
+            </p:cNvPicPr>
+            <p:nvPr/>
+          </p:nvPicPr>
+          <p:blipFill>
+            <a:blip r:embed="rId9"/>
+            <a:stretch>
+              <a:fillRect/>
+            </a:stretch>
+          </p:blipFill>
+          <p:spPr>
+            <a:xfrm>
+              <a:off x="6464348" y="5164676"/>
+              <a:ext cx="1038225" cy="304800"/>
+            </a:xfrm>
+            <a:prstGeom prst="rect">
+              <a:avLst/>
+            </a:prstGeom>
+          </p:spPr>
+        </p:pic>
+      </p:grpSp>
+      <p:pic>
+        <p:nvPicPr>
+          <p:cNvPr id="14" name="Imagem 22">
+            <a:extLst>
+              <a:ext uri="{FF2B5EF4-FFF2-40B4-BE49-F238E27FC236}">
+                <a16:creationId xmlns:a16="http://schemas.microsoft.com/office/drawing/2014/main" id="{B0958182-BEF3-2301-E31F-795A59960E9A}"/>
+              </a:ext>
+            </a:extLst>
+          </p:cNvPr>
+          <p:cNvPicPr>
+            <a:picLocks noChangeAspect="1"/>
+          </p:cNvPicPr>
+          <p:nvPr/>
+        </p:nvPicPr>
+        <p:blipFill>
+          <a:blip r:embed="rId10"/>
+          <a:stretch>
+            <a:fillRect/>
+          </a:stretch>
+        </p:blipFill>
+        <p:spPr>
+          <a:xfrm>
+            <a:off x="4116888" y="2144593"/>
+            <a:ext cx="1445986" cy="358432"/>
+          </a:xfrm>
+          <a:prstGeom prst="rect">
+            <a:avLst/>
+          </a:prstGeom>
+        </p:spPr>
+      </p:pic>
+      <p:sp>
+        <p:nvSpPr>
+          <p:cNvPr id="16" name="Espaço Reservado para Conteúdo 4">
+            <a:extLst>
+              <a:ext uri="{FF2B5EF4-FFF2-40B4-BE49-F238E27FC236}">
+                <a16:creationId xmlns:a16="http://schemas.microsoft.com/office/drawing/2014/main" id="{13E8B07D-E4C8-463E-8271-64714547B4C2}"/>
+              </a:ext>
+            </a:extLst>
+          </p:cNvPr>
+          <p:cNvSpPr txBox="1">
+            <a:spLocks/>
+          </p:cNvSpPr>
+          <p:nvPr/>
+        </p:nvSpPr>
+        <p:spPr>
+          <a:xfrm>
+            <a:off x="2437058" y="1579176"/>
+            <a:ext cx="4937185" cy="483829"/>
+          </a:xfrm>
+          <a:prstGeom prst="rect">
+            <a:avLst/>
+          </a:prstGeom>
+        </p:spPr>
+        <p:txBody>
+          <a:bodyPr vert="horz" lIns="91440" tIns="45720" rIns="91440" bIns="45720" rtlCol="0" anchor="t">
+            <a:normAutofit fontScale="92500"/>
+          </a:bodyPr>
+          <a:lstStyle>
+            <a:lvl1pPr marL="228600" indent="-228600" algn="l" defTabSz="914400" rtl="0" eaLnBrk="1" latinLnBrk="0" hangingPunct="1">
+              <a:lnSpc>
+                <a:spcPct val="90000"/>
+              </a:lnSpc>
+              <a:spcBef>
+                <a:spcPts val="1000"/>
+              </a:spcBef>
+              <a:buFont typeface="Arial" panose="020B0604020202020204" pitchFamily="34" charset="0"/>
+              <a:buChar char="•"/>
+              <a:defRPr sz="2800" kern="1200">
+                <a:solidFill>
+                  <a:schemeClr val="tx1"/>
+                </a:solidFill>
+                <a:latin typeface="+mn-lt"/>
+                <a:ea typeface="+mn-ea"/>
+                <a:cs typeface="+mn-cs"/>
+              </a:defRPr>
+            </a:lvl1pPr>
+            <a:lvl2pPr marL="685800" indent="-228600" algn="l" defTabSz="914400" rtl="0" eaLnBrk="1" latinLnBrk="0" hangingPunct="1">
+              <a:lnSpc>
+                <a:spcPct val="90000"/>
+              </a:lnSpc>
+              <a:spcBef>
+                <a:spcPts val="500"/>
+              </a:spcBef>
+              <a:buFont typeface="Arial" panose="020B0604020202020204" pitchFamily="34" charset="0"/>
+              <a:buChar char="•"/>
+              <a:defRPr sz="2400" kern="1200">
+                <a:solidFill>
+                  <a:schemeClr val="tx1"/>
+                </a:solidFill>
+                <a:latin typeface="+mn-lt"/>
+                <a:ea typeface="+mn-ea"/>
+                <a:cs typeface="+mn-cs"/>
+              </a:defRPr>
+            </a:lvl2pPr>
+            <a:lvl3pPr marL="1143000" indent="-228600" algn="l" defTabSz="914400" rtl="0" eaLnBrk="1" latinLnBrk="0" hangingPunct="1">
+              <a:lnSpc>
+                <a:spcPct val="90000"/>
+              </a:lnSpc>
+              <a:spcBef>
+                <a:spcPts val="500"/>
+              </a:spcBef>
+              <a:buFont typeface="Arial" panose="020B0604020202020204" pitchFamily="34" charset="0"/>
+              <a:buChar char="•"/>
+              <a:defRPr sz="2000" kern="1200">
+                <a:solidFill>
+                  <a:schemeClr val="tx1"/>
+                </a:solidFill>
+                <a:latin typeface="+mn-lt"/>
+                <a:ea typeface="+mn-ea"/>
+                <a:cs typeface="+mn-cs"/>
+              </a:defRPr>
+            </a:lvl3pPr>
+            <a:lvl4pPr marL="1600200" indent="-228600" algn="l" defTabSz="914400" rtl="0" eaLnBrk="1" latinLnBrk="0" hangingPunct="1">
+              <a:lnSpc>
+                <a:spcPct val="90000"/>
+              </a:lnSpc>
+              <a:spcBef>
+                <a:spcPts val="500"/>
+              </a:spcBef>
+              <a:buFont typeface="Arial" panose="020B0604020202020204" pitchFamily="34" charset="0"/>
+              <a:buChar char="•"/>
+              <a:defRPr sz="1800" kern="1200">
+                <a:solidFill>
+                  <a:schemeClr val="tx1"/>
+                </a:solidFill>
+                <a:latin typeface="+mn-lt"/>
+                <a:ea typeface="+mn-ea"/>
+                <a:cs typeface="+mn-cs"/>
+              </a:defRPr>
+            </a:lvl4pPr>
+            <a:lvl5pPr marL="2057400" indent="-228600" algn="l" defTabSz="914400" rtl="0" eaLnBrk="1" latinLnBrk="0" hangingPunct="1">
+              <a:lnSpc>
+                <a:spcPct val="90000"/>
+              </a:lnSpc>
+              <a:spcBef>
+                <a:spcPts val="500"/>
+              </a:spcBef>
+              <a:buFont typeface="Arial" panose="020B0604020202020204" pitchFamily="34" charset="0"/>
+              <a:buChar char="•"/>
+              <a:defRPr sz="1800" kern="1200">
+                <a:solidFill>
+                  <a:schemeClr val="tx1"/>
+                </a:solidFill>
+                <a:latin typeface="+mn-lt"/>
+                <a:ea typeface="+mn-ea"/>
+                <a:cs typeface="+mn-cs"/>
+              </a:defRPr>
+            </a:lvl5pPr>
+            <a:lvl6pPr marL="2514600" indent="-228600" algn="l" defTabSz="914400" rtl="0" eaLnBrk="1" latinLnBrk="0" hangingPunct="1">
+              <a:lnSpc>
+                <a:spcPct val="90000"/>
+              </a:lnSpc>
+              <a:spcBef>
+                <a:spcPts val="500"/>
+              </a:spcBef>
+              <a:buFont typeface="Arial" panose="020B0604020202020204" pitchFamily="34" charset="0"/>
+              <a:buChar char="•"/>
+              <a:defRPr sz="1800" kern="1200">
+                <a:solidFill>
+                  <a:schemeClr val="tx1"/>
+                </a:solidFill>
+                <a:latin typeface="+mn-lt"/>
+                <a:ea typeface="+mn-ea"/>
+                <a:cs typeface="+mn-cs"/>
+              </a:defRPr>
+            </a:lvl6pPr>
+            <a:lvl7pPr marL="2971800" indent="-228600" algn="l" defTabSz="914400" rtl="0" eaLnBrk="1" latinLnBrk="0" hangingPunct="1">
+              <a:lnSpc>
+                <a:spcPct val="90000"/>
+              </a:lnSpc>
+              <a:spcBef>
+                <a:spcPts val="500"/>
+              </a:spcBef>
+              <a:buFont typeface="Arial" panose="020B0604020202020204" pitchFamily="34" charset="0"/>
+              <a:buChar char="•"/>
+              <a:defRPr sz="1800" kern="1200">
+                <a:solidFill>
+                  <a:schemeClr val="tx1"/>
+                </a:solidFill>
+                <a:latin typeface="+mn-lt"/>
+                <a:ea typeface="+mn-ea"/>
+                <a:cs typeface="+mn-cs"/>
+              </a:defRPr>
+            </a:lvl7pPr>
+            <a:lvl8pPr marL="3429000" indent="-228600" algn="l" defTabSz="914400" rtl="0" eaLnBrk="1" latinLnBrk="0" hangingPunct="1">
+              <a:lnSpc>
+                <a:spcPct val="90000"/>
+              </a:lnSpc>
+              <a:spcBef>
+                <a:spcPts val="500"/>
+              </a:spcBef>
+              <a:buFont typeface="Arial" panose="020B0604020202020204" pitchFamily="34" charset="0"/>
+              <a:buChar char="•"/>
+              <a:defRPr sz="1800" kern="1200">
+                <a:solidFill>
+                  <a:schemeClr val="tx1"/>
+                </a:solidFill>
+                <a:latin typeface="+mn-lt"/>
+                <a:ea typeface="+mn-ea"/>
+                <a:cs typeface="+mn-cs"/>
+              </a:defRPr>
+            </a:lvl8pPr>
+            <a:lvl9pPr marL="3886200" indent="-228600" algn="l" defTabSz="914400" rtl="0" eaLnBrk="1" latinLnBrk="0" hangingPunct="1">
+              <a:lnSpc>
+                <a:spcPct val="90000"/>
+              </a:lnSpc>
+              <a:spcBef>
+                <a:spcPts val="500"/>
+              </a:spcBef>
+              <a:buFont typeface="Arial" panose="020B0604020202020204" pitchFamily="34" charset="0"/>
+              <a:buChar char="•"/>
+              <a:defRPr sz="1800" kern="1200">
+                <a:solidFill>
+                  <a:schemeClr val="tx1"/>
+                </a:solidFill>
+                <a:latin typeface="+mn-lt"/>
+                <a:ea typeface="+mn-ea"/>
+                <a:cs typeface="+mn-cs"/>
+              </a:defRPr>
+            </a:lvl9pPr>
+          </a:lstStyle>
+          <a:p>
+            <a:pPr marL="0" indent="0">
+              <a:buFont typeface="Arial" panose="020B0604020202020204" pitchFamily="34" charset="0"/>
+              <a:buNone/>
+            </a:pPr>
+            <a:r>
+              <a:rPr lang="pt-BR" dirty="0">
+                <a:latin typeface="Times New Roman"/>
+                <a:cs typeface="Calibri" panose="020F0502020204030204"/>
+              </a:rPr>
+              <a:t>Sistema de equações da malha fina</a:t>
+            </a:r>
+          </a:p>
+        </p:txBody>
+      </p:sp>
+      <p:sp>
+        <p:nvSpPr>
+          <p:cNvPr id="22" name="Espaço Reservado para Conteúdo 4">
+            <a:extLst>
+              <a:ext uri="{FF2B5EF4-FFF2-40B4-BE49-F238E27FC236}">
+                <a16:creationId xmlns:a16="http://schemas.microsoft.com/office/drawing/2014/main" id="{B27CC09C-7D47-FEC8-6344-9E9448D6165C}"/>
+              </a:ext>
+            </a:extLst>
+          </p:cNvPr>
+          <p:cNvSpPr txBox="1">
+            <a:spLocks/>
+          </p:cNvSpPr>
+          <p:nvPr/>
+        </p:nvSpPr>
+        <p:spPr>
+          <a:xfrm>
+            <a:off x="699589" y="5801074"/>
+            <a:ext cx="4937185" cy="483829"/>
+          </a:xfrm>
+          <a:prstGeom prst="rect">
+            <a:avLst/>
+          </a:prstGeom>
+        </p:spPr>
+        <p:txBody>
+          <a:bodyPr vert="horz" lIns="91440" tIns="45720" rIns="91440" bIns="45720" rtlCol="0" anchor="t">
+            <a:normAutofit/>
+          </a:bodyPr>
+          <a:lstStyle>
+            <a:lvl1pPr marL="228600" indent="-228600" algn="l" defTabSz="914400" rtl="0" eaLnBrk="1" latinLnBrk="0" hangingPunct="1">
+              <a:lnSpc>
+                <a:spcPct val="90000"/>
+              </a:lnSpc>
+              <a:spcBef>
+                <a:spcPts val="1000"/>
+              </a:spcBef>
+              <a:buFont typeface="Arial" panose="020B0604020202020204" pitchFamily="34" charset="0"/>
+              <a:buChar char="•"/>
+              <a:defRPr sz="2800" kern="1200">
+                <a:solidFill>
+                  <a:schemeClr val="tx1"/>
+                </a:solidFill>
+                <a:latin typeface="+mn-lt"/>
+                <a:ea typeface="+mn-ea"/>
+                <a:cs typeface="+mn-cs"/>
+              </a:defRPr>
+            </a:lvl1pPr>
+            <a:lvl2pPr marL="685800" indent="-228600" algn="l" defTabSz="914400" rtl="0" eaLnBrk="1" latinLnBrk="0" hangingPunct="1">
+              <a:lnSpc>
+                <a:spcPct val="90000"/>
+              </a:lnSpc>
+              <a:spcBef>
+                <a:spcPts val="500"/>
+              </a:spcBef>
+              <a:buFont typeface="Arial" panose="020B0604020202020204" pitchFamily="34" charset="0"/>
+              <a:buChar char="•"/>
+              <a:defRPr sz="2400" kern="1200">
+                <a:solidFill>
+                  <a:schemeClr val="tx1"/>
+                </a:solidFill>
+                <a:latin typeface="+mn-lt"/>
+                <a:ea typeface="+mn-ea"/>
+                <a:cs typeface="+mn-cs"/>
+              </a:defRPr>
+            </a:lvl2pPr>
+            <a:lvl3pPr marL="1143000" indent="-228600" algn="l" defTabSz="914400" rtl="0" eaLnBrk="1" latinLnBrk="0" hangingPunct="1">
+              <a:lnSpc>
+                <a:spcPct val="90000"/>
+              </a:lnSpc>
+              <a:spcBef>
+                <a:spcPts val="500"/>
+              </a:spcBef>
+              <a:buFont typeface="Arial" panose="020B0604020202020204" pitchFamily="34" charset="0"/>
+              <a:buChar char="•"/>
+              <a:defRPr sz="2000" kern="1200">
+                <a:solidFill>
+                  <a:schemeClr val="tx1"/>
+                </a:solidFill>
+                <a:latin typeface="+mn-lt"/>
+                <a:ea typeface="+mn-ea"/>
+                <a:cs typeface="+mn-cs"/>
+              </a:defRPr>
+            </a:lvl3pPr>
+            <a:lvl4pPr marL="1600200" indent="-228600" algn="l" defTabSz="914400" rtl="0" eaLnBrk="1" latinLnBrk="0" hangingPunct="1">
+              <a:lnSpc>
+                <a:spcPct val="90000"/>
+              </a:lnSpc>
+              <a:spcBef>
+                <a:spcPts val="500"/>
+              </a:spcBef>
+              <a:buFont typeface="Arial" panose="020B0604020202020204" pitchFamily="34" charset="0"/>
+              <a:buChar char="•"/>
+              <a:defRPr sz="1800" kern="1200">
+                <a:solidFill>
+                  <a:schemeClr val="tx1"/>
+                </a:solidFill>
+                <a:latin typeface="+mn-lt"/>
+                <a:ea typeface="+mn-ea"/>
+                <a:cs typeface="+mn-cs"/>
+              </a:defRPr>
+            </a:lvl4pPr>
+            <a:lvl5pPr marL="2057400" indent="-228600" algn="l" defTabSz="914400" rtl="0" eaLnBrk="1" latinLnBrk="0" hangingPunct="1">
+              <a:lnSpc>
+                <a:spcPct val="90000"/>
+              </a:lnSpc>
+              <a:spcBef>
+                <a:spcPts val="500"/>
+              </a:spcBef>
+              <a:buFont typeface="Arial" panose="020B0604020202020204" pitchFamily="34" charset="0"/>
+              <a:buChar char="•"/>
+              <a:defRPr sz="1800" kern="1200">
+                <a:solidFill>
+                  <a:schemeClr val="tx1"/>
+                </a:solidFill>
+                <a:latin typeface="+mn-lt"/>
+                <a:ea typeface="+mn-ea"/>
+                <a:cs typeface="+mn-cs"/>
+              </a:defRPr>
+            </a:lvl5pPr>
+            <a:lvl6pPr marL="2514600" indent="-228600" algn="l" defTabSz="914400" rtl="0" eaLnBrk="1" latinLnBrk="0" hangingPunct="1">
+              <a:lnSpc>
+                <a:spcPct val="90000"/>
+              </a:lnSpc>
+              <a:spcBef>
+                <a:spcPts val="500"/>
+              </a:spcBef>
+              <a:buFont typeface="Arial" panose="020B0604020202020204" pitchFamily="34" charset="0"/>
+              <a:buChar char="•"/>
+              <a:defRPr sz="1800" kern="1200">
+                <a:solidFill>
+                  <a:schemeClr val="tx1"/>
+                </a:solidFill>
+                <a:latin typeface="+mn-lt"/>
+                <a:ea typeface="+mn-ea"/>
+                <a:cs typeface="+mn-cs"/>
+              </a:defRPr>
+            </a:lvl6pPr>
+            <a:lvl7pPr marL="2971800" indent="-228600" algn="l" defTabSz="914400" rtl="0" eaLnBrk="1" latinLnBrk="0" hangingPunct="1">
+              <a:lnSpc>
+                <a:spcPct val="90000"/>
+              </a:lnSpc>
+              <a:spcBef>
+                <a:spcPts val="500"/>
+              </a:spcBef>
+              <a:buFont typeface="Arial" panose="020B0604020202020204" pitchFamily="34" charset="0"/>
+              <a:buChar char="•"/>
+              <a:defRPr sz="1800" kern="1200">
+                <a:solidFill>
+                  <a:schemeClr val="tx1"/>
+                </a:solidFill>
+                <a:latin typeface="+mn-lt"/>
+                <a:ea typeface="+mn-ea"/>
+                <a:cs typeface="+mn-cs"/>
+              </a:defRPr>
+            </a:lvl7pPr>
+            <a:lvl8pPr marL="3429000" indent="-228600" algn="l" defTabSz="914400" rtl="0" eaLnBrk="1" latinLnBrk="0" hangingPunct="1">
+              <a:lnSpc>
+                <a:spcPct val="90000"/>
+              </a:lnSpc>
+              <a:spcBef>
+                <a:spcPts val="500"/>
+              </a:spcBef>
+              <a:buFont typeface="Arial" panose="020B0604020202020204" pitchFamily="34" charset="0"/>
+              <a:buChar char="•"/>
+              <a:defRPr sz="1800" kern="1200">
+                <a:solidFill>
+                  <a:schemeClr val="tx1"/>
+                </a:solidFill>
+                <a:latin typeface="+mn-lt"/>
+                <a:ea typeface="+mn-ea"/>
+                <a:cs typeface="+mn-cs"/>
+              </a:defRPr>
+            </a:lvl8pPr>
+            <a:lvl9pPr marL="3886200" indent="-228600" algn="l" defTabSz="914400" rtl="0" eaLnBrk="1" latinLnBrk="0" hangingPunct="1">
+              <a:lnSpc>
+                <a:spcPct val="90000"/>
+              </a:lnSpc>
+              <a:spcBef>
+                <a:spcPts val="500"/>
+              </a:spcBef>
+              <a:buFont typeface="Arial" panose="020B0604020202020204" pitchFamily="34" charset="0"/>
+              <a:buChar char="•"/>
+              <a:defRPr sz="1800" kern="1200">
+                <a:solidFill>
+                  <a:schemeClr val="tx1"/>
+                </a:solidFill>
+                <a:latin typeface="+mn-lt"/>
+                <a:ea typeface="+mn-ea"/>
+                <a:cs typeface="+mn-cs"/>
+              </a:defRPr>
+            </a:lvl9pPr>
+          </a:lstStyle>
+          <a:p>
+            <a:pPr marL="0" indent="0">
+              <a:buFont typeface="Arial" panose="020B0604020202020204" pitchFamily="34" charset="0"/>
+              <a:buNone/>
+            </a:pPr>
+            <a:r>
+              <a:rPr lang="pt-BR" dirty="0">
+                <a:latin typeface="Times New Roman"/>
+                <a:cs typeface="Calibri" panose="020F0502020204030204"/>
+              </a:rPr>
+              <a:t>Solução na escala grossa</a:t>
+            </a:r>
+          </a:p>
+        </p:txBody>
+      </p:sp>
+    </p:spTree>
+    <p:extLst>
+      <p:ext uri="{BB962C8B-B14F-4D97-AF65-F5344CB8AC3E}">
+        <p14:creationId xmlns:p14="http://schemas.microsoft.com/office/powerpoint/2010/main" val="2118534406"/>
+      </p:ext>
+    </p:extLst>
+  </p:cSld>
+  <p:clrMapOvr>
+    <a:masterClrMapping/>
+  </p:clrMapOvr>
+</p:sld>
+</file>
+
+<file path=ppt/slides/slide9.xml><?xml version="1.0" encoding="utf-8"?>
+<p:sld xmlns:a="http://schemas.openxmlformats.org/drawingml/2006/main" xmlns:r="http://schemas.openxmlformats.org/officeDocument/2006/relationships" xmlns:p="http://schemas.openxmlformats.org/presentationml/2006/main">
+  <p:cSld>
+    <p:spTree>
+      <p:nvGrpSpPr>
+        <p:cNvPr id="1" name=""/>
+        <p:cNvGrpSpPr/>
+        <p:nvPr/>
+      </p:nvGrpSpPr>
+      <p:grpSpPr>
+        <a:xfrm>
+          <a:off x="0" y="0"/>
+          <a:ext cx="0" cy="0"/>
+          <a:chOff x="0" y="0"/>
+          <a:chExt cx="0" cy="0"/>
+        </a:xfrm>
+      </p:grpSpPr>
+      <p:sp>
+        <p:nvSpPr>
+          <p:cNvPr id="2" name="Espaço Reservado para Número de Slide 1">
+            <a:extLst>
+              <a:ext uri="{FF2B5EF4-FFF2-40B4-BE49-F238E27FC236}">
+                <a16:creationId xmlns:a16="http://schemas.microsoft.com/office/drawing/2014/main" id="{0DE3541E-AD54-DA0C-79FE-D115E2A960E8}"/>
+              </a:ext>
+            </a:extLst>
+          </p:cNvPr>
+          <p:cNvSpPr>
+            <a:spLocks noGrp="1"/>
+          </p:cNvSpPr>
+          <p:nvPr>
+            <p:ph type="sldNum" sz="quarter" idx="12"/>
+          </p:nvPr>
+        </p:nvSpPr>
+        <p:spPr/>
+        <p:txBody>
+          <a:bodyPr/>
+          <a:lstStyle/>
+          <a:p>
+            <a:fld id="{D73A239D-6CCE-4ADF-9A5A-74106ED9FCFA}" type="slidenum">
+              <a:rPr lang="pt-BR" smtClean="0"/>
+              <a:pPr/>
+              <a:t>9</a:t>
+            </a:fld>
+            <a:endParaRPr lang="pt-BR" dirty="0"/>
+          </a:p>
+        </p:txBody>
+      </p:sp>
+      <p:grpSp>
+        <p:nvGrpSpPr>
+          <p:cNvPr id="13" name="Agrupar 12">
+            <a:extLst>
+              <a:ext uri="{FF2B5EF4-FFF2-40B4-BE49-F238E27FC236}">
+                <a16:creationId xmlns:a16="http://schemas.microsoft.com/office/drawing/2014/main" id="{C6C18A2A-4185-0F42-C928-92CCC30C23A9}"/>
+              </a:ext>
+            </a:extLst>
+          </p:cNvPr>
+          <p:cNvGrpSpPr/>
+          <p:nvPr/>
+        </p:nvGrpSpPr>
+        <p:grpSpPr>
+          <a:xfrm>
+            <a:off x="5169698" y="1829811"/>
+            <a:ext cx="6098024" cy="4925921"/>
+            <a:chOff x="2978808" y="1810467"/>
+            <a:chExt cx="6098024" cy="4925921"/>
+          </a:xfrm>
+        </p:grpSpPr>
+        <p:pic>
+          <p:nvPicPr>
+            <p:cNvPr id="4" name="Imagem 3">
+              <a:extLst>
+                <a:ext uri="{FF2B5EF4-FFF2-40B4-BE49-F238E27FC236}">
+                  <a16:creationId xmlns:a16="http://schemas.microsoft.com/office/drawing/2014/main" id="{08792488-81B3-4ED0-0D8F-6742CB75A7F7}"/>
+                </a:ext>
+              </a:extLst>
+            </p:cNvPr>
+            <p:cNvPicPr>
+              <a:picLocks noChangeAspect="1"/>
+            </p:cNvPicPr>
+            <p:nvPr/>
+          </p:nvPicPr>
+          <p:blipFill>
+            <a:blip r:embed="rId3"/>
+            <a:stretch>
+              <a:fillRect/>
+            </a:stretch>
+          </p:blipFill>
+          <p:spPr>
+            <a:xfrm>
+              <a:off x="3414712" y="3578968"/>
+              <a:ext cx="5362575" cy="1495425"/>
+            </a:xfrm>
+            <a:prstGeom prst="rect">
+              <a:avLst/>
+            </a:prstGeom>
+          </p:spPr>
+        </p:pic>
+        <p:pic>
+          <p:nvPicPr>
+            <p:cNvPr id="6" name="Imagem 5">
+              <a:extLst>
+                <a:ext uri="{FF2B5EF4-FFF2-40B4-BE49-F238E27FC236}">
+                  <a16:creationId xmlns:a16="http://schemas.microsoft.com/office/drawing/2014/main" id="{F4128124-92E3-E17B-4708-847BF9540133}"/>
+                </a:ext>
+              </a:extLst>
+            </p:cNvPr>
+            <p:cNvPicPr>
+              <a:picLocks noChangeAspect="1"/>
+            </p:cNvPicPr>
+            <p:nvPr/>
+          </p:nvPicPr>
+          <p:blipFill>
+            <a:blip r:embed="rId4"/>
+            <a:stretch>
+              <a:fillRect/>
+            </a:stretch>
+          </p:blipFill>
+          <p:spPr>
+            <a:xfrm>
+              <a:off x="3401194" y="5260013"/>
+              <a:ext cx="5362575" cy="1476375"/>
+            </a:xfrm>
+            <a:prstGeom prst="rect">
+              <a:avLst/>
+            </a:prstGeom>
+          </p:spPr>
+        </p:pic>
+        <p:grpSp>
+          <p:nvGrpSpPr>
+            <p:cNvPr id="5" name="Agrupar 4">
+              <a:extLst>
+                <a:ext uri="{FF2B5EF4-FFF2-40B4-BE49-F238E27FC236}">
+                  <a16:creationId xmlns:a16="http://schemas.microsoft.com/office/drawing/2014/main" id="{AC455E71-92F4-9FB0-288A-8C089443B337}"/>
+                </a:ext>
+              </a:extLst>
+            </p:cNvPr>
+            <p:cNvGrpSpPr/>
+            <p:nvPr/>
+          </p:nvGrpSpPr>
+          <p:grpSpPr>
+            <a:xfrm>
+              <a:off x="2978808" y="1810467"/>
+              <a:ext cx="6098024" cy="1957482"/>
+              <a:chOff x="3005842" y="899960"/>
+              <a:chExt cx="6098024" cy="1957482"/>
+            </a:xfrm>
+          </p:grpSpPr>
+          <p:pic>
+            <p:nvPicPr>
+              <p:cNvPr id="8" name="Imagem 7">
+                <a:extLst>
+                  <a:ext uri="{FF2B5EF4-FFF2-40B4-BE49-F238E27FC236}">
+                    <a16:creationId xmlns:a16="http://schemas.microsoft.com/office/drawing/2014/main" id="{F7E7BC30-74BF-51CB-F1A9-B52A40DB6C95}"/>
+                  </a:ext>
+                </a:extLst>
+              </p:cNvPr>
+              <p:cNvPicPr>
+                <a:picLocks noChangeAspect="1"/>
+              </p:cNvPicPr>
+              <p:nvPr/>
+            </p:nvPicPr>
+            <p:blipFill rotWithShape="1">
+              <a:blip r:embed="rId5"/>
+              <a:srcRect l="183" t="-491" r="183" b="1922"/>
+              <a:stretch/>
+            </p:blipFill>
+            <p:spPr>
+              <a:xfrm>
+                <a:off x="3414712" y="1092601"/>
+                <a:ext cx="5362575" cy="1530570"/>
+              </a:xfrm>
+              <a:prstGeom prst="rect">
+                <a:avLst/>
+              </a:prstGeom>
+            </p:spPr>
+          </p:pic>
+          <p:sp>
+            <p:nvSpPr>
+              <p:cNvPr id="11" name="Seta para cima 100">
+                <a:extLst>
+                  <a:ext uri="{FF2B5EF4-FFF2-40B4-BE49-F238E27FC236}">
+                    <a16:creationId xmlns:a16="http://schemas.microsoft.com/office/drawing/2014/main" id="{153074E3-02EA-61DF-DA36-F00F3726DE73}"/>
+                  </a:ext>
+                </a:extLst>
+              </p:cNvPr>
+              <p:cNvSpPr>
+                <a:spLocks noChangeArrowheads="1"/>
+              </p:cNvSpPr>
+              <p:nvPr/>
+            </p:nvSpPr>
+            <p:spPr bwMode="auto">
+              <a:xfrm rot="1615923">
+                <a:off x="8664953" y="899960"/>
+                <a:ext cx="438913" cy="291976"/>
+              </a:xfrm>
+              <a:prstGeom prst="upArrow">
+                <a:avLst>
+                  <a:gd name="adj1" fmla="val 50000"/>
+                  <a:gd name="adj2" fmla="val 50000"/>
+                </a:avLst>
+              </a:prstGeom>
+              <a:solidFill>
+                <a:schemeClr val="tx1">
+                  <a:lumMod val="100000"/>
+                  <a:lumOff val="0"/>
+                </a:schemeClr>
+              </a:solidFill>
+              <a:ln w="25400">
+                <a:solidFill>
+                  <a:schemeClr val="tx1">
+                    <a:lumMod val="100000"/>
+                    <a:lumOff val="0"/>
+                  </a:schemeClr>
+                </a:solidFill>
+                <a:miter lim="800000"/>
+                <a:headEnd/>
+                <a:tailEnd/>
+              </a:ln>
+            </p:spPr>
+            <p:txBody>
+              <a:bodyPr rot="0" vert="horz" wrap="square" lIns="91440" tIns="45720" rIns="91440" bIns="45720" anchor="ctr" anchorCtr="0" upright="1">
+                <a:noAutofit/>
+              </a:bodyPr>
+              <a:lstStyle/>
+              <a:p>
+                <a:endParaRPr lang="pt-BR"/>
+              </a:p>
+            </p:txBody>
+          </p:sp>
+          <p:sp>
+            <p:nvSpPr>
+              <p:cNvPr id="12" name="Seta para cima 6">
+                <a:extLst>
+                  <a:ext uri="{FF2B5EF4-FFF2-40B4-BE49-F238E27FC236}">
+                    <a16:creationId xmlns:a16="http://schemas.microsoft.com/office/drawing/2014/main" id="{A6C51994-FEDA-892D-4BDE-11F2212F34EB}"/>
+                  </a:ext>
+                </a:extLst>
+              </p:cNvPr>
+              <p:cNvSpPr>
+                <a:spLocks noChangeArrowheads="1"/>
+              </p:cNvSpPr>
+              <p:nvPr/>
+            </p:nvSpPr>
+            <p:spPr bwMode="auto">
+              <a:xfrm rot="3095825">
+                <a:off x="3028144" y="2497888"/>
+                <a:ext cx="337252" cy="381855"/>
+              </a:xfrm>
+              <a:prstGeom prst="upArrow">
+                <a:avLst>
+                  <a:gd name="adj1" fmla="val 50000"/>
+                  <a:gd name="adj2" fmla="val 50000"/>
+                </a:avLst>
+              </a:prstGeom>
+              <a:solidFill>
+                <a:schemeClr val="tx1">
+                  <a:lumMod val="100000"/>
+                  <a:lumOff val="0"/>
+                </a:schemeClr>
+              </a:solidFill>
+              <a:ln w="25400">
+                <a:solidFill>
+                  <a:schemeClr val="tx1">
+                    <a:lumMod val="100000"/>
+                    <a:lumOff val="0"/>
+                  </a:schemeClr>
+                </a:solidFill>
+                <a:miter lim="800000"/>
+                <a:headEnd/>
+                <a:tailEnd/>
+              </a:ln>
+            </p:spPr>
+            <p:txBody>
+              <a:bodyPr rot="0" vert="horz" wrap="square" lIns="91440" tIns="45720" rIns="91440" bIns="45720" anchor="ctr" anchorCtr="0" upright="1">
+                <a:noAutofit/>
+              </a:bodyPr>
+              <a:lstStyle/>
+              <a:p>
+                <a:endParaRPr lang="pt-BR" dirty="0"/>
+              </a:p>
+            </p:txBody>
+          </p:sp>
+        </p:grpSp>
+      </p:grpSp>
+      <p:sp>
+        <p:nvSpPr>
+          <p:cNvPr id="14" name="CaixaDeTexto 13">
+            <a:extLst>
+              <a:ext uri="{FF2B5EF4-FFF2-40B4-BE49-F238E27FC236}">
+                <a16:creationId xmlns:a16="http://schemas.microsoft.com/office/drawing/2014/main" id="{15E5E693-5AC4-7F14-3F40-DFF4478E0328}"/>
+              </a:ext>
+            </a:extLst>
+          </p:cNvPr>
+          <p:cNvSpPr txBox="1"/>
+          <p:nvPr/>
+        </p:nvSpPr>
+        <p:spPr>
+          <a:xfrm>
+            <a:off x="4702321" y="461635"/>
+            <a:ext cx="3024098" cy="523220"/>
+          </a:xfrm>
+          <a:prstGeom prst="rect">
+            <a:avLst/>
+          </a:prstGeom>
+          <a:noFill/>
+        </p:spPr>
+        <p:txBody>
+          <a:bodyPr wrap="none" rtlCol="0">
+            <a:spAutoFit/>
+          </a:bodyPr>
+          <a:lstStyle/>
+          <a:p>
+            <a:r>
+              <a:rPr lang="pt-BR" sz="2800" b="1" dirty="0"/>
+              <a:t>FIM-NU-ADM TPFA</a:t>
+            </a:r>
+          </a:p>
+        </p:txBody>
+      </p:sp>
+      <p:sp>
+        <p:nvSpPr>
+          <p:cNvPr id="16" name="CaixaDeTexto 15">
+            <a:extLst>
+              <a:ext uri="{FF2B5EF4-FFF2-40B4-BE49-F238E27FC236}">
+                <a16:creationId xmlns:a16="http://schemas.microsoft.com/office/drawing/2014/main" id="{1CF9D003-24AF-0675-971B-C49FD9A9BB4D}"/>
+              </a:ext>
+            </a:extLst>
+          </p:cNvPr>
+          <p:cNvSpPr txBox="1"/>
+          <p:nvPr/>
+        </p:nvSpPr>
+        <p:spPr>
+          <a:xfrm>
+            <a:off x="1392109" y="2368543"/>
+            <a:ext cx="4440088" cy="3785652"/>
+          </a:xfrm>
+          <a:prstGeom prst="rect">
+            <a:avLst/>
+          </a:prstGeom>
+          <a:noFill/>
+        </p:spPr>
+        <p:txBody>
+          <a:bodyPr wrap="square" rtlCol="0">
+            <a:spAutoFit/>
+          </a:bodyPr>
+          <a:lstStyle/>
+          <a:p>
+            <a:pPr marL="285750" indent="-285750">
+              <a:buFontTx/>
+              <a:buChar char="-"/>
+            </a:pPr>
+            <a:r>
+              <a:rPr lang="en-US" sz="2000" dirty="0"/>
+              <a:t>Permeability field</a:t>
+            </a:r>
+          </a:p>
+          <a:p>
+            <a:pPr marL="285750" indent="-285750">
+              <a:buFontTx/>
+              <a:buChar char="-"/>
+            </a:pPr>
+            <a:endParaRPr lang="en-US" sz="2000" dirty="0"/>
+          </a:p>
+          <a:p>
+            <a:pPr marL="285750" indent="-285750">
+              <a:buFontTx/>
+              <a:buChar char="-"/>
+            </a:pPr>
+            <a:endParaRPr lang="en-US" sz="2000" dirty="0"/>
+          </a:p>
+          <a:p>
+            <a:pPr marL="285750" indent="-285750">
+              <a:buFontTx/>
+              <a:buChar char="-"/>
+            </a:pPr>
+            <a:endParaRPr lang="en-US" sz="2000" dirty="0"/>
+          </a:p>
+          <a:p>
+            <a:pPr marL="285750" indent="-285750">
+              <a:buFontTx/>
+              <a:buChar char="-"/>
+            </a:pPr>
+            <a:endParaRPr lang="en-US" sz="2000" dirty="0"/>
+          </a:p>
+          <a:p>
+            <a:endParaRPr lang="en-US" sz="2000" dirty="0"/>
+          </a:p>
+          <a:p>
+            <a:pPr marL="285750" indent="-285750">
+              <a:buFontTx/>
+              <a:buChar char="-"/>
+            </a:pPr>
+            <a:r>
+              <a:rPr lang="en-US" sz="2000" dirty="0"/>
+              <a:t>Direct simulation on Finescale</a:t>
+            </a:r>
+          </a:p>
+          <a:p>
+            <a:pPr marL="285750" indent="-285750">
+              <a:buFontTx/>
+              <a:buChar char="-"/>
+            </a:pPr>
+            <a:endParaRPr lang="en-US" sz="2000" dirty="0"/>
+          </a:p>
+          <a:p>
+            <a:pPr marL="285750" indent="-285750">
+              <a:buFontTx/>
+              <a:buChar char="-"/>
+            </a:pPr>
+            <a:endParaRPr lang="en-US" sz="2000" dirty="0"/>
+          </a:p>
+          <a:p>
+            <a:pPr marL="285750" indent="-285750">
+              <a:buFontTx/>
+              <a:buChar char="-"/>
+            </a:pPr>
+            <a:endParaRPr lang="en-US" sz="2000" dirty="0"/>
+          </a:p>
+          <a:p>
+            <a:pPr marL="285750" indent="-285750">
+              <a:buFontTx/>
+              <a:buChar char="-"/>
+            </a:pPr>
+            <a:endParaRPr lang="en-US" sz="2000" dirty="0"/>
+          </a:p>
+          <a:p>
+            <a:r>
+              <a:rPr lang="en-US" sz="2000" dirty="0"/>
+              <a:t>-   NU-ADM Solution</a:t>
+            </a:r>
+          </a:p>
+        </p:txBody>
+      </p:sp>
+      <p:sp>
+        <p:nvSpPr>
+          <p:cNvPr id="18" name="CustomShape 7">
+            <a:extLst>
+              <a:ext uri="{FF2B5EF4-FFF2-40B4-BE49-F238E27FC236}">
+                <a16:creationId xmlns:a16="http://schemas.microsoft.com/office/drawing/2014/main" id="{CBC98139-5107-A693-E9F1-D3C3C080B37D}"/>
+              </a:ext>
+            </a:extLst>
+          </p:cNvPr>
+          <p:cNvSpPr/>
+          <p:nvPr/>
+        </p:nvSpPr>
+        <p:spPr>
+          <a:xfrm>
+            <a:off x="547688" y="1636713"/>
+            <a:ext cx="8293418" cy="829543"/>
+          </a:xfrm>
+          <a:prstGeom prst="rect">
+            <a:avLst/>
+          </a:prstGeom>
+          <a:noFill/>
+          <a:ln>
+            <a:noFill/>
+          </a:ln>
+        </p:spPr>
+        <p:style>
+          <a:lnRef idx="0">
+            <a:scrgbClr r="0" g="0" b="0"/>
+          </a:lnRef>
+          <a:fillRef idx="0">
+            <a:scrgbClr r="0" g="0" b="0"/>
+          </a:fillRef>
+          <a:effectRef idx="0">
+            <a:scrgbClr r="0" g="0" b="0"/>
+          </a:effectRef>
+          <a:fontRef idx="minor"/>
+        </p:style>
+        <p:txBody>
+          <a:bodyPr wrap="square" lIns="90000" tIns="45000" rIns="90000" bIns="45000">
+            <a:spAutoFit/>
+          </a:bodyPr>
+          <a:lstStyle/>
+          <a:p>
+            <a:pPr eaLnBrk="1" fontAlgn="auto" hangingPunct="1">
+              <a:spcBef>
+                <a:spcPts val="0"/>
+              </a:spcBef>
+              <a:spcAft>
+                <a:spcPts val="0"/>
+              </a:spcAft>
+              <a:defRPr/>
+            </a:pPr>
+            <a:r>
+              <a:rPr lang="en-US" sz="2400" b="1" spc="-1" dirty="0">
+                <a:solidFill>
+                  <a:srgbClr val="000000"/>
+                </a:solidFill>
+                <a:latin typeface="Calibri Light"/>
+                <a:ea typeface="DejaVu Sans"/>
+              </a:rPr>
+              <a:t>Two phase example: Upper layer of the CSP-SPE-10</a:t>
+            </a:r>
+          </a:p>
+          <a:p>
+            <a:pPr eaLnBrk="1" fontAlgn="auto" hangingPunct="1">
+              <a:spcBef>
+                <a:spcPts val="0"/>
+              </a:spcBef>
+              <a:spcAft>
+                <a:spcPts val="0"/>
+              </a:spcAft>
+              <a:defRPr/>
+            </a:pPr>
+            <a:endParaRPr lang="en-US" sz="2400" b="1" spc="-1" dirty="0">
+              <a:solidFill>
+                <a:srgbClr val="000000"/>
+              </a:solidFill>
+              <a:latin typeface="Calibri Light"/>
+              <a:ea typeface="DejaVu Sans"/>
+            </a:endParaRPr>
+          </a:p>
+        </p:txBody>
+      </p:sp>
+    </p:spTree>
+    <p:extLst>
+      <p:ext uri="{BB962C8B-B14F-4D97-AF65-F5344CB8AC3E}">
+        <p14:creationId xmlns:p14="http://schemas.microsoft.com/office/powerpoint/2010/main" val="895836817"/>
       </p:ext>
     </p:extLst>
   </p:cSld>
@@ -9631,4 +11021,299 @@
     </a:ext>
   </a:extLst>
 </a:theme>
+</file>
+
+<file path=ppt/theme/theme2.xml><?xml version="1.0" encoding="utf-8"?>
+<a:theme xmlns:a="http://schemas.openxmlformats.org/drawingml/2006/main" name="Tema do Office">
+  <a:themeElements>
+    <a:clrScheme name="Office">
+      <a:dk1>
+        <a:sysClr val="windowText" lastClr="000000"/>
+      </a:dk1>
+      <a:lt1>
+        <a:sysClr val="window" lastClr="FFFFFF"/>
+      </a:lt1>
+      <a:dk2>
+        <a:srgbClr val="44546A"/>
+      </a:dk2>
+      <a:lt2>
+        <a:srgbClr val="E7E6E6"/>
+      </a:lt2>
+      <a:accent1>
+        <a:srgbClr val="4472C4"/>
+      </a:accent1>
+      <a:accent2>
+        <a:srgbClr val="ED7D31"/>
+      </a:accent2>
+      <a:accent3>
+        <a:srgbClr val="A5A5A5"/>
+      </a:accent3>
+      <a:accent4>
+        <a:srgbClr val="FFC000"/>
+      </a:accent4>
+      <a:accent5>
+        <a:srgbClr val="5B9BD5"/>
+      </a:accent5>
+      <a:accent6>
+        <a:srgbClr val="70AD47"/>
+      </a:accent6>
+      <a:hlink>
+        <a:srgbClr val="0563C1"/>
+      </a:hlink>
+      <a:folHlink>
+        <a:srgbClr val="954F72"/>
+      </a:folHlink>
+    </a:clrScheme>
+    <a:fontScheme name="Office">
+      <a:majorFont>
+        <a:latin typeface="Calibri Light" panose="020F0302020204030204"/>
+        <a:ea typeface=""/>
+        <a:cs typeface=""/>
+        <a:font script="Jpan" typeface="游ゴシック Light"/>
+        <a:font script="Hang" typeface="맑은 고딕"/>
+        <a:font script="Hans" typeface="等线 Light"/>
+        <a:font script="Hant" typeface="新細明體"/>
+        <a:font script="Arab" typeface="Times New Roman"/>
+        <a:font script="Hebr" typeface="Times New Roman"/>
+        <a:font script="Thai" typeface="Angsana New"/>
+        <a:font script="Ethi" typeface="Nyala"/>
+        <a:font script="Beng" typeface="Vrinda"/>
+        <a:font script="Gujr" typeface="Shruti"/>
+        <a:font script="Khmr" typeface="MoolBoran"/>
+        <a:font script="Knda" typeface="Tunga"/>
+        <a:font script="Guru" typeface="Raavi"/>
+        <a:font script="Cans" typeface="Euphemia"/>
+        <a:font script="Cher" typeface="Plantagenet Cherokee"/>
+        <a:font script="Yiii" typeface="Microsoft Yi Baiti"/>
+        <a:font script="Tibt" typeface="Microsoft Himalaya"/>
+        <a:font script="Thaa" typeface="MV Boli"/>
+        <a:font script="Deva" typeface="Mangal"/>
+        <a:font script="Telu" typeface="Gautami"/>
+        <a:font script="Taml" typeface="Latha"/>
+        <a:font script="Syrc" typeface="Estrangelo Edessa"/>
+        <a:font script="Orya" typeface="Kalinga"/>
+        <a:font script="Mlym" typeface="Kartika"/>
+        <a:font script="Laoo" typeface="DokChampa"/>
+        <a:font script="Sinh" typeface="Iskoola Pota"/>
+        <a:font script="Mong" typeface="Mongolian Baiti"/>
+        <a:font script="Viet" typeface="Times New Roman"/>
+        <a:font script="Uigh" typeface="Microsoft Uighur"/>
+        <a:font script="Geor" typeface="Sylfaen"/>
+        <a:font script="Armn" typeface="Arial"/>
+        <a:font script="Bugi" typeface="Leelawadee UI"/>
+        <a:font script="Bopo" typeface="Microsoft JhengHei"/>
+        <a:font script="Java" typeface="Javanese Text"/>
+        <a:font script="Lisu" typeface="Segoe UI"/>
+        <a:font script="Mymr" typeface="Myanmar Text"/>
+        <a:font script="Nkoo" typeface="Ebrima"/>
+        <a:font script="Olck" typeface="Nirmala UI"/>
+        <a:font script="Osma" typeface="Ebrima"/>
+        <a:font script="Phag" typeface="Phagspa"/>
+        <a:font script="Syrn" typeface="Estrangelo Edessa"/>
+        <a:font script="Syrj" typeface="Estrangelo Edessa"/>
+        <a:font script="Syre" typeface="Estrangelo Edessa"/>
+        <a:font script="Sora" typeface="Nirmala UI"/>
+        <a:font script="Tale" typeface="Microsoft Tai Le"/>
+        <a:font script="Talu" typeface="Microsoft New Tai Lue"/>
+        <a:font script="Tfng" typeface="Ebrima"/>
+      </a:majorFont>
+      <a:minorFont>
+        <a:latin typeface="Calibri" panose="020F0502020204030204"/>
+        <a:ea typeface=""/>
+        <a:cs typeface=""/>
+        <a:font script="Jpan" typeface="游ゴシック"/>
+        <a:font script="Hang" typeface="맑은 고딕"/>
+        <a:font script="Hans" typeface="等线"/>
+        <a:font script="Hant" typeface="新細明體"/>
+        <a:font script="Arab" typeface="Arial"/>
+        <a:font script="Hebr" typeface="Arial"/>
+        <a:font script="Thai" typeface="Cordia New"/>
+        <a:font script="Ethi" typeface="Nyala"/>
+        <a:font script="Beng" typeface="Vrinda"/>
+        <a:font script="Gujr" typeface="Shruti"/>
+        <a:font script="Khmr" typeface="DaunPenh"/>
+        <a:font script="Knda" typeface="Tunga"/>
+        <a:font script="Guru" typeface="Raavi"/>
+        <a:font script="Cans" typeface="Euphemia"/>
+        <a:font script="Cher" typeface="Plantagenet Cherokee"/>
+        <a:font script="Yiii" typeface="Microsoft Yi Baiti"/>
+        <a:font script="Tibt" typeface="Microsoft Himalaya"/>
+        <a:font script="Thaa" typeface="MV Boli"/>
+        <a:font script="Deva" typeface="Mangal"/>
+        <a:font script="Telu" typeface="Gautami"/>
+        <a:font script="Taml" typeface="Latha"/>
+        <a:font script="Syrc" typeface="Estrangelo Edessa"/>
+        <a:font script="Orya" typeface="Kalinga"/>
+        <a:font script="Mlym" typeface="Kartika"/>
+        <a:font script="Laoo" typeface="DokChampa"/>
+        <a:font script="Sinh" typeface="Iskoola Pota"/>
+        <a:font script="Mong" typeface="Mongolian Baiti"/>
+        <a:font script="Viet" typeface="Arial"/>
+        <a:font script="Uigh" typeface="Microsoft Uighur"/>
+        <a:font script="Geor" typeface="Sylfaen"/>
+        <a:font script="Armn" typeface="Arial"/>
+        <a:font script="Bugi" typeface="Leelawadee UI"/>
+        <a:font script="Bopo" typeface="Microsoft JhengHei"/>
+        <a:font script="Java" typeface="Javanese Text"/>
+        <a:font script="Lisu" typeface="Segoe UI"/>
+        <a:font script="Mymr" typeface="Myanmar Text"/>
+        <a:font script="Nkoo" typeface="Ebrima"/>
+        <a:font script="Olck" typeface="Nirmala UI"/>
+        <a:font script="Osma" typeface="Ebrima"/>
+        <a:font script="Phag" typeface="Phagspa"/>
+        <a:font script="Syrn" typeface="Estrangelo Edessa"/>
+        <a:font script="Syrj" typeface="Estrangelo Edessa"/>
+        <a:font script="Syre" typeface="Estrangelo Edessa"/>
+        <a:font script="Sora" typeface="Nirmala UI"/>
+        <a:font script="Tale" typeface="Microsoft Tai Le"/>
+        <a:font script="Talu" typeface="Microsoft New Tai Lue"/>
+        <a:font script="Tfng" typeface="Ebrima"/>
+      </a:minorFont>
+    </a:fontScheme>
+    <a:fmtScheme name="Office">
+      <a:fillStyleLst>
+        <a:solidFill>
+          <a:schemeClr val="phClr"/>
+        </a:solidFill>
+        <a:gradFill rotWithShape="1">
+          <a:gsLst>
+            <a:gs pos="0">
+              <a:schemeClr val="phClr">
+                <a:lumMod val="110000"/>
+                <a:satMod val="105000"/>
+                <a:tint val="67000"/>
+              </a:schemeClr>
+            </a:gs>
+            <a:gs pos="50000">
+              <a:schemeClr val="phClr">
+                <a:lumMod val="105000"/>
+                <a:satMod val="103000"/>
+                <a:tint val="73000"/>
+              </a:schemeClr>
+            </a:gs>
+            <a:gs pos="100000">
+              <a:schemeClr val="phClr">
+                <a:lumMod val="105000"/>
+                <a:satMod val="109000"/>
+                <a:tint val="81000"/>
+              </a:schemeClr>
+            </a:gs>
+          </a:gsLst>
+          <a:lin ang="5400000" scaled="0"/>
+        </a:gradFill>
+        <a:gradFill rotWithShape="1">
+          <a:gsLst>
+            <a:gs pos="0">
+              <a:schemeClr val="phClr">
+                <a:satMod val="103000"/>
+                <a:lumMod val="102000"/>
+                <a:tint val="94000"/>
+              </a:schemeClr>
+            </a:gs>
+            <a:gs pos="50000">
+              <a:schemeClr val="phClr">
+                <a:satMod val="110000"/>
+                <a:lumMod val="100000"/>
+                <a:shade val="100000"/>
+              </a:schemeClr>
+            </a:gs>
+            <a:gs pos="100000">
+              <a:schemeClr val="phClr">
+                <a:lumMod val="99000"/>
+                <a:satMod val="120000"/>
+                <a:shade val="78000"/>
+              </a:schemeClr>
+            </a:gs>
+          </a:gsLst>
+          <a:lin ang="5400000" scaled="0"/>
+        </a:gradFill>
+      </a:fillStyleLst>
+      <a:lnStyleLst>
+        <a:ln w="6350" cap="flat" cmpd="sng" algn="ctr">
+          <a:solidFill>
+            <a:schemeClr val="phClr"/>
+          </a:solidFill>
+          <a:prstDash val="solid"/>
+          <a:miter lim="800000"/>
+        </a:ln>
+        <a:ln w="12700" cap="flat" cmpd="sng" algn="ctr">
+          <a:solidFill>
+            <a:schemeClr val="phClr"/>
+          </a:solidFill>
+          <a:prstDash val="solid"/>
+          <a:miter lim="800000"/>
+        </a:ln>
+        <a:ln w="19050" cap="flat" cmpd="sng" algn="ctr">
+          <a:solidFill>
+            <a:schemeClr val="phClr"/>
+          </a:solidFill>
+          <a:prstDash val="solid"/>
+          <a:miter lim="800000"/>
+        </a:ln>
+      </a:lnStyleLst>
+      <a:effectStyleLst>
+        <a:effectStyle>
+          <a:effectLst/>
+        </a:effectStyle>
+        <a:effectStyle>
+          <a:effectLst/>
+        </a:effectStyle>
+        <a:effectStyle>
+          <a:effectLst>
+            <a:outerShdw blurRad="57150" dist="19050" dir="5400000" algn="ctr" rotWithShape="0">
+              <a:srgbClr val="000000">
+                <a:alpha val="63000"/>
+              </a:srgbClr>
+            </a:outerShdw>
+          </a:effectLst>
+        </a:effectStyle>
+      </a:effectStyleLst>
+      <a:bgFillStyleLst>
+        <a:solidFill>
+          <a:schemeClr val="phClr"/>
+        </a:solidFill>
+        <a:solidFill>
+          <a:schemeClr val="phClr">
+            <a:tint val="95000"/>
+            <a:satMod val="170000"/>
+          </a:schemeClr>
+        </a:solidFill>
+        <a:gradFill rotWithShape="1">
+          <a:gsLst>
+            <a:gs pos="0">
+              <a:schemeClr val="phClr">
+                <a:tint val="93000"/>
+                <a:satMod val="150000"/>
+                <a:shade val="98000"/>
+                <a:lumMod val="102000"/>
+              </a:schemeClr>
+            </a:gs>
+            <a:gs pos="50000">
+              <a:schemeClr val="phClr">
+                <a:tint val="98000"/>
+                <a:satMod val="130000"/>
+                <a:shade val="90000"/>
+                <a:lumMod val="103000"/>
+              </a:schemeClr>
+            </a:gs>
+            <a:gs pos="100000">
+              <a:schemeClr val="phClr">
+                <a:shade val="63000"/>
+                <a:satMod val="120000"/>
+              </a:schemeClr>
+            </a:gs>
+          </a:gsLst>
+          <a:lin ang="5400000" scaled="0"/>
+        </a:gradFill>
+      </a:bgFillStyleLst>
+    </a:fmtScheme>
+  </a:themeElements>
+  <a:objectDefaults/>
+  <a:extraClrSchemeLst/>
+  <a:extLst>
+    <a:ext uri="{05A4C25C-085E-4340-85A3-A5531E510DB2}">
+      <thm15:themeFamily xmlns:thm15="http://schemas.microsoft.com/office/thememl/2012/main" name="Office Theme" id="{62F939B6-93AF-4DB8-9C6B-D6C7DFDC589F}" vid="{4A3C46E8-61CC-4603-A589-7422A47A8E4A}"/>
+    </a:ext>
+  </a:extLst>
+</a:theme>
 </file>